--- a/Especificacao/FeelItaly.pptx
+++ b/Especificacao/FeelItaly.pptx
@@ -4497,8 +4497,8 @@
         </p:nvSpPr>
         <p:spPr>
           <a:xfrm>
-            <a:off x="964494" y="2337954"/>
-            <a:ext cx="2098126" cy="2182092"/>
+            <a:off x="636557" y="2073600"/>
+            <a:ext cx="2754000" cy="2710800"/>
           </a:xfrm>
           <a:prstGeom prst="ellipse">
             <a:avLst/>
@@ -4822,8 +4822,8 @@
         </p:nvSpPr>
         <p:spPr>
           <a:xfrm>
-            <a:off x="964494" y="2337954"/>
-            <a:ext cx="2098126" cy="2182092"/>
+            <a:off x="636557" y="2073599"/>
+            <a:ext cx="2754000" cy="2710800"/>
           </a:xfrm>
           <a:prstGeom prst="ellipse">
             <a:avLst/>
@@ -5744,8 +5744,8 @@
         </p:nvSpPr>
         <p:spPr>
           <a:xfrm>
-            <a:off x="483177" y="2348344"/>
-            <a:ext cx="3060759" cy="2317174"/>
+            <a:off x="488691" y="2073599"/>
+            <a:ext cx="3049732" cy="2710800"/>
           </a:xfrm>
           <a:prstGeom prst="ellipse">
             <a:avLst/>
@@ -8024,24 +8024,150 @@
       </p:sp>
       <p:sp>
         <p:nvSpPr>
-          <p:cNvPr id="2" name="Título 1">
-            <a:extLst>
-              <a:ext uri="{FF2B5EF4-FFF2-40B4-BE49-F238E27FC236}">
-                <a16:creationId xmlns:a16="http://schemas.microsoft.com/office/drawing/2014/main" id="{7E8400A2-82BA-4036-A6FE-BF5F48A90A12}"/>
-              </a:ext>
-            </a:extLst>
-          </p:cNvPr>
-          <p:cNvSpPr>
-            <a:spLocks noGrp="1"/>
-          </p:cNvSpPr>
-          <p:nvPr>
-            <p:ph type="title"/>
-          </p:nvPr>
+          <p:cNvPr id="7" name="CaixaDeTexto 6">
+            <a:extLst>
+              <a:ext uri="{FF2B5EF4-FFF2-40B4-BE49-F238E27FC236}">
+                <a16:creationId xmlns:a16="http://schemas.microsoft.com/office/drawing/2014/main" id="{AE58CAA1-ED69-EC49-BB82-078A7BEFA70A}"/>
+              </a:ext>
+            </a:extLst>
+          </p:cNvPr>
+          <p:cNvSpPr txBox="1"/>
+          <p:nvPr/>
         </p:nvSpPr>
         <p:spPr>
           <a:xfrm>
-            <a:off x="964494" y="2337954"/>
-            <a:ext cx="2098126" cy="2182092"/>
+            <a:off x="3685415" y="1305341"/>
+            <a:ext cx="8093472" cy="4247317"/>
+          </a:xfrm>
+          <a:prstGeom prst="rect">
+            <a:avLst/>
+          </a:prstGeom>
+          <a:noFill/>
+          <a:ln>
+            <a:solidFill>
+              <a:schemeClr val="tx1"/>
+            </a:solidFill>
+          </a:ln>
+        </p:spPr>
+        <p:txBody>
+          <a:bodyPr wrap="square" rtlCol="0">
+            <a:spAutoFit/>
+          </a:bodyPr>
+          <a:lstStyle/>
+          <a:p>
+            <a:pPr marL="342900" indent="-342900">
+              <a:buAutoNum type="arabicPeriod"/>
+            </a:pPr>
+            <a:r>
+              <a:rPr lang="pt-PT" dirty="0"/>
+              <a:t>O sistema deve estar disponível 24 horas por dia;</a:t>
+            </a:r>
+          </a:p>
+          <a:p>
+            <a:pPr marL="342900" indent="-342900">
+              <a:buAutoNum type="arabicPeriod"/>
+            </a:pPr>
+            <a:endParaRPr lang="pt-PT" dirty="0"/>
+          </a:p>
+          <a:p>
+            <a:pPr marL="342900" indent="-342900">
+              <a:buAutoNum type="arabicPeriod" startAt="2"/>
+            </a:pPr>
+            <a:r>
+              <a:rPr lang="pt-PT" dirty="0"/>
+              <a:t>O sistema deve ser de fácil uso;</a:t>
+            </a:r>
+          </a:p>
+          <a:p>
+            <a:pPr marL="342900" indent="-342900">
+              <a:buAutoNum type="arabicPeriod" startAt="2"/>
+            </a:pPr>
+            <a:endParaRPr lang="pt-PT" dirty="0"/>
+          </a:p>
+          <a:p>
+            <a:pPr marL="342900" indent="-342900">
+              <a:buAutoNum type="arabicPeriod" startAt="3"/>
+            </a:pPr>
+            <a:r>
+              <a:rPr lang="pt-PT" dirty="0"/>
+              <a:t>O sistema deve ser produzido de forma a funcionar corretamente em todos os browsers;</a:t>
+            </a:r>
+          </a:p>
+          <a:p>
+            <a:r>
+              <a:rPr lang="pt-PT" dirty="0"/>
+              <a:t>			(...)</a:t>
+            </a:r>
+          </a:p>
+          <a:p>
+            <a:pPr marL="342900" indent="-342900">
+              <a:buAutoNum type="arabicPeriod" startAt="6"/>
+            </a:pPr>
+            <a:r>
+              <a:rPr lang="pt-PT" dirty="0"/>
+              <a:t>A aplicação será desenvolvida para web e para mobile;</a:t>
+            </a:r>
+          </a:p>
+          <a:p>
+            <a:r>
+              <a:rPr lang="pt-PT" dirty="0"/>
+              <a:t>			(...)</a:t>
+            </a:r>
+          </a:p>
+          <a:p>
+            <a:pPr marL="342900" indent="-342900">
+              <a:buAutoNum type="arabicPeriod" startAt="9"/>
+            </a:pPr>
+            <a:r>
+              <a:rPr lang="pt-PT" dirty="0"/>
+              <a:t>O sistema deve recorrer a uma API de mapas para representar a localização do utilizador e a localização de estabelecimentos comerciais de alimentos.</a:t>
+            </a:r>
+          </a:p>
+          <a:p>
+            <a:r>
+              <a:rPr lang="pt-PT" dirty="0"/>
+              <a:t>			(...)</a:t>
+            </a:r>
+          </a:p>
+          <a:p>
+            <a:r>
+              <a:rPr lang="pt-PT" dirty="0"/>
+              <a:t>11. O sistema deve recorrer a um sistema de reconhecimento de voz para</a:t>
+            </a:r>
+          </a:p>
+          <a:p>
+            <a:r>
+              <a:rPr lang="pt-PT" dirty="0"/>
+              <a:t>reconhecer e efetuar as ações ditas pelo utilizador.</a:t>
+            </a:r>
+          </a:p>
+          <a:p>
+            <a:pPr marL="342900" indent="-342900">
+              <a:buFont typeface="Arial" panose="020B0604020202020204" pitchFamily="34" charset="0"/>
+              <a:buChar char="•"/>
+            </a:pPr>
+            <a:endParaRPr lang="pt-PT" dirty="0"/>
+          </a:p>
+        </p:txBody>
+      </p:sp>
+      <p:sp>
+        <p:nvSpPr>
+          <p:cNvPr id="10" name="Título 1">
+            <a:extLst>
+              <a:ext uri="{FF2B5EF4-FFF2-40B4-BE49-F238E27FC236}">
+                <a16:creationId xmlns:a16="http://schemas.microsoft.com/office/drawing/2014/main" id="{ED1FD719-0D33-E44E-ABFB-177837871CDE}"/>
+              </a:ext>
+            </a:extLst>
+          </p:cNvPr>
+          <p:cNvSpPr txBox="1">
+            <a:spLocks/>
+          </p:cNvSpPr>
+          <p:nvPr/>
+        </p:nvSpPr>
+        <p:spPr>
+          <a:xfrm>
+            <a:off x="640080" y="2074363"/>
+            <a:ext cx="2752354" cy="2709275"/>
           </a:xfrm>
           <a:prstGeom prst="ellipse">
             <a:avLst/>
@@ -8057,170 +8183,86 @@
         </p:spPr>
         <p:txBody>
           <a:bodyPr vert="horz" lIns="91440" tIns="45720" rIns="91440" bIns="45720" rtlCol="0" anchor="ctr">
-            <a:noAutofit/>
+            <a:normAutofit/>
           </a:bodyPr>
-          <a:lstStyle/>
+          <a:lstStyle>
+            <a:lvl1pPr algn="l" defTabSz="914400" rtl="0" eaLnBrk="1" latinLnBrk="0" hangingPunct="1">
+              <a:lnSpc>
+                <a:spcPct val="90000"/>
+              </a:lnSpc>
+              <a:spcBef>
+                <a:spcPct val="0"/>
+              </a:spcBef>
+              <a:buNone/>
+              <a:defRPr sz="4400" kern="1200">
+                <a:solidFill>
+                  <a:schemeClr val="tx1"/>
+                </a:solidFill>
+                <a:latin typeface="+mj-lt"/>
+                <a:ea typeface="+mj-ea"/>
+                <a:cs typeface="+mj-cs"/>
+              </a:defRPr>
+            </a:lvl1pPr>
+          </a:lstStyle>
           <a:p>
             <a:pPr algn="ctr"/>
+            <a:r>
+              <a:rPr lang="en-US" sz="1800" b="1" dirty="0" err="1">
+                <a:solidFill>
+                  <a:srgbClr val="FFFFFF"/>
+                </a:solidFill>
+                <a:latin typeface="Times" pitchFamily="2" charset="0"/>
+              </a:rPr>
+              <a:t>Requisitos</a:t>
+            </a:r>
+            <a:r>
+              <a:rPr lang="en-US" sz="1800" b="1" dirty="0">
+                <a:solidFill>
+                  <a:srgbClr val="FFFFFF"/>
+                </a:solidFill>
+                <a:latin typeface="Times" pitchFamily="2" charset="0"/>
+              </a:rPr>
+              <a:t> do Sistema </a:t>
+            </a:r>
+            <a:r>
+              <a:rPr lang="en-US" sz="1800" b="1" dirty="0" err="1">
+                <a:solidFill>
+                  <a:srgbClr val="FFFFFF"/>
+                </a:solidFill>
+                <a:latin typeface="Times" pitchFamily="2" charset="0"/>
+              </a:rPr>
+              <a:t>não</a:t>
+            </a:r>
+            <a:r>
+              <a:rPr lang="en-US" sz="1800" b="1" dirty="0">
+                <a:solidFill>
+                  <a:srgbClr val="FFFFFF"/>
+                </a:solidFill>
+                <a:latin typeface="Times" pitchFamily="2" charset="0"/>
+              </a:rPr>
+              <a:t> </a:t>
+            </a:r>
+            <a:r>
+              <a:rPr lang="en-US" sz="1800" b="1" dirty="0" err="1">
+                <a:solidFill>
+                  <a:srgbClr val="FFFFFF"/>
+                </a:solidFill>
+                <a:latin typeface="Times" pitchFamily="2" charset="0"/>
+              </a:rPr>
+              <a:t>Funcionais</a:t>
+            </a:r>
             <a:br>
-              <a:rPr lang="pt-PT" sz="1800" b="1" dirty="0">
-                <a:solidFill>
-                  <a:schemeClr val="bg1"/>
-                </a:solidFill>
-                <a:latin typeface="Times" pitchFamily="2" charset="0"/>
+              <a:rPr lang="en-US" sz="1800" dirty="0">
+                <a:solidFill>
+                  <a:srgbClr val="FFFFFF"/>
+                </a:solidFill>
               </a:rPr>
             </a:br>
-            <a:r>
-              <a:rPr lang="pt-PT" sz="1800" b="1" dirty="0">
-                <a:solidFill>
-                  <a:schemeClr val="bg1"/>
-                </a:solidFill>
-                <a:latin typeface="Times" pitchFamily="2" charset="0"/>
-              </a:rPr>
-              <a:t>Requisitos de Sistema não Funcionais</a:t>
-            </a:r>
-            <a:br>
-              <a:rPr lang="en-US" sz="1800" b="1" kern="1200" dirty="0">
-                <a:solidFill>
-                  <a:schemeClr val="bg1"/>
-                </a:solidFill>
-                <a:latin typeface="Times" pitchFamily="2" charset="0"/>
-              </a:rPr>
-            </a:br>
-            <a:endParaRPr lang="en-US" sz="1800" b="1" kern="1200" dirty="0">
+            <a:endParaRPr lang="en-US" sz="1800" dirty="0">
               <a:solidFill>
-                <a:schemeClr val="bg1"/>
+                <a:srgbClr val="FFFFFF"/>
               </a:solidFill>
-              <a:latin typeface="Times" pitchFamily="2" charset="0"/>
             </a:endParaRPr>
-          </a:p>
-        </p:txBody>
-      </p:sp>
-      <p:sp>
-        <p:nvSpPr>
-          <p:cNvPr id="7" name="CaixaDeTexto 6">
-            <a:extLst>
-              <a:ext uri="{FF2B5EF4-FFF2-40B4-BE49-F238E27FC236}">
-                <a16:creationId xmlns:a16="http://schemas.microsoft.com/office/drawing/2014/main" id="{AE58CAA1-ED69-EC49-BB82-078A7BEFA70A}"/>
-              </a:ext>
-            </a:extLst>
-          </p:cNvPr>
-          <p:cNvSpPr txBox="1"/>
-          <p:nvPr/>
-        </p:nvSpPr>
-        <p:spPr>
-          <a:xfrm>
-            <a:off x="3367701" y="1305341"/>
-            <a:ext cx="8519218" cy="4247317"/>
-          </a:xfrm>
-          <a:prstGeom prst="rect">
-            <a:avLst/>
-          </a:prstGeom>
-          <a:noFill/>
-          <a:ln>
-            <a:solidFill>
-              <a:schemeClr val="tx1"/>
-            </a:solidFill>
-          </a:ln>
-        </p:spPr>
-        <p:txBody>
-          <a:bodyPr wrap="square" rtlCol="0">
-            <a:spAutoFit/>
-          </a:bodyPr>
-          <a:lstStyle/>
-          <a:p>
-            <a:pPr marL="342900" indent="-342900">
-              <a:buAutoNum type="arabicPeriod"/>
-            </a:pPr>
-            <a:r>
-              <a:rPr lang="pt-PT" dirty="0"/>
-              <a:t>O sistema deve estar disponível 24 horas por dia;</a:t>
-            </a:r>
-          </a:p>
-          <a:p>
-            <a:pPr marL="342900" indent="-342900">
-              <a:buAutoNum type="arabicPeriod"/>
-            </a:pPr>
-            <a:endParaRPr lang="pt-PT" dirty="0"/>
-          </a:p>
-          <a:p>
-            <a:pPr marL="342900" indent="-342900">
-              <a:buAutoNum type="arabicPeriod" startAt="2"/>
-            </a:pPr>
-            <a:r>
-              <a:rPr lang="pt-PT" dirty="0"/>
-              <a:t>O sistema deve ser de fácil uso;</a:t>
-            </a:r>
-          </a:p>
-          <a:p>
-            <a:pPr marL="342900" indent="-342900">
-              <a:buAutoNum type="arabicPeriod" startAt="2"/>
-            </a:pPr>
-            <a:endParaRPr lang="pt-PT" dirty="0"/>
-          </a:p>
-          <a:p>
-            <a:pPr marL="342900" indent="-342900">
-              <a:buAutoNum type="arabicPeriod" startAt="3"/>
-            </a:pPr>
-            <a:r>
-              <a:rPr lang="pt-PT" dirty="0"/>
-              <a:t>O sistema deve ser produzido de forma a funcionar corretamente em todos os browsers;</a:t>
-            </a:r>
-          </a:p>
-          <a:p>
-            <a:r>
-              <a:rPr lang="pt-PT" dirty="0"/>
-              <a:t>			(...)</a:t>
-            </a:r>
-          </a:p>
-          <a:p>
-            <a:pPr marL="342900" indent="-342900">
-              <a:buAutoNum type="arabicPeriod" startAt="6"/>
-            </a:pPr>
-            <a:r>
-              <a:rPr lang="pt-PT" dirty="0"/>
-              <a:t>A aplicação será desenvolvida para web e para mobile;</a:t>
-            </a:r>
-          </a:p>
-          <a:p>
-            <a:r>
-              <a:rPr lang="pt-PT" dirty="0"/>
-              <a:t>			(...)</a:t>
-            </a:r>
-          </a:p>
-          <a:p>
-            <a:pPr marL="342900" indent="-342900">
-              <a:buAutoNum type="arabicPeriod" startAt="9"/>
-            </a:pPr>
-            <a:r>
-              <a:rPr lang="pt-PT" dirty="0"/>
-              <a:t>O sistema deve recorrer a uma API de mapas para representar a localização do utilizador e a localização de estabelecimentos comerciais de alimentos.</a:t>
-            </a:r>
-          </a:p>
-          <a:p>
-            <a:r>
-              <a:rPr lang="pt-PT" dirty="0"/>
-              <a:t>			(...)</a:t>
-            </a:r>
-          </a:p>
-          <a:p>
-            <a:r>
-              <a:rPr lang="pt-PT" dirty="0"/>
-              <a:t>11. O sistema deve recorrer a um sistema de reconhecimento de voz para</a:t>
-            </a:r>
-          </a:p>
-          <a:p>
-            <a:r>
-              <a:rPr lang="pt-PT" dirty="0"/>
-              <a:t>reconhecer e efetuar as ações ditas pelo utilizador.</a:t>
-            </a:r>
-          </a:p>
-          <a:p>
-            <a:pPr marL="342900" indent="-342900">
-              <a:buFont typeface="Arial" panose="020B0604020202020204" pitchFamily="34" charset="0"/>
-              <a:buChar char="•"/>
-            </a:pPr>
-            <a:endParaRPr lang="pt-PT" dirty="0"/>
           </a:p>
         </p:txBody>
       </p:sp>
@@ -8406,8 +8448,8 @@
         </p:nvSpPr>
         <p:spPr>
           <a:xfrm>
-            <a:off x="964494" y="2337954"/>
-            <a:ext cx="2098126" cy="2182092"/>
+            <a:off x="636557" y="2090172"/>
+            <a:ext cx="2754000" cy="2710800"/>
           </a:xfrm>
           <a:prstGeom prst="ellipse">
             <a:avLst/>
@@ -8752,8 +8794,8 @@
         </p:nvSpPr>
         <p:spPr>
           <a:xfrm>
-            <a:off x="964494" y="2337954"/>
-            <a:ext cx="2098126" cy="2182092"/>
+            <a:off x="636557" y="2073599"/>
+            <a:ext cx="2754000" cy="2710800"/>
           </a:xfrm>
           <a:prstGeom prst="ellipse">
             <a:avLst/>

--- a/Especificacao/FeelItaly.pptx
+++ b/Especificacao/FeelItaly.pptx
@@ -16,11 +16,30 @@
     <p:sldId id="283" r:id="rId10"/>
     <p:sldId id="282" r:id="rId11"/>
     <p:sldId id="287" r:id="rId12"/>
-    <p:sldId id="288" r:id="rId13"/>
-    <p:sldId id="281" r:id="rId14"/>
-    <p:sldId id="290" r:id="rId15"/>
-    <p:sldId id="289" r:id="rId16"/>
-    <p:sldId id="276" r:id="rId17"/>
+    <p:sldId id="291" r:id="rId13"/>
+    <p:sldId id="292" r:id="rId14"/>
+    <p:sldId id="293" r:id="rId15"/>
+    <p:sldId id="294" r:id="rId16"/>
+    <p:sldId id="295" r:id="rId17"/>
+    <p:sldId id="296" r:id="rId18"/>
+    <p:sldId id="288" r:id="rId19"/>
+    <p:sldId id="281" r:id="rId20"/>
+    <p:sldId id="290" r:id="rId21"/>
+    <p:sldId id="289" r:id="rId22"/>
+    <p:sldId id="300" r:id="rId23"/>
+    <p:sldId id="301" r:id="rId24"/>
+    <p:sldId id="302" r:id="rId25"/>
+    <p:sldId id="303" r:id="rId26"/>
+    <p:sldId id="297" r:id="rId27"/>
+    <p:sldId id="298" r:id="rId28"/>
+    <p:sldId id="299" r:id="rId29"/>
+    <p:sldId id="304" r:id="rId30"/>
+    <p:sldId id="305" r:id="rId31"/>
+    <p:sldId id="306" r:id="rId32"/>
+    <p:sldId id="307" r:id="rId33"/>
+    <p:sldId id="308" r:id="rId34"/>
+    <p:sldId id="309" r:id="rId35"/>
+    <p:sldId id="276" r:id="rId36"/>
   </p:sldIdLst>
   <p:sldSz cx="12192000" cy="6858000"/>
   <p:notesSz cx="6858000" cy="9144000"/>
@@ -4822,7 +4841,7 @@
         </p:nvSpPr>
         <p:spPr>
           <a:xfrm>
-            <a:off x="636557" y="2073599"/>
+            <a:off x="636557" y="2073600"/>
             <a:ext cx="2754000" cy="2710800"/>
           </a:xfrm>
           <a:prstGeom prst="ellipse">
@@ -4844,22 +4863,14 @@
           <a:lstStyle/>
           <a:p>
             <a:pPr algn="ctr"/>
-            <a:br>
+            <a:r>
               <a:rPr lang="pt-PT" sz="2000" b="1" dirty="0">
                 <a:solidFill>
                   <a:schemeClr val="bg1"/>
                 </a:solidFill>
                 <a:latin typeface="Times" pitchFamily="2" charset="0"/>
               </a:rPr>
-            </a:br>
-            <a:r>
-              <a:rPr lang="pt-PT" sz="2000" b="1" dirty="0">
-                <a:solidFill>
-                  <a:schemeClr val="bg1"/>
-                </a:solidFill>
-                <a:latin typeface="Times" pitchFamily="2" charset="0"/>
-              </a:rPr>
-              <a:t>Modelos de Estruturais</a:t>
+              <a:t>Diagrama de Use Cases</a:t>
             </a:r>
             <a:br>
               <a:rPr lang="en-US" sz="1800" kern="1200" dirty="0">
@@ -4882,72 +4893,40 @@
           </a:p>
         </p:txBody>
       </p:sp>
-      <p:sp>
-        <p:nvSpPr>
-          <p:cNvPr id="6" name="CaixaDeTexto 5">
-            <a:extLst>
-              <a:ext uri="{FF2B5EF4-FFF2-40B4-BE49-F238E27FC236}">
-                <a16:creationId xmlns:a16="http://schemas.microsoft.com/office/drawing/2014/main" id="{9DF6027C-662C-9B47-9D46-9EFE09111DB3}"/>
-              </a:ext>
-            </a:extLst>
-          </p:cNvPr>
-          <p:cNvSpPr txBox="1"/>
+      <p:pic>
+        <p:nvPicPr>
+          <p:cNvPr id="8" name="Imagem 7" descr="Uma imagem com texto&#10;&#10;&#10;&#10;Descrição gerada automaticamente">
+            <a:extLst>
+              <a:ext uri="{FF2B5EF4-FFF2-40B4-BE49-F238E27FC236}">
+                <a16:creationId xmlns:a16="http://schemas.microsoft.com/office/drawing/2014/main" id="{074E555C-3FE4-8A47-9511-16D632C32D75}"/>
+              </a:ext>
+            </a:extLst>
+          </p:cNvPr>
+          <p:cNvPicPr>
+            <a:picLocks noChangeAspect="1"/>
+          </p:cNvPicPr>
           <p:nvPr/>
-        </p:nvSpPr>
-        <p:spPr>
-          <a:xfrm>
-            <a:off x="4027114" y="2828835"/>
-            <a:ext cx="5324704" cy="1200329"/>
+        </p:nvPicPr>
+        <p:blipFill>
+          <a:blip r:embed="rId2"/>
+          <a:stretch>
+            <a:fillRect/>
+          </a:stretch>
+        </p:blipFill>
+        <p:spPr>
+          <a:xfrm>
+            <a:off x="4818184" y="0"/>
+            <a:ext cx="5640265" cy="6872905"/>
           </a:xfrm>
           <a:prstGeom prst="rect">
             <a:avLst/>
           </a:prstGeom>
-          <a:noFill/>
-        </p:spPr>
-        <p:txBody>
-          <a:bodyPr wrap="square" rtlCol="0">
-            <a:spAutoFit/>
-          </a:bodyPr>
-          <a:lstStyle/>
-          <a:p>
-            <a:pPr marL="285750" indent="-285750">
-              <a:buFont typeface="Arial" panose="020B0604020202020204" pitchFamily="34" charset="0"/>
-              <a:buChar char="•"/>
-            </a:pPr>
-            <a:r>
-              <a:rPr lang="pt-PT" sz="2400" dirty="0">
-                <a:latin typeface="Times" pitchFamily="2" charset="0"/>
-              </a:rPr>
-              <a:t> Diagrama de Classes</a:t>
-            </a:r>
-          </a:p>
-          <a:p>
-            <a:pPr marL="285750" indent="-285750">
-              <a:buFont typeface="Arial" panose="020B0604020202020204" pitchFamily="34" charset="0"/>
-              <a:buChar char="•"/>
-            </a:pPr>
-            <a:endParaRPr lang="pt-PT" sz="2400" dirty="0">
-              <a:latin typeface="Times" pitchFamily="2" charset="0"/>
-            </a:endParaRPr>
-          </a:p>
-          <a:p>
-            <a:pPr marL="285750" indent="-285750">
-              <a:buFont typeface="Arial" panose="020B0604020202020204" pitchFamily="34" charset="0"/>
-              <a:buChar char="•"/>
-            </a:pPr>
-            <a:r>
-              <a:rPr lang="pt-PT" sz="2400" dirty="0">
-                <a:latin typeface="Times" pitchFamily="2" charset="0"/>
-              </a:rPr>
-              <a:t>Diagrama de Classes ORM</a:t>
-            </a:r>
-          </a:p>
-        </p:txBody>
-      </p:sp>
+        </p:spPr>
+      </p:pic>
     </p:spTree>
     <p:extLst>
       <p:ext uri="{BB962C8B-B14F-4D97-AF65-F5344CB8AC3E}">
-        <p14:creationId xmlns:p14="http://schemas.microsoft.com/office/powerpoint/2010/main" val="3476867707"/>
+        <p14:creationId xmlns:p14="http://schemas.microsoft.com/office/powerpoint/2010/main" val="1342347334"/>
       </p:ext>
     </p:extLst>
   </p:cSld>
@@ -5108,12 +5087,89 @@
           </a:p>
         </p:txBody>
       </p:sp>
+      <p:sp>
+        <p:nvSpPr>
+          <p:cNvPr id="2" name="Título 1">
+            <a:extLst>
+              <a:ext uri="{FF2B5EF4-FFF2-40B4-BE49-F238E27FC236}">
+                <a16:creationId xmlns:a16="http://schemas.microsoft.com/office/drawing/2014/main" id="{7E8400A2-82BA-4036-A6FE-BF5F48A90A12}"/>
+              </a:ext>
+            </a:extLst>
+          </p:cNvPr>
+          <p:cNvSpPr>
+            <a:spLocks noGrp="1"/>
+          </p:cNvSpPr>
+          <p:nvPr>
+            <p:ph type="title"/>
+          </p:nvPr>
+        </p:nvSpPr>
+        <p:spPr>
+          <a:xfrm>
+            <a:off x="636557" y="2073600"/>
+            <a:ext cx="2754000" cy="2710800"/>
+          </a:xfrm>
+          <a:prstGeom prst="ellipse">
+            <a:avLst/>
+          </a:prstGeom>
+          <a:solidFill>
+            <a:srgbClr val="262626"/>
+          </a:solidFill>
+          <a:ln w="174625" cmpd="thinThick">
+            <a:solidFill>
+              <a:srgbClr val="262626"/>
+            </a:solidFill>
+          </a:ln>
+        </p:spPr>
+        <p:txBody>
+          <a:bodyPr vert="horz" lIns="91440" tIns="45720" rIns="91440" bIns="45720" rtlCol="0" anchor="ctr">
+            <a:normAutofit/>
+          </a:bodyPr>
+          <a:lstStyle/>
+          <a:p>
+            <a:pPr algn="ctr"/>
+            <a:r>
+              <a:rPr lang="pt-PT" sz="2000" b="1" dirty="0">
+                <a:solidFill>
+                  <a:schemeClr val="bg1"/>
+                </a:solidFill>
+                <a:latin typeface="Times" pitchFamily="2" charset="0"/>
+              </a:rPr>
+              <a:t>DSS – </a:t>
+            </a:r>
+            <a:br>
+              <a:rPr lang="pt-PT" sz="2000" b="1" dirty="0">
+                <a:solidFill>
+                  <a:schemeClr val="bg1"/>
+                </a:solidFill>
+                <a:latin typeface="Times" pitchFamily="2" charset="0"/>
+              </a:rPr>
+            </a:br>
+            <a:r>
+              <a:rPr lang="pt-PT" sz="2000" b="1" dirty="0">
+                <a:solidFill>
+                  <a:schemeClr val="bg1"/>
+                </a:solidFill>
+                <a:latin typeface="Times" pitchFamily="2" charset="0"/>
+              </a:rPr>
+              <a:t>Pré-Visualizar Receitas</a:t>
+            </a:r>
+            <a:endParaRPr lang="en-US" sz="1800" kern="1200" dirty="0">
+              <a:solidFill>
+                <a:srgbClr val="FFFFFF"/>
+              </a:solidFill>
+              <a:latin typeface="+mj-lt"/>
+              <a:ea typeface="+mj-ea"/>
+              <a:cs typeface="+mj-cs"/>
+            </a:endParaRPr>
+          </a:p>
+        </p:txBody>
+      </p:sp>
       <p:pic>
         <p:nvPicPr>
-          <p:cNvPr id="4" name="Imagem 3" descr="Uma imagem com captura de ecrã&#10;&#10;Descrição gerada automaticamente">
-            <a:extLst>
-              <a:ext uri="{FF2B5EF4-FFF2-40B4-BE49-F238E27FC236}">
-                <a16:creationId xmlns:a16="http://schemas.microsoft.com/office/drawing/2014/main" id="{8FE8F8AA-4541-4545-B359-CB35BD95BD43}"/>
+          <p:cNvPr id="4" name="Imagem 3" descr="Uma imagem com captura de ecrã&#10;&#10;&#10;&#10;Descrição gerada automaticamente">
+            <a:extLst>
+              <a:ext uri="{FF2B5EF4-FFF2-40B4-BE49-F238E27FC236}">
+                <a16:creationId xmlns:a16="http://schemas.microsoft.com/office/drawing/2014/main" id="{B06C6633-2201-E74A-A799-6626DED645B5}"/>
               </a:ext>
             </a:extLst>
           </p:cNvPr>
@@ -5130,133 +5186,18 @@
         </p:blipFill>
         <p:spPr>
           <a:xfrm>
-            <a:off x="2604147" y="128587"/>
-            <a:ext cx="9477492" cy="5763058"/>
+            <a:off x="5126609" y="1547992"/>
+            <a:ext cx="4770139" cy="3762016"/>
           </a:xfrm>
           <a:prstGeom prst="rect">
             <a:avLst/>
           </a:prstGeom>
         </p:spPr>
       </p:pic>
-      <p:sp>
-        <p:nvSpPr>
-          <p:cNvPr id="2" name="Título 1">
-            <a:extLst>
-              <a:ext uri="{FF2B5EF4-FFF2-40B4-BE49-F238E27FC236}">
-                <a16:creationId xmlns:a16="http://schemas.microsoft.com/office/drawing/2014/main" id="{7E8400A2-82BA-4036-A6FE-BF5F48A90A12}"/>
-              </a:ext>
-            </a:extLst>
-          </p:cNvPr>
-          <p:cNvSpPr>
-            <a:spLocks noGrp="1"/>
-          </p:cNvSpPr>
-          <p:nvPr>
-            <p:ph type="title"/>
-          </p:nvPr>
-        </p:nvSpPr>
-        <p:spPr>
-          <a:xfrm>
-            <a:off x="1091883" y="2369126"/>
-            <a:ext cx="1843347" cy="1915747"/>
-          </a:xfrm>
-          <a:prstGeom prst="ellipse">
-            <a:avLst/>
-          </a:prstGeom>
-          <a:solidFill>
-            <a:srgbClr val="262626"/>
-          </a:solidFill>
-          <a:ln w="174625" cmpd="thinThick">
-            <a:solidFill>
-              <a:srgbClr val="262626"/>
-            </a:solidFill>
-          </a:ln>
-        </p:spPr>
-        <p:txBody>
-          <a:bodyPr vert="horz" lIns="91440" tIns="45720" rIns="91440" bIns="45720" rtlCol="0" anchor="ctr">
-            <a:normAutofit/>
-          </a:bodyPr>
-          <a:lstStyle/>
-          <a:p>
-            <a:pPr algn="ctr"/>
-            <a:r>
-              <a:rPr lang="en-US" sz="1800" b="1" kern="1200" dirty="0" err="1">
-                <a:solidFill>
-                  <a:srgbClr val="FFFFFF"/>
-                </a:solidFill>
-                <a:latin typeface="Times" pitchFamily="2" charset="0"/>
-              </a:rPr>
-              <a:t>Modelos</a:t>
-            </a:r>
-            <a:r>
-              <a:rPr lang="en-US" sz="1800" b="1" kern="1200" dirty="0">
-                <a:solidFill>
-                  <a:srgbClr val="FFFFFF"/>
-                </a:solidFill>
-                <a:latin typeface="Times" pitchFamily="2" charset="0"/>
-              </a:rPr>
-              <a:t> </a:t>
-            </a:r>
-            <a:r>
-              <a:rPr lang="en-US" sz="1800" b="1" kern="1200" dirty="0" err="1">
-                <a:solidFill>
-                  <a:srgbClr val="FFFFFF"/>
-                </a:solidFill>
-                <a:latin typeface="Times" pitchFamily="2" charset="0"/>
-              </a:rPr>
-              <a:t>Estruturais</a:t>
-            </a:r>
-            <a:r>
-              <a:rPr lang="en-US" sz="1800" b="1" kern="1200" dirty="0">
-                <a:solidFill>
-                  <a:srgbClr val="FFFFFF"/>
-                </a:solidFill>
-                <a:latin typeface="Times" pitchFamily="2" charset="0"/>
-              </a:rPr>
-              <a:t> -</a:t>
-            </a:r>
-            <a:r>
-              <a:rPr lang="en-US" sz="1800" b="1" kern="1200" dirty="0" err="1">
-                <a:solidFill>
-                  <a:srgbClr val="FFFFFF"/>
-                </a:solidFill>
-                <a:latin typeface="Times" pitchFamily="2" charset="0"/>
-              </a:rPr>
-              <a:t>Diagrama</a:t>
-            </a:r>
-            <a:r>
-              <a:rPr lang="en-US" sz="1800" b="1" kern="1200" dirty="0">
-                <a:solidFill>
-                  <a:srgbClr val="FFFFFF"/>
-                </a:solidFill>
-                <a:latin typeface="Times" pitchFamily="2" charset="0"/>
-              </a:rPr>
-              <a:t> de Classes</a:t>
-            </a:r>
-            <a:br>
-              <a:rPr lang="en-US" sz="1800" kern="1200" dirty="0">
-                <a:solidFill>
-                  <a:srgbClr val="FFFFFF"/>
-                </a:solidFill>
-                <a:latin typeface="+mj-lt"/>
-                <a:ea typeface="+mj-ea"/>
-                <a:cs typeface="+mj-cs"/>
-              </a:rPr>
-            </a:br>
-            <a:endParaRPr lang="en-US" sz="1800" kern="1200" dirty="0">
-              <a:solidFill>
-                <a:srgbClr val="FFFFFF"/>
-              </a:solidFill>
-              <a:latin typeface="+mj-lt"/>
-              <a:ea typeface="+mj-ea"/>
-              <a:cs typeface="+mj-cs"/>
-            </a:endParaRPr>
-          </a:p>
-        </p:txBody>
-      </p:sp>
     </p:spTree>
     <p:extLst>
       <p:ext uri="{BB962C8B-B14F-4D97-AF65-F5344CB8AC3E}">
-        <p14:creationId xmlns:p14="http://schemas.microsoft.com/office/powerpoint/2010/main" val="1720854519"/>
+        <p14:creationId xmlns:p14="http://schemas.microsoft.com/office/powerpoint/2010/main" val="3243227956"/>
       </p:ext>
     </p:extLst>
   </p:cSld>
@@ -5417,12 +5358,91 @@
           </a:p>
         </p:txBody>
       </p:sp>
+      <p:sp>
+        <p:nvSpPr>
+          <p:cNvPr id="2" name="Título 1">
+            <a:extLst>
+              <a:ext uri="{FF2B5EF4-FFF2-40B4-BE49-F238E27FC236}">
+                <a16:creationId xmlns:a16="http://schemas.microsoft.com/office/drawing/2014/main" id="{7E8400A2-82BA-4036-A6FE-BF5F48A90A12}"/>
+              </a:ext>
+            </a:extLst>
+          </p:cNvPr>
+          <p:cNvSpPr>
+            <a:spLocks noGrp="1"/>
+          </p:cNvSpPr>
+          <p:nvPr>
+            <p:ph type="title"/>
+          </p:nvPr>
+        </p:nvSpPr>
+        <p:spPr>
+          <a:xfrm>
+            <a:off x="636557" y="2073600"/>
+            <a:ext cx="2754000" cy="2710800"/>
+          </a:xfrm>
+          <a:prstGeom prst="ellipse">
+            <a:avLst/>
+          </a:prstGeom>
+          <a:solidFill>
+            <a:srgbClr val="262626"/>
+          </a:solidFill>
+          <a:ln w="174625" cmpd="thinThick">
+            <a:solidFill>
+              <a:srgbClr val="262626"/>
+            </a:solidFill>
+          </a:ln>
+        </p:spPr>
+        <p:txBody>
+          <a:bodyPr vert="horz" lIns="91440" tIns="45720" rIns="91440" bIns="45720" rtlCol="0" anchor="ctr">
+            <a:normAutofit/>
+          </a:bodyPr>
+          <a:lstStyle/>
+          <a:p>
+            <a:pPr algn="ctr"/>
+            <a:r>
+              <a:rPr lang="pt-PT" sz="2000" b="1" dirty="0">
+                <a:solidFill>
+                  <a:schemeClr val="bg1"/>
+                </a:solidFill>
+                <a:latin typeface="Times" pitchFamily="2" charset="0"/>
+              </a:rPr>
+              <a:t>DSS – </a:t>
+            </a:r>
+            <a:br>
+              <a:rPr lang="pt-PT" sz="2000" b="1" dirty="0">
+                <a:solidFill>
+                  <a:schemeClr val="bg1"/>
+                </a:solidFill>
+                <a:latin typeface="Times" pitchFamily="2" charset="0"/>
+              </a:rPr>
+            </a:br>
+            <a:r>
+              <a:rPr lang="pt-PT" sz="2000" b="1" kern="1200" dirty="0">
+                <a:solidFill>
+                  <a:schemeClr val="bg1"/>
+                </a:solidFill>
+                <a:latin typeface="Times" pitchFamily="2" charset="0"/>
+                <a:ea typeface="+mj-ea"/>
+                <a:cs typeface="+mj-cs"/>
+              </a:rPr>
+              <a:t>Filtrar Receitas</a:t>
+            </a:r>
+            <a:endParaRPr lang="en-US" sz="1800" kern="1200" dirty="0">
+              <a:solidFill>
+                <a:srgbClr val="FFFFFF"/>
+              </a:solidFill>
+              <a:latin typeface="+mj-lt"/>
+              <a:ea typeface="+mj-ea"/>
+              <a:cs typeface="+mj-cs"/>
+            </a:endParaRPr>
+          </a:p>
+        </p:txBody>
+      </p:sp>
       <p:pic>
         <p:nvPicPr>
-          <p:cNvPr id="5" name="Imagem 4" descr="Uma imagem com captura de ecrã&#10;&#10;Descrição gerada automaticamente">
-            <a:extLst>
-              <a:ext uri="{FF2B5EF4-FFF2-40B4-BE49-F238E27FC236}">
-                <a16:creationId xmlns:a16="http://schemas.microsoft.com/office/drawing/2014/main" id="{7B11A2EB-3B60-D249-8D5F-A954A7666857}"/>
+          <p:cNvPr id="4" name="Imagem 3" descr="Uma imagem com captura de ecrã&#10;&#10;&#10;&#10;Descrição gerada automaticamente">
+            <a:extLst>
+              <a:ext uri="{FF2B5EF4-FFF2-40B4-BE49-F238E27FC236}">
+                <a16:creationId xmlns:a16="http://schemas.microsoft.com/office/drawing/2014/main" id="{2814A449-7EB1-D844-AD21-003C7511E87D}"/>
               </a:ext>
             </a:extLst>
           </p:cNvPr>
@@ -5439,133 +5459,18 @@
         </p:blipFill>
         <p:spPr>
           <a:xfrm>
-            <a:off x="2264882" y="0"/>
-            <a:ext cx="9846434" cy="5257799"/>
+            <a:off x="3743084" y="780561"/>
+            <a:ext cx="8043004" cy="5296877"/>
           </a:xfrm>
           <a:prstGeom prst="rect">
             <a:avLst/>
           </a:prstGeom>
         </p:spPr>
       </p:pic>
-      <p:sp>
-        <p:nvSpPr>
-          <p:cNvPr id="2" name="Título 1">
-            <a:extLst>
-              <a:ext uri="{FF2B5EF4-FFF2-40B4-BE49-F238E27FC236}">
-                <a16:creationId xmlns:a16="http://schemas.microsoft.com/office/drawing/2014/main" id="{7E8400A2-82BA-4036-A6FE-BF5F48A90A12}"/>
-              </a:ext>
-            </a:extLst>
-          </p:cNvPr>
-          <p:cNvSpPr>
-            <a:spLocks noGrp="1"/>
-          </p:cNvSpPr>
-          <p:nvPr>
-            <p:ph type="title"/>
-          </p:nvPr>
-        </p:nvSpPr>
-        <p:spPr>
-          <a:xfrm>
-            <a:off x="1091883" y="2369126"/>
-            <a:ext cx="1843347" cy="1915747"/>
-          </a:xfrm>
-          <a:prstGeom prst="ellipse">
-            <a:avLst/>
-          </a:prstGeom>
-          <a:solidFill>
-            <a:srgbClr val="262626"/>
-          </a:solidFill>
-          <a:ln w="174625" cmpd="thinThick">
-            <a:solidFill>
-              <a:srgbClr val="262626"/>
-            </a:solidFill>
-          </a:ln>
-        </p:spPr>
-        <p:txBody>
-          <a:bodyPr vert="horz" lIns="91440" tIns="45720" rIns="91440" bIns="45720" rtlCol="0" anchor="ctr">
-            <a:normAutofit fontScale="90000"/>
-          </a:bodyPr>
-          <a:lstStyle/>
-          <a:p>
-            <a:pPr algn="ctr"/>
-            <a:r>
-              <a:rPr lang="en-US" sz="2000" b="1" kern="1200" dirty="0" err="1">
-                <a:solidFill>
-                  <a:srgbClr val="FFFFFF"/>
-                </a:solidFill>
-                <a:latin typeface="Times" pitchFamily="2" charset="0"/>
-              </a:rPr>
-              <a:t>Modelos</a:t>
-            </a:r>
-            <a:r>
-              <a:rPr lang="en-US" sz="2000" b="1" kern="1200" dirty="0">
-                <a:solidFill>
-                  <a:srgbClr val="FFFFFF"/>
-                </a:solidFill>
-                <a:latin typeface="Times" pitchFamily="2" charset="0"/>
-              </a:rPr>
-              <a:t> </a:t>
-            </a:r>
-            <a:r>
-              <a:rPr lang="en-US" sz="2000" b="1" kern="1200" dirty="0" err="1">
-                <a:solidFill>
-                  <a:srgbClr val="FFFFFF"/>
-                </a:solidFill>
-                <a:latin typeface="Times" pitchFamily="2" charset="0"/>
-              </a:rPr>
-              <a:t>Estruturais</a:t>
-            </a:r>
-            <a:r>
-              <a:rPr lang="en-US" sz="2000" b="1" kern="1200" dirty="0">
-                <a:solidFill>
-                  <a:srgbClr val="FFFFFF"/>
-                </a:solidFill>
-                <a:latin typeface="Times" pitchFamily="2" charset="0"/>
-              </a:rPr>
-              <a:t> -</a:t>
-            </a:r>
-            <a:r>
-              <a:rPr lang="en-US" sz="2000" b="1" kern="1200" dirty="0" err="1">
-                <a:solidFill>
-                  <a:srgbClr val="FFFFFF"/>
-                </a:solidFill>
-                <a:latin typeface="Times" pitchFamily="2" charset="0"/>
-              </a:rPr>
-              <a:t>Diagrama</a:t>
-            </a:r>
-            <a:r>
-              <a:rPr lang="en-US" sz="2000" b="1" kern="1200" dirty="0">
-                <a:solidFill>
-                  <a:srgbClr val="FFFFFF"/>
-                </a:solidFill>
-                <a:latin typeface="Times" pitchFamily="2" charset="0"/>
-              </a:rPr>
-              <a:t> de Classes ORM</a:t>
-            </a:r>
-            <a:br>
-              <a:rPr lang="en-US" sz="1800" kern="1200" dirty="0">
-                <a:solidFill>
-                  <a:srgbClr val="FFFFFF"/>
-                </a:solidFill>
-                <a:latin typeface="+mj-lt"/>
-                <a:ea typeface="+mj-ea"/>
-                <a:cs typeface="+mj-cs"/>
-              </a:rPr>
-            </a:br>
-            <a:endParaRPr lang="en-US" sz="1800" kern="1200" dirty="0">
-              <a:solidFill>
-                <a:srgbClr val="FFFFFF"/>
-              </a:solidFill>
-              <a:latin typeface="+mj-lt"/>
-              <a:ea typeface="+mj-ea"/>
-              <a:cs typeface="+mj-cs"/>
-            </a:endParaRPr>
-          </a:p>
-        </p:txBody>
-      </p:sp>
     </p:spTree>
     <p:extLst>
       <p:ext uri="{BB962C8B-B14F-4D97-AF65-F5344CB8AC3E}">
-        <p14:creationId xmlns:p14="http://schemas.microsoft.com/office/powerpoint/2010/main" val="4089431201"/>
+        <p14:creationId xmlns:p14="http://schemas.microsoft.com/office/powerpoint/2010/main" val="580925313"/>
       </p:ext>
     </p:extLst>
   </p:cSld>
@@ -5744,8 +5649,8 @@
         </p:nvSpPr>
         <p:spPr>
           <a:xfrm>
-            <a:off x="488691" y="2073599"/>
-            <a:ext cx="3049732" cy="2710800"/>
+            <a:off x="636557" y="2073600"/>
+            <a:ext cx="2754000" cy="2710800"/>
           </a:xfrm>
           <a:prstGeom prst="ellipse">
             <a:avLst/>
@@ -5766,33 +5671,26 @@
           <a:lstStyle/>
           <a:p>
             <a:pPr algn="ctr"/>
-            <a:br>
+            <a:r>
               <a:rPr lang="pt-PT" sz="2000" b="1" dirty="0">
                 <a:solidFill>
                   <a:schemeClr val="bg1"/>
                 </a:solidFill>
                 <a:latin typeface="Times" pitchFamily="2" charset="0"/>
               </a:rPr>
-            </a:br>
-            <a:r>
-              <a:rPr lang="pt-PT" sz="2000" b="1" dirty="0">
+              <a:t>DSS – </a:t>
+            </a:r>
+            <a:r>
+              <a:rPr lang="pt-PT" sz="2000" b="1" kern="1200" dirty="0">
                 <a:solidFill>
                   <a:schemeClr val="bg1"/>
                 </a:solidFill>
                 <a:latin typeface="Times" pitchFamily="2" charset="0"/>
-              </a:rPr>
-              <a:t>Modelos de Comportamentais</a:t>
-            </a:r>
-            <a:br>
-              <a:rPr lang="en-US" sz="1800" kern="1200" dirty="0">
-                <a:solidFill>
-                  <a:srgbClr val="FFFFFF"/>
-                </a:solidFill>
-                <a:latin typeface="+mj-lt"/>
                 <a:ea typeface="+mj-ea"/>
                 <a:cs typeface="+mj-cs"/>
               </a:rPr>
-            </a:br>
+              <a:t>Selecionar Receita</a:t>
+            </a:r>
             <a:endParaRPr lang="en-US" sz="1800" kern="1200" dirty="0">
               <a:solidFill>
                 <a:srgbClr val="FFFFFF"/>
@@ -5804,72 +5702,40 @@
           </a:p>
         </p:txBody>
       </p:sp>
-      <p:sp>
-        <p:nvSpPr>
-          <p:cNvPr id="6" name="CaixaDeTexto 5">
-            <a:extLst>
-              <a:ext uri="{FF2B5EF4-FFF2-40B4-BE49-F238E27FC236}">
-                <a16:creationId xmlns:a16="http://schemas.microsoft.com/office/drawing/2014/main" id="{9DF6027C-662C-9B47-9D46-9EFE09111DB3}"/>
-              </a:ext>
-            </a:extLst>
-          </p:cNvPr>
-          <p:cNvSpPr txBox="1"/>
+      <p:pic>
+        <p:nvPicPr>
+          <p:cNvPr id="4" name="Imagem 3" descr="Uma imagem com captura de ecrã&#10;&#10;&#10;&#10;Descrição gerada automaticamente">
+            <a:extLst>
+              <a:ext uri="{FF2B5EF4-FFF2-40B4-BE49-F238E27FC236}">
+                <a16:creationId xmlns:a16="http://schemas.microsoft.com/office/drawing/2014/main" id="{25A66608-2AE5-7C49-BB6A-97C32477EC71}"/>
+              </a:ext>
+            </a:extLst>
+          </p:cNvPr>
+          <p:cNvPicPr>
+            <a:picLocks noChangeAspect="1"/>
+          </p:cNvPicPr>
           <p:nvPr/>
-        </p:nvSpPr>
-        <p:spPr>
-          <a:xfrm>
-            <a:off x="4027114" y="2828835"/>
-            <a:ext cx="5324704" cy="1200329"/>
+        </p:nvPicPr>
+        <p:blipFill>
+          <a:blip r:embed="rId2"/>
+          <a:stretch>
+            <a:fillRect/>
+          </a:stretch>
+        </p:blipFill>
+        <p:spPr>
+          <a:xfrm>
+            <a:off x="4027113" y="666750"/>
+            <a:ext cx="6629163" cy="5698984"/>
           </a:xfrm>
           <a:prstGeom prst="rect">
             <a:avLst/>
           </a:prstGeom>
-          <a:noFill/>
-        </p:spPr>
-        <p:txBody>
-          <a:bodyPr wrap="square" rtlCol="0">
-            <a:spAutoFit/>
-          </a:bodyPr>
-          <a:lstStyle/>
-          <a:p>
-            <a:pPr marL="285750" indent="-285750">
-              <a:buFont typeface="Arial" panose="020B0604020202020204" pitchFamily="34" charset="0"/>
-              <a:buChar char="•"/>
-            </a:pPr>
-            <a:r>
-              <a:rPr lang="pt-PT" sz="2400" dirty="0">
-                <a:latin typeface="Times" pitchFamily="2" charset="0"/>
-              </a:rPr>
-              <a:t> Diagrama de Classes</a:t>
-            </a:r>
-          </a:p>
-          <a:p>
-            <a:pPr marL="285750" indent="-285750">
-              <a:buFont typeface="Arial" panose="020B0604020202020204" pitchFamily="34" charset="0"/>
-              <a:buChar char="•"/>
-            </a:pPr>
-            <a:endParaRPr lang="pt-PT" sz="2400" dirty="0">
-              <a:latin typeface="Times" pitchFamily="2" charset="0"/>
-            </a:endParaRPr>
-          </a:p>
-          <a:p>
-            <a:pPr marL="285750" indent="-285750">
-              <a:buFont typeface="Arial" panose="020B0604020202020204" pitchFamily="34" charset="0"/>
-              <a:buChar char="•"/>
-            </a:pPr>
-            <a:r>
-              <a:rPr lang="pt-PT" sz="2400" dirty="0">
-                <a:latin typeface="Times" pitchFamily="2" charset="0"/>
-              </a:rPr>
-              <a:t>Diagrama de Classes ORM</a:t>
-            </a:r>
-          </a:p>
-        </p:txBody>
-      </p:sp>
+        </p:spPr>
+      </p:pic>
     </p:spTree>
     <p:extLst>
       <p:ext uri="{BB962C8B-B14F-4D97-AF65-F5344CB8AC3E}">
-        <p14:creationId xmlns:p14="http://schemas.microsoft.com/office/powerpoint/2010/main" val="1561061832"/>
+        <p14:creationId xmlns:p14="http://schemas.microsoft.com/office/powerpoint/2010/main" val="1316170331"/>
       </p:ext>
     </p:extLst>
   </p:cSld>
@@ -5882,6 +5748,14 @@
 <file path=ppt/slides/slide16.xml><?xml version="1.0" encoding="utf-8"?>
 <p:sld xmlns:a="http://schemas.openxmlformats.org/drawingml/2006/main" xmlns:r="http://schemas.openxmlformats.org/officeDocument/2006/relationships" xmlns:p="http://schemas.openxmlformats.org/presentationml/2006/main">
   <p:cSld>
+    <p:bg>
+      <p:bgPr>
+        <a:solidFill>
+          <a:schemeClr val="bg1"/>
+        </a:solidFill>
+        <a:effectLst/>
+      </p:bgPr>
+    </p:bg>
     <p:spTree>
       <p:nvGrpSpPr>
         <p:cNvPr id="1" name=""/>
@@ -5898,73 +5772,136 @@
       </p:grpSpPr>
       <p:sp>
         <p:nvSpPr>
-          <p:cNvPr id="2" name="Título 1">
-            <a:extLst>
-              <a:ext uri="{FF2B5EF4-FFF2-40B4-BE49-F238E27FC236}">
-                <a16:creationId xmlns:a16="http://schemas.microsoft.com/office/drawing/2014/main" id="{68B587D6-95F5-44B6-BB57-2DC2C68A6033}"/>
-              </a:ext>
-            </a:extLst>
-          </p:cNvPr>
-          <p:cNvSpPr>
-            <a:spLocks noGrp="1"/>
-          </p:cNvSpPr>
-          <p:nvPr>
-            <p:ph type="ctrTitle"/>
-          </p:nvPr>
-        </p:nvSpPr>
-        <p:spPr>
-          <a:xfrm>
-            <a:off x="2212532" y="1991662"/>
-            <a:ext cx="7766936" cy="1096899"/>
-          </a:xfrm>
+          <p:cNvPr id="15" name="Rectangle 11">
+            <a:extLst>
+              <a:ext uri="{FF2B5EF4-FFF2-40B4-BE49-F238E27FC236}">
+                <a16:creationId xmlns:a16="http://schemas.microsoft.com/office/drawing/2014/main" id="{6753252F-4873-4F63-801D-CC719279A7D5}"/>
+              </a:ext>
+              <a:ext uri="{C183D7F6-B498-43B3-948B-1728B52AA6E4}">
+                <adec:decorative xmlns:adec="http://schemas.microsoft.com/office/drawing/2017/decorative" val="1"/>
+              </a:ext>
+            </a:extLst>
+          </p:cNvPr>
+          <p:cNvSpPr>
+            <a:spLocks noGrp="1" noRot="1" noChangeAspect="1" noMove="1" noResize="1" noEditPoints="1" noAdjustHandles="1" noChangeArrowheads="1" noChangeShapeType="1" noTextEdit="1"/>
+          </p:cNvSpPr>
+          <p:nvPr>
+            <p:extLst>
+              <p:ext uri="{386F3935-93C4-4BCD-93E2-E3B085C9AB24}">
+                <p16:designElem xmlns:p16="http://schemas.microsoft.com/office/powerpoint/2015/main" val="1"/>
+              </p:ext>
+            </p:extLst>
+          </p:nvPr>
+        </p:nvSpPr>
+        <p:spPr>
+          <a:xfrm>
+            <a:off x="0" y="0"/>
+            <a:ext cx="12192000" cy="6858000"/>
+          </a:xfrm>
+          <a:prstGeom prst="rect">
+            <a:avLst/>
+          </a:prstGeom>
+          <a:solidFill>
+            <a:srgbClr val="FFFFFF"/>
+          </a:solidFill>
           <a:ln>
-            <a:solidFill>
-              <a:schemeClr val="tx1"/>
-            </a:solidFill>
+            <a:noFill/>
           </a:ln>
         </p:spPr>
         <p:style>
-          <a:lnRef idx="1">
-            <a:schemeClr val="accent3"/>
+          <a:lnRef idx="2">
+            <a:schemeClr val="accent1">
+              <a:shade val="50000"/>
+            </a:schemeClr>
           </a:lnRef>
-          <a:fillRef idx="3">
-            <a:schemeClr val="accent3"/>
+          <a:fillRef idx="1">
+            <a:schemeClr val="accent1"/>
           </a:fillRef>
-          <a:effectRef idx="2">
-            <a:schemeClr val="accent3"/>
+          <a:effectRef idx="0">
+            <a:schemeClr val="accent1"/>
           </a:effectRef>
           <a:fontRef idx="minor">
             <a:schemeClr val="lt1"/>
           </a:fontRef>
         </p:style>
         <p:txBody>
-          <a:bodyPr/>
-          <a:lstStyle/>
-          <a:p>
-            <a:r>
-              <a:rPr lang="pt-PT" dirty="0" err="1">
-                <a:solidFill>
-                  <a:schemeClr val="tx1"/>
-                </a:solidFill>
-                <a:latin typeface="Times" pitchFamily="2" charset="0"/>
-              </a:rPr>
-              <a:t>FeelItaly</a:t>
-            </a:r>
-            <a:endParaRPr lang="pt-PT" dirty="0">
-              <a:solidFill>
-                <a:schemeClr val="tx1"/>
-              </a:solidFill>
-              <a:latin typeface="Times" pitchFamily="2" charset="0"/>
-            </a:endParaRPr>
-          </a:p>
-        </p:txBody>
-      </p:sp>
-      <p:sp>
-        <p:nvSpPr>
-          <p:cNvPr id="3" name="Subtítulo 2">
-            <a:extLst>
-              <a:ext uri="{FF2B5EF4-FFF2-40B4-BE49-F238E27FC236}">
-                <a16:creationId xmlns:a16="http://schemas.microsoft.com/office/drawing/2014/main" id="{63179239-57AD-4120-B440-24FCE4A7687A}"/>
+          <a:bodyPr rtlCol="0" anchor="ctr"/>
+          <a:lstStyle/>
+          <a:p>
+            <a:pPr algn="ctr"/>
+            <a:endParaRPr lang="en-US"/>
+          </a:p>
+        </p:txBody>
+      </p:sp>
+      <p:sp>
+        <p:nvSpPr>
+          <p:cNvPr id="14" name="Rectangle 13">
+            <a:extLst>
+              <a:ext uri="{FF2B5EF4-FFF2-40B4-BE49-F238E27FC236}">
+                <a16:creationId xmlns:a16="http://schemas.microsoft.com/office/drawing/2014/main" id="{047C8CCB-F95D-4249-92DD-651249D3535A}"/>
+              </a:ext>
+              <a:ext uri="{C183D7F6-B498-43B3-948B-1728B52AA6E4}">
+                <adec:decorative xmlns:adec="http://schemas.microsoft.com/office/drawing/2017/decorative" val="1"/>
+              </a:ext>
+            </a:extLst>
+          </p:cNvPr>
+          <p:cNvSpPr>
+            <a:spLocks noGrp="1" noRot="1" noChangeAspect="1" noMove="1" noResize="1" noEditPoints="1" noAdjustHandles="1" noChangeArrowheads="1" noChangeShapeType="1" noTextEdit="1"/>
+          </p:cNvSpPr>
+          <p:nvPr>
+            <p:extLst>
+              <p:ext uri="{386F3935-93C4-4BCD-93E2-E3B085C9AB24}">
+                <p16:designElem xmlns:p16="http://schemas.microsoft.com/office/powerpoint/2015/main" val="1"/>
+              </p:ext>
+            </p:extLst>
+          </p:nvPr>
+        </p:nvSpPr>
+        <p:spPr>
+          <a:xfrm>
+            <a:off x="0" y="0"/>
+            <a:ext cx="2013557" cy="6858000"/>
+          </a:xfrm>
+          <a:prstGeom prst="rect">
+            <a:avLst/>
+          </a:prstGeom>
+          <a:solidFill>
+            <a:srgbClr val="546A84"/>
+          </a:solidFill>
+          <a:ln>
+            <a:noFill/>
+          </a:ln>
+        </p:spPr>
+        <p:style>
+          <a:lnRef idx="2">
+            <a:schemeClr val="accent1">
+              <a:shade val="50000"/>
+            </a:schemeClr>
+          </a:lnRef>
+          <a:fillRef idx="1">
+            <a:schemeClr val="accent1"/>
+          </a:fillRef>
+          <a:effectRef idx="0">
+            <a:schemeClr val="accent1"/>
+          </a:effectRef>
+          <a:fontRef idx="minor">
+            <a:schemeClr val="lt1"/>
+          </a:fontRef>
+        </p:style>
+        <p:txBody>
+          <a:bodyPr rtlCol="0" anchor="ctr"/>
+          <a:lstStyle/>
+          <a:p>
+            <a:pPr algn="ctr"/>
+            <a:endParaRPr lang="en-US"/>
+          </a:p>
+        </p:txBody>
+      </p:sp>
+      <p:sp>
+        <p:nvSpPr>
+          <p:cNvPr id="2" name="Título 1">
+            <a:extLst>
+              <a:ext uri="{FF2B5EF4-FFF2-40B4-BE49-F238E27FC236}">
+                <a16:creationId xmlns:a16="http://schemas.microsoft.com/office/drawing/2014/main" id="{7E8400A2-82BA-4036-A6FE-BF5F48A90A12}"/>
               </a:ext>
             </a:extLst>
           </p:cNvPr>
@@ -5972,582 +5909,992 @@
             <a:spLocks noGrp="1"/>
           </p:cNvSpPr>
           <p:nvPr>
-            <p:ph type="subTitle" idx="1"/>
-          </p:nvPr>
-        </p:nvSpPr>
-        <p:spPr>
-          <a:xfrm>
-            <a:off x="2924675" y="3088561"/>
-            <a:ext cx="6342649" cy="473882"/>
-          </a:xfrm>
-          <a:ln>
+            <p:ph type="title"/>
+          </p:nvPr>
+        </p:nvSpPr>
+        <p:spPr>
+          <a:xfrm>
+            <a:off x="636557" y="2073600"/>
+            <a:ext cx="2754000" cy="2710800"/>
+          </a:xfrm>
+          <a:prstGeom prst="ellipse">
+            <a:avLst/>
+          </a:prstGeom>
+          <a:solidFill>
+            <a:srgbClr val="262626"/>
+          </a:solidFill>
+          <a:ln w="174625" cmpd="thinThick">
             <a:solidFill>
-              <a:schemeClr val="tx1"/>
+              <a:srgbClr val="262626"/>
             </a:solidFill>
           </a:ln>
         </p:spPr>
+        <p:txBody>
+          <a:bodyPr vert="horz" lIns="91440" tIns="45720" rIns="91440" bIns="45720" rtlCol="0" anchor="ctr">
+            <a:normAutofit/>
+          </a:bodyPr>
+          <a:lstStyle/>
+          <a:p>
+            <a:pPr algn="ctr"/>
+            <a:r>
+              <a:rPr lang="pt-PT" sz="2000" b="1" dirty="0">
+                <a:solidFill>
+                  <a:schemeClr val="bg1"/>
+                </a:solidFill>
+                <a:latin typeface="Times" pitchFamily="2" charset="0"/>
+              </a:rPr>
+              <a:t>DSS –  </a:t>
+            </a:r>
+            <a:r>
+              <a:rPr lang="pt-PT" sz="2000" b="1" kern="1200" dirty="0">
+                <a:solidFill>
+                  <a:schemeClr val="bg1"/>
+                </a:solidFill>
+                <a:latin typeface="Times" pitchFamily="2" charset="0"/>
+                <a:ea typeface="+mj-ea"/>
+                <a:cs typeface="+mj-cs"/>
+              </a:rPr>
+              <a:t>Preparar Receita</a:t>
+            </a:r>
+            <a:endParaRPr lang="en-US" sz="1800" kern="1200" dirty="0">
+              <a:solidFill>
+                <a:srgbClr val="FFFFFF"/>
+              </a:solidFill>
+              <a:latin typeface="+mj-lt"/>
+              <a:ea typeface="+mj-ea"/>
+              <a:cs typeface="+mj-cs"/>
+            </a:endParaRPr>
+          </a:p>
+        </p:txBody>
+      </p:sp>
+      <p:pic>
+        <p:nvPicPr>
+          <p:cNvPr id="4" name="Imagem 3" descr="Uma imagem com captura de ecrã&#10;&#10;&#10;&#10;Descrição gerada automaticamente">
+            <a:extLst>
+              <a:ext uri="{FF2B5EF4-FFF2-40B4-BE49-F238E27FC236}">
+                <a16:creationId xmlns:a16="http://schemas.microsoft.com/office/drawing/2014/main" id="{283B7D56-A3F3-4B41-A2A1-A686D590D8EE}"/>
+              </a:ext>
+            </a:extLst>
+          </p:cNvPr>
+          <p:cNvPicPr>
+            <a:picLocks noChangeAspect="1"/>
+          </p:cNvPicPr>
+          <p:nvPr/>
+        </p:nvPicPr>
+        <p:blipFill>
+          <a:blip r:embed="rId2"/>
+          <a:stretch>
+            <a:fillRect/>
+          </a:stretch>
+        </p:blipFill>
+        <p:spPr>
+          <a:xfrm>
+            <a:off x="3779706" y="588935"/>
+            <a:ext cx="8412294" cy="6021091"/>
+          </a:xfrm>
+          <a:prstGeom prst="rect">
+            <a:avLst/>
+          </a:prstGeom>
+        </p:spPr>
+      </p:pic>
+    </p:spTree>
+    <p:extLst>
+      <p:ext uri="{BB962C8B-B14F-4D97-AF65-F5344CB8AC3E}">
+        <p14:creationId xmlns:p14="http://schemas.microsoft.com/office/powerpoint/2010/main" val="1382711374"/>
+      </p:ext>
+    </p:extLst>
+  </p:cSld>
+  <p:clrMapOvr>
+    <a:masterClrMapping/>
+  </p:clrMapOvr>
+</p:sld>
+</file>
+
+<file path=ppt/slides/slide17.xml><?xml version="1.0" encoding="utf-8"?>
+<p:sld xmlns:a="http://schemas.openxmlformats.org/drawingml/2006/main" xmlns:r="http://schemas.openxmlformats.org/officeDocument/2006/relationships" xmlns:p="http://schemas.openxmlformats.org/presentationml/2006/main">
+  <p:cSld>
+    <p:bg>
+      <p:bgPr>
+        <a:solidFill>
+          <a:schemeClr val="bg1"/>
+        </a:solidFill>
+        <a:effectLst/>
+      </p:bgPr>
+    </p:bg>
+    <p:spTree>
+      <p:nvGrpSpPr>
+        <p:cNvPr id="1" name=""/>
+        <p:cNvGrpSpPr/>
+        <p:nvPr/>
+      </p:nvGrpSpPr>
+      <p:grpSpPr>
+        <a:xfrm>
+          <a:off x="0" y="0"/>
+          <a:ext cx="0" cy="0"/>
+          <a:chOff x="0" y="0"/>
+          <a:chExt cx="0" cy="0"/>
+        </a:xfrm>
+      </p:grpSpPr>
+      <p:sp>
+        <p:nvSpPr>
+          <p:cNvPr id="15" name="Rectangle 11">
+            <a:extLst>
+              <a:ext uri="{FF2B5EF4-FFF2-40B4-BE49-F238E27FC236}">
+                <a16:creationId xmlns:a16="http://schemas.microsoft.com/office/drawing/2014/main" id="{6753252F-4873-4F63-801D-CC719279A7D5}"/>
+              </a:ext>
+              <a:ext uri="{C183D7F6-B498-43B3-948B-1728B52AA6E4}">
+                <adec:decorative xmlns:adec="http://schemas.microsoft.com/office/drawing/2017/decorative" val="1"/>
+              </a:ext>
+            </a:extLst>
+          </p:cNvPr>
+          <p:cNvSpPr>
+            <a:spLocks noGrp="1" noRot="1" noChangeAspect="1" noMove="1" noResize="1" noEditPoints="1" noAdjustHandles="1" noChangeArrowheads="1" noChangeShapeType="1" noTextEdit="1"/>
+          </p:cNvSpPr>
+          <p:nvPr>
+            <p:extLst>
+              <p:ext uri="{386F3935-93C4-4BCD-93E2-E3B085C9AB24}">
+                <p16:designElem xmlns:p16="http://schemas.microsoft.com/office/powerpoint/2015/main" val="1"/>
+              </p:ext>
+            </p:extLst>
+          </p:nvPr>
+        </p:nvSpPr>
+        <p:spPr>
+          <a:xfrm>
+            <a:off x="0" y="0"/>
+            <a:ext cx="12192000" cy="6858000"/>
+          </a:xfrm>
+          <a:prstGeom prst="rect">
+            <a:avLst/>
+          </a:prstGeom>
+          <a:solidFill>
+            <a:srgbClr val="FFFFFF"/>
+          </a:solidFill>
+          <a:ln>
+            <a:noFill/>
+          </a:ln>
+        </p:spPr>
         <p:style>
-          <a:lnRef idx="1">
-            <a:schemeClr val="accent3"/>
+          <a:lnRef idx="2">
+            <a:schemeClr val="accent1">
+              <a:shade val="50000"/>
+            </a:schemeClr>
           </a:lnRef>
-          <a:fillRef idx="2">
-            <a:schemeClr val="accent3"/>
+          <a:fillRef idx="1">
+            <a:schemeClr val="accent1"/>
           </a:fillRef>
-          <a:effectRef idx="1">
-            <a:schemeClr val="accent3"/>
+          <a:effectRef idx="0">
+            <a:schemeClr val="accent1"/>
           </a:effectRef>
           <a:fontRef idx="minor">
-            <a:schemeClr val="dk1"/>
+            <a:schemeClr val="lt1"/>
           </a:fontRef>
         </p:style>
         <p:txBody>
-          <a:bodyPr>
-            <a:normAutofit fontScale="92500"/>
+          <a:bodyPr rtlCol="0" anchor="ctr"/>
+          <a:lstStyle/>
+          <a:p>
+            <a:pPr algn="ctr"/>
+            <a:endParaRPr lang="en-US"/>
+          </a:p>
+        </p:txBody>
+      </p:sp>
+      <p:sp>
+        <p:nvSpPr>
+          <p:cNvPr id="14" name="Rectangle 13">
+            <a:extLst>
+              <a:ext uri="{FF2B5EF4-FFF2-40B4-BE49-F238E27FC236}">
+                <a16:creationId xmlns:a16="http://schemas.microsoft.com/office/drawing/2014/main" id="{047C8CCB-F95D-4249-92DD-651249D3535A}"/>
+              </a:ext>
+              <a:ext uri="{C183D7F6-B498-43B3-948B-1728B52AA6E4}">
+                <adec:decorative xmlns:adec="http://schemas.microsoft.com/office/drawing/2017/decorative" val="1"/>
+              </a:ext>
+            </a:extLst>
+          </p:cNvPr>
+          <p:cNvSpPr>
+            <a:spLocks noGrp="1" noRot="1" noChangeAspect="1" noMove="1" noResize="1" noEditPoints="1" noAdjustHandles="1" noChangeArrowheads="1" noChangeShapeType="1" noTextEdit="1"/>
+          </p:cNvSpPr>
+          <p:nvPr>
+            <p:extLst>
+              <p:ext uri="{386F3935-93C4-4BCD-93E2-E3B085C9AB24}">
+                <p16:designElem xmlns:p16="http://schemas.microsoft.com/office/powerpoint/2015/main" val="1"/>
+              </p:ext>
+            </p:extLst>
+          </p:nvPr>
+        </p:nvSpPr>
+        <p:spPr>
+          <a:xfrm>
+            <a:off x="0" y="0"/>
+            <a:ext cx="2013557" cy="6858000"/>
+          </a:xfrm>
+          <a:prstGeom prst="rect">
+            <a:avLst/>
+          </a:prstGeom>
+          <a:solidFill>
+            <a:srgbClr val="546A84"/>
+          </a:solidFill>
+          <a:ln>
+            <a:noFill/>
+          </a:ln>
+        </p:spPr>
+        <p:style>
+          <a:lnRef idx="2">
+            <a:schemeClr val="accent1">
+              <a:shade val="50000"/>
+            </a:schemeClr>
+          </a:lnRef>
+          <a:fillRef idx="1">
+            <a:schemeClr val="accent1"/>
+          </a:fillRef>
+          <a:effectRef idx="0">
+            <a:schemeClr val="accent1"/>
+          </a:effectRef>
+          <a:fontRef idx="minor">
+            <a:schemeClr val="lt1"/>
+          </a:fontRef>
+        </p:style>
+        <p:txBody>
+          <a:bodyPr rtlCol="0" anchor="ctr"/>
+          <a:lstStyle/>
+          <a:p>
+            <a:pPr algn="ctr"/>
+            <a:endParaRPr lang="en-US"/>
+          </a:p>
+        </p:txBody>
+      </p:sp>
+      <p:sp>
+        <p:nvSpPr>
+          <p:cNvPr id="2" name="Título 1">
+            <a:extLst>
+              <a:ext uri="{FF2B5EF4-FFF2-40B4-BE49-F238E27FC236}">
+                <a16:creationId xmlns:a16="http://schemas.microsoft.com/office/drawing/2014/main" id="{7E8400A2-82BA-4036-A6FE-BF5F48A90A12}"/>
+              </a:ext>
+            </a:extLst>
+          </p:cNvPr>
+          <p:cNvSpPr>
+            <a:spLocks noGrp="1"/>
+          </p:cNvSpPr>
+          <p:nvPr>
+            <p:ph type="title"/>
+          </p:nvPr>
+        </p:nvSpPr>
+        <p:spPr>
+          <a:xfrm>
+            <a:off x="636557" y="2073600"/>
+            <a:ext cx="2754000" cy="2710800"/>
+          </a:xfrm>
+          <a:prstGeom prst="ellipse">
+            <a:avLst/>
+          </a:prstGeom>
+          <a:solidFill>
+            <a:srgbClr val="262626"/>
+          </a:solidFill>
+          <a:ln w="174625" cmpd="thinThick">
+            <a:solidFill>
+              <a:srgbClr val="262626"/>
+            </a:solidFill>
+          </a:ln>
+        </p:spPr>
+        <p:txBody>
+          <a:bodyPr vert="horz" lIns="91440" tIns="45720" rIns="91440" bIns="45720" rtlCol="0" anchor="ctr">
+            <a:normAutofit/>
           </a:bodyPr>
           <a:lstStyle/>
           <a:p>
-            <a:r>
-              <a:rPr lang="pt-PT" dirty="0">
-                <a:latin typeface="Times" pitchFamily="2" charset="0"/>
-              </a:rPr>
-              <a:t>Com </a:t>
-            </a:r>
-            <a:r>
-              <a:rPr lang="pt-PT" dirty="0" err="1">
-                <a:latin typeface="Times" pitchFamily="2" charset="0"/>
-              </a:rPr>
-              <a:t>FeeIItaly</a:t>
-            </a:r>
-            <a:r>
-              <a:rPr lang="pt-PT" dirty="0">
-                <a:latin typeface="Times" pitchFamily="2" charset="0"/>
-              </a:rPr>
-              <a:t> na mão, é mais simples a confeção! </a:t>
-            </a:r>
-          </a:p>
-        </p:txBody>
-      </p:sp>
-      <p:sp>
-        <p:nvSpPr>
-          <p:cNvPr id="4" name="Text Box 6">
-            <a:extLst>
-              <a:ext uri="{FF2B5EF4-FFF2-40B4-BE49-F238E27FC236}">
-                <a16:creationId xmlns:a16="http://schemas.microsoft.com/office/drawing/2014/main" id="{1D2CD886-0138-41CB-BB1F-29B15D58722C}"/>
-              </a:ext>
-            </a:extLst>
-          </p:cNvPr>
-          <p:cNvSpPr txBox="1">
-            <a:spLocks/>
-          </p:cNvSpPr>
+            <a:pPr algn="ctr"/>
+            <a:r>
+              <a:rPr lang="pt-PT" sz="2000" b="1" dirty="0">
+                <a:solidFill>
+                  <a:schemeClr val="bg1"/>
+                </a:solidFill>
+                <a:latin typeface="Times" pitchFamily="2" charset="0"/>
+              </a:rPr>
+              <a:t>DSS – </a:t>
+            </a:r>
+            <a:br>
+              <a:rPr lang="pt-PT" sz="2000" b="1" dirty="0">
+                <a:solidFill>
+                  <a:schemeClr val="bg1"/>
+                </a:solidFill>
+                <a:latin typeface="Times" pitchFamily="2" charset="0"/>
+              </a:rPr>
+            </a:br>
+            <a:r>
+              <a:rPr lang="pt-PT" sz="2000" b="1" kern="1200" dirty="0">
+                <a:solidFill>
+                  <a:schemeClr val="bg1"/>
+                </a:solidFill>
+                <a:latin typeface="Times" pitchFamily="2" charset="0"/>
+                <a:ea typeface="+mj-ea"/>
+                <a:cs typeface="+mj-cs"/>
+              </a:rPr>
+              <a:t>Realizar Passo</a:t>
+            </a:r>
+            <a:endParaRPr lang="en-US" sz="1800" kern="1200" dirty="0">
+              <a:solidFill>
+                <a:srgbClr val="FFFFFF"/>
+              </a:solidFill>
+              <a:latin typeface="+mj-lt"/>
+              <a:ea typeface="+mj-ea"/>
+              <a:cs typeface="+mj-cs"/>
+            </a:endParaRPr>
+          </a:p>
+        </p:txBody>
+      </p:sp>
+      <p:pic>
+        <p:nvPicPr>
+          <p:cNvPr id="4" name="Imagem 3" descr="Uma imagem com captura de ecrã&#10;&#10;&#10;&#10;Descrição gerada automaticamente">
+            <a:extLst>
+              <a:ext uri="{FF2B5EF4-FFF2-40B4-BE49-F238E27FC236}">
+                <a16:creationId xmlns:a16="http://schemas.microsoft.com/office/drawing/2014/main" id="{CD445341-0636-744B-A3D1-5CCCEA1C204E}"/>
+              </a:ext>
+            </a:extLst>
+          </p:cNvPr>
+          <p:cNvPicPr>
+            <a:picLocks noChangeAspect="1"/>
+          </p:cNvPicPr>
           <p:nvPr/>
-        </p:nvSpPr>
-        <p:spPr bwMode="auto">
-          <a:xfrm>
-            <a:off x="1144173" y="4483080"/>
-            <a:ext cx="2990677" cy="2027303"/>
+        </p:nvPicPr>
+        <p:blipFill>
+          <a:blip r:embed="rId2"/>
+          <a:stretch>
+            <a:fillRect/>
+          </a:stretch>
+        </p:blipFill>
+        <p:spPr>
+          <a:xfrm>
+            <a:off x="3809617" y="0"/>
+            <a:ext cx="6331226" cy="6858000"/>
+          </a:xfrm>
+          <a:prstGeom prst="rect">
+            <a:avLst/>
+          </a:prstGeom>
+        </p:spPr>
+      </p:pic>
+    </p:spTree>
+    <p:extLst>
+      <p:ext uri="{BB962C8B-B14F-4D97-AF65-F5344CB8AC3E}">
+        <p14:creationId xmlns:p14="http://schemas.microsoft.com/office/powerpoint/2010/main" val="309546606"/>
+      </p:ext>
+    </p:extLst>
+  </p:cSld>
+  <p:clrMapOvr>
+    <a:masterClrMapping/>
+  </p:clrMapOvr>
+</p:sld>
+</file>
+
+<file path=ppt/slides/slide18.xml><?xml version="1.0" encoding="utf-8"?>
+<p:sld xmlns:a="http://schemas.openxmlformats.org/drawingml/2006/main" xmlns:r="http://schemas.openxmlformats.org/officeDocument/2006/relationships" xmlns:p="http://schemas.openxmlformats.org/presentationml/2006/main">
+  <p:cSld>
+    <p:bg>
+      <p:bgPr>
+        <a:solidFill>
+          <a:schemeClr val="bg1"/>
+        </a:solidFill>
+        <a:effectLst/>
+      </p:bgPr>
+    </p:bg>
+    <p:spTree>
+      <p:nvGrpSpPr>
+        <p:cNvPr id="1" name=""/>
+        <p:cNvGrpSpPr/>
+        <p:nvPr/>
+      </p:nvGrpSpPr>
+      <p:grpSpPr>
+        <a:xfrm>
+          <a:off x="0" y="0"/>
+          <a:ext cx="0" cy="0"/>
+          <a:chOff x="0" y="0"/>
+          <a:chExt cx="0" cy="0"/>
+        </a:xfrm>
+      </p:grpSpPr>
+      <p:sp>
+        <p:nvSpPr>
+          <p:cNvPr id="15" name="Rectangle 11">
+            <a:extLst>
+              <a:ext uri="{FF2B5EF4-FFF2-40B4-BE49-F238E27FC236}">
+                <a16:creationId xmlns:a16="http://schemas.microsoft.com/office/drawing/2014/main" id="{6753252F-4873-4F63-801D-CC719279A7D5}"/>
+              </a:ext>
+              <a:ext uri="{C183D7F6-B498-43B3-948B-1728B52AA6E4}">
+                <adec:decorative xmlns:adec="http://schemas.microsoft.com/office/drawing/2017/decorative" val="1"/>
+              </a:ext>
+            </a:extLst>
+          </p:cNvPr>
+          <p:cNvSpPr>
+            <a:spLocks noGrp="1" noRot="1" noChangeAspect="1" noMove="1" noResize="1" noEditPoints="1" noAdjustHandles="1" noChangeArrowheads="1" noChangeShapeType="1" noTextEdit="1"/>
+          </p:cNvSpPr>
+          <p:nvPr>
+            <p:extLst>
+              <p:ext uri="{386F3935-93C4-4BCD-93E2-E3B085C9AB24}">
+                <p16:designElem xmlns:p16="http://schemas.microsoft.com/office/powerpoint/2015/main" val="1"/>
+              </p:ext>
+            </p:extLst>
+          </p:nvPr>
+        </p:nvSpPr>
+        <p:spPr>
+          <a:xfrm>
+            <a:off x="0" y="0"/>
+            <a:ext cx="12192000" cy="6858000"/>
+          </a:xfrm>
+          <a:prstGeom prst="rect">
+            <a:avLst/>
+          </a:prstGeom>
+          <a:solidFill>
+            <a:srgbClr val="FFFFFF"/>
+          </a:solidFill>
+          <a:ln>
+            <a:noFill/>
+          </a:ln>
+        </p:spPr>
+        <p:style>
+          <a:lnRef idx="2">
+            <a:schemeClr val="accent1">
+              <a:shade val="50000"/>
+            </a:schemeClr>
+          </a:lnRef>
+          <a:fillRef idx="1">
+            <a:schemeClr val="accent1"/>
+          </a:fillRef>
+          <a:effectRef idx="0">
+            <a:schemeClr val="accent1"/>
+          </a:effectRef>
+          <a:fontRef idx="minor">
+            <a:schemeClr val="lt1"/>
+          </a:fontRef>
+        </p:style>
+        <p:txBody>
+          <a:bodyPr rtlCol="0" anchor="ctr"/>
+          <a:lstStyle/>
+          <a:p>
+            <a:pPr algn="ctr"/>
+            <a:endParaRPr lang="en-US"/>
+          </a:p>
+        </p:txBody>
+      </p:sp>
+      <p:sp>
+        <p:nvSpPr>
+          <p:cNvPr id="14" name="Rectangle 13">
+            <a:extLst>
+              <a:ext uri="{FF2B5EF4-FFF2-40B4-BE49-F238E27FC236}">
+                <a16:creationId xmlns:a16="http://schemas.microsoft.com/office/drawing/2014/main" id="{047C8CCB-F95D-4249-92DD-651249D3535A}"/>
+              </a:ext>
+              <a:ext uri="{C183D7F6-B498-43B3-948B-1728B52AA6E4}">
+                <adec:decorative xmlns:adec="http://schemas.microsoft.com/office/drawing/2017/decorative" val="1"/>
+              </a:ext>
+            </a:extLst>
+          </p:cNvPr>
+          <p:cNvSpPr>
+            <a:spLocks noGrp="1" noRot="1" noChangeAspect="1" noMove="1" noResize="1" noEditPoints="1" noAdjustHandles="1" noChangeArrowheads="1" noChangeShapeType="1" noTextEdit="1"/>
+          </p:cNvSpPr>
+          <p:nvPr>
+            <p:extLst>
+              <p:ext uri="{386F3935-93C4-4BCD-93E2-E3B085C9AB24}">
+                <p16:designElem xmlns:p16="http://schemas.microsoft.com/office/powerpoint/2015/main" val="1"/>
+              </p:ext>
+            </p:extLst>
+          </p:nvPr>
+        </p:nvSpPr>
+        <p:spPr>
+          <a:xfrm>
+            <a:off x="0" y="0"/>
+            <a:ext cx="2013557" cy="6858000"/>
+          </a:xfrm>
+          <a:prstGeom prst="rect">
+            <a:avLst/>
+          </a:prstGeom>
+          <a:solidFill>
+            <a:srgbClr val="546A84"/>
+          </a:solidFill>
+          <a:ln>
+            <a:noFill/>
+          </a:ln>
+        </p:spPr>
+        <p:style>
+          <a:lnRef idx="2">
+            <a:schemeClr val="accent1">
+              <a:shade val="50000"/>
+            </a:schemeClr>
+          </a:lnRef>
+          <a:fillRef idx="1">
+            <a:schemeClr val="accent1"/>
+          </a:fillRef>
+          <a:effectRef idx="0">
+            <a:schemeClr val="accent1"/>
+          </a:effectRef>
+          <a:fontRef idx="minor">
+            <a:schemeClr val="lt1"/>
+          </a:fontRef>
+        </p:style>
+        <p:txBody>
+          <a:bodyPr rtlCol="0" anchor="ctr"/>
+          <a:lstStyle/>
+          <a:p>
+            <a:pPr algn="ctr"/>
+            <a:endParaRPr lang="en-US"/>
+          </a:p>
+        </p:txBody>
+      </p:sp>
+      <p:sp>
+        <p:nvSpPr>
+          <p:cNvPr id="2" name="Título 1">
+            <a:extLst>
+              <a:ext uri="{FF2B5EF4-FFF2-40B4-BE49-F238E27FC236}">
+                <a16:creationId xmlns:a16="http://schemas.microsoft.com/office/drawing/2014/main" id="{7E8400A2-82BA-4036-A6FE-BF5F48A90A12}"/>
+              </a:ext>
+            </a:extLst>
+          </p:cNvPr>
+          <p:cNvSpPr>
+            <a:spLocks noGrp="1"/>
+          </p:cNvSpPr>
+          <p:nvPr>
+            <p:ph type="title"/>
+          </p:nvPr>
+        </p:nvSpPr>
+        <p:spPr>
+          <a:xfrm>
+            <a:off x="636557" y="2073599"/>
+            <a:ext cx="2754000" cy="2710800"/>
+          </a:xfrm>
+          <a:prstGeom prst="ellipse">
+            <a:avLst/>
+          </a:prstGeom>
+          <a:solidFill>
+            <a:srgbClr val="262626"/>
+          </a:solidFill>
+          <a:ln w="174625" cmpd="thinThick">
+            <a:solidFill>
+              <a:srgbClr val="262626"/>
+            </a:solidFill>
+          </a:ln>
+        </p:spPr>
+        <p:txBody>
+          <a:bodyPr vert="horz" lIns="91440" tIns="45720" rIns="91440" bIns="45720" rtlCol="0" anchor="ctr">
+            <a:normAutofit/>
+          </a:bodyPr>
+          <a:lstStyle/>
+          <a:p>
+            <a:pPr algn="ctr"/>
+            <a:br>
+              <a:rPr lang="pt-PT" sz="2000" b="1" dirty="0">
+                <a:solidFill>
+                  <a:schemeClr val="bg1"/>
+                </a:solidFill>
+                <a:latin typeface="Times" pitchFamily="2" charset="0"/>
+              </a:rPr>
+            </a:br>
+            <a:r>
+              <a:rPr lang="pt-PT" sz="2000" b="1" dirty="0">
+                <a:solidFill>
+                  <a:schemeClr val="bg1"/>
+                </a:solidFill>
+                <a:latin typeface="Times" pitchFamily="2" charset="0"/>
+              </a:rPr>
+              <a:t>Modelos de Estruturais</a:t>
+            </a:r>
+            <a:br>
+              <a:rPr lang="en-US" sz="1800" kern="1200" dirty="0">
+                <a:solidFill>
+                  <a:srgbClr val="FFFFFF"/>
+                </a:solidFill>
+                <a:latin typeface="+mj-lt"/>
+                <a:ea typeface="+mj-ea"/>
+                <a:cs typeface="+mj-cs"/>
+              </a:rPr>
+            </a:br>
+            <a:endParaRPr lang="en-US" sz="1800" kern="1200" dirty="0">
+              <a:solidFill>
+                <a:srgbClr val="FFFFFF"/>
+              </a:solidFill>
+              <a:latin typeface="+mj-lt"/>
+              <a:ea typeface="+mj-ea"/>
+              <a:cs typeface="+mj-cs"/>
+            </a:endParaRPr>
+          </a:p>
+        </p:txBody>
+      </p:sp>
+      <p:sp>
+        <p:nvSpPr>
+          <p:cNvPr id="6" name="CaixaDeTexto 5">
+            <a:extLst>
+              <a:ext uri="{FF2B5EF4-FFF2-40B4-BE49-F238E27FC236}">
+                <a16:creationId xmlns:a16="http://schemas.microsoft.com/office/drawing/2014/main" id="{9DF6027C-662C-9B47-9D46-9EFE09111DB3}"/>
+              </a:ext>
+            </a:extLst>
+          </p:cNvPr>
+          <p:cNvSpPr txBox="1"/>
+          <p:nvPr/>
+        </p:nvSpPr>
+        <p:spPr>
+          <a:xfrm>
+            <a:off x="4027114" y="2828835"/>
+            <a:ext cx="5324704" cy="1200329"/>
           </a:xfrm>
           <a:prstGeom prst="rect">
             <a:avLst/>
           </a:prstGeom>
           <a:noFill/>
+        </p:spPr>
+        <p:txBody>
+          <a:bodyPr wrap="square" rtlCol="0">
+            <a:spAutoFit/>
+          </a:bodyPr>
+          <a:lstStyle/>
+          <a:p>
+            <a:pPr marL="285750" indent="-285750">
+              <a:buFont typeface="Arial" panose="020B0604020202020204" pitchFamily="34" charset="0"/>
+              <a:buChar char="•"/>
+            </a:pPr>
+            <a:r>
+              <a:rPr lang="pt-PT" sz="2400" dirty="0">
+                <a:latin typeface="Times" pitchFamily="2" charset="0"/>
+              </a:rPr>
+              <a:t> Diagrama de Classes</a:t>
+            </a:r>
+          </a:p>
+          <a:p>
+            <a:pPr marL="285750" indent="-285750">
+              <a:buFont typeface="Arial" panose="020B0604020202020204" pitchFamily="34" charset="0"/>
+              <a:buChar char="•"/>
+            </a:pPr>
+            <a:endParaRPr lang="pt-PT" sz="2400" dirty="0">
+              <a:latin typeface="Times" pitchFamily="2" charset="0"/>
+            </a:endParaRPr>
+          </a:p>
+          <a:p>
+            <a:pPr marL="285750" indent="-285750">
+              <a:buFont typeface="Arial" panose="020B0604020202020204" pitchFamily="34" charset="0"/>
+              <a:buChar char="•"/>
+            </a:pPr>
+            <a:r>
+              <a:rPr lang="pt-PT" sz="2400" dirty="0">
+                <a:latin typeface="Times" pitchFamily="2" charset="0"/>
+              </a:rPr>
+              <a:t>Diagrama de Classes ORM</a:t>
+            </a:r>
+          </a:p>
+        </p:txBody>
+      </p:sp>
+    </p:spTree>
+    <p:extLst>
+      <p:ext uri="{BB962C8B-B14F-4D97-AF65-F5344CB8AC3E}">
+        <p14:creationId xmlns:p14="http://schemas.microsoft.com/office/powerpoint/2010/main" val="3476867707"/>
+      </p:ext>
+    </p:extLst>
+  </p:cSld>
+  <p:clrMapOvr>
+    <a:masterClrMapping/>
+  </p:clrMapOvr>
+</p:sld>
+</file>
+
+<file path=ppt/slides/slide19.xml><?xml version="1.0" encoding="utf-8"?>
+<p:sld xmlns:a="http://schemas.openxmlformats.org/drawingml/2006/main" xmlns:r="http://schemas.openxmlformats.org/officeDocument/2006/relationships" xmlns:p="http://schemas.openxmlformats.org/presentationml/2006/main">
+  <p:cSld>
+    <p:bg>
+      <p:bgPr>
+        <a:solidFill>
+          <a:schemeClr val="bg1"/>
+        </a:solidFill>
+        <a:effectLst/>
+      </p:bgPr>
+    </p:bg>
+    <p:spTree>
+      <p:nvGrpSpPr>
+        <p:cNvPr id="1" name=""/>
+        <p:cNvGrpSpPr/>
+        <p:nvPr/>
+      </p:nvGrpSpPr>
+      <p:grpSpPr>
+        <a:xfrm>
+          <a:off x="0" y="0"/>
+          <a:ext cx="0" cy="0"/>
+          <a:chOff x="0" y="0"/>
+          <a:chExt cx="0" cy="0"/>
+        </a:xfrm>
+      </p:grpSpPr>
+      <p:sp>
+        <p:nvSpPr>
+          <p:cNvPr id="15" name="Rectangle 11">
+            <a:extLst>
+              <a:ext uri="{FF2B5EF4-FFF2-40B4-BE49-F238E27FC236}">
+                <a16:creationId xmlns:a16="http://schemas.microsoft.com/office/drawing/2014/main" id="{6753252F-4873-4F63-801D-CC719279A7D5}"/>
+              </a:ext>
+              <a:ext uri="{C183D7F6-B498-43B3-948B-1728B52AA6E4}">
+                <adec:decorative xmlns:adec="http://schemas.microsoft.com/office/drawing/2017/decorative" val="1"/>
+              </a:ext>
+            </a:extLst>
+          </p:cNvPr>
+          <p:cNvSpPr>
+            <a:spLocks noGrp="1" noRot="1" noChangeAspect="1" noMove="1" noResize="1" noEditPoints="1" noAdjustHandles="1" noChangeArrowheads="1" noChangeShapeType="1" noTextEdit="1"/>
+          </p:cNvSpPr>
+          <p:nvPr>
+            <p:extLst>
+              <p:ext uri="{386F3935-93C4-4BCD-93E2-E3B085C9AB24}">
+                <p16:designElem xmlns:p16="http://schemas.microsoft.com/office/powerpoint/2015/main" val="1"/>
+              </p:ext>
+            </p:extLst>
+          </p:nvPr>
+        </p:nvSpPr>
+        <p:spPr>
+          <a:xfrm>
+            <a:off x="0" y="0"/>
+            <a:ext cx="12192000" cy="6858000"/>
+          </a:xfrm>
+          <a:prstGeom prst="rect">
+            <a:avLst/>
+          </a:prstGeom>
+          <a:solidFill>
+            <a:srgbClr val="FFFFFF"/>
+          </a:solidFill>
           <a:ln>
             <a:noFill/>
           </a:ln>
-          <a:extLst>
-            <a:ext uri="{909E8E84-426E-40DD-AFC4-6F175D3DCCD1}">
-              <a14:hiddenFill xmlns:a14="http://schemas.microsoft.com/office/drawing/2010/main">
-                <a:solidFill>
-                  <a:srgbClr val="FFFFFF"/>
-                </a:solidFill>
-              </a14:hiddenFill>
-            </a:ext>
-            <a:ext uri="{91240B29-F687-4F45-9708-019B960494DF}">
-              <a14:hiddenLine xmlns:a14="http://schemas.microsoft.com/office/drawing/2010/main" w="9525">
-                <a:solidFill>
-                  <a:srgbClr val="000000"/>
-                </a:solidFill>
-                <a:miter lim="800000"/>
-                <a:headEnd/>
-                <a:tailEnd/>
-              </a14:hiddenLine>
-            </a:ext>
-          </a:extLst>
-        </p:spPr>
-        <p:txBody>
-          <a:bodyPr vert="horz" wrap="square" lIns="91440" tIns="45720" rIns="91440" bIns="45720" numCol="1" anchor="t" anchorCtr="0" compatLnSpc="1">
-            <a:prstTxWarp prst="textNoShape">
-              <a:avLst/>
-            </a:prstTxWarp>
-          </a:bodyPr>
-          <a:lstStyle/>
-          <a:p>
-            <a:pPr marL="0" marR="0" lvl="0" indent="0" algn="l" defTabSz="914400" rtl="0" eaLnBrk="0" fontAlgn="base" latinLnBrk="0" hangingPunct="0">
-              <a:lnSpc>
-                <a:spcPct val="100000"/>
-              </a:lnSpc>
-              <a:spcBef>
-                <a:spcPct val="0"/>
-              </a:spcBef>
-              <a:spcAft>
-                <a:spcPts val="800"/>
-              </a:spcAft>
-              <a:buClrTx/>
-              <a:buSzTx/>
-              <a:buFontTx/>
-              <a:buNone/>
-              <a:tabLst/>
-            </a:pPr>
-            <a:r>
-              <a:rPr kumimoji="0" lang="pt-PT" altLang="pt-PT" sz="1200" b="1" i="0" u="sng" strike="noStrike" cap="none" normalizeH="0" baseline="0" dirty="0">
-                <a:ln>
-                  <a:noFill/>
-                </a:ln>
-                <a:solidFill>
-                  <a:schemeClr val="bg1">
-                    <a:lumMod val="50000"/>
-                  </a:schemeClr>
-                </a:solidFill>
-                <a:effectLst/>
-                <a:latin typeface="Times" pitchFamily="2" charset="0"/>
-              </a:rPr>
-              <a:t>Grupo 29</a:t>
-            </a:r>
-          </a:p>
-          <a:p>
-            <a:pPr marL="0" marR="0" lvl="0" indent="0" algn="l" defTabSz="914400" rtl="0" eaLnBrk="0" fontAlgn="base" latinLnBrk="0" hangingPunct="0">
-              <a:lnSpc>
-                <a:spcPct val="100000"/>
-              </a:lnSpc>
-              <a:spcBef>
-                <a:spcPct val="0"/>
-              </a:spcBef>
-              <a:spcAft>
-                <a:spcPts val="800"/>
-              </a:spcAft>
-              <a:buClrTx/>
-              <a:buSzTx/>
-              <a:buFontTx/>
-              <a:buNone/>
-              <a:tabLst/>
-            </a:pPr>
-            <a:r>
-              <a:rPr kumimoji="0" lang="pt-PT" altLang="pt-PT" sz="1200" b="1" i="0" u="none" strike="noStrike" cap="none" normalizeH="0" baseline="0" dirty="0">
-                <a:ln>
-                  <a:noFill/>
-                </a:ln>
-                <a:solidFill>
-                  <a:schemeClr val="bg1">
-                    <a:lumMod val="50000"/>
-                  </a:schemeClr>
-                </a:solidFill>
-                <a:effectLst/>
-                <a:latin typeface="Times" pitchFamily="2" charset="0"/>
-              </a:rPr>
-              <a:t>Diogo Braga - A82547</a:t>
-            </a:r>
-          </a:p>
-          <a:p>
-            <a:pPr marL="0" marR="0" lvl="0" indent="0" algn="l" defTabSz="914400" rtl="0" eaLnBrk="0" fontAlgn="base" latinLnBrk="0" hangingPunct="0">
-              <a:lnSpc>
-                <a:spcPct val="100000"/>
-              </a:lnSpc>
-              <a:spcBef>
-                <a:spcPct val="0"/>
-              </a:spcBef>
-              <a:spcAft>
-                <a:spcPts val="800"/>
-              </a:spcAft>
-              <a:buClrTx/>
-              <a:buSzTx/>
-              <a:buFontTx/>
-              <a:buNone/>
-              <a:tabLst/>
-            </a:pPr>
-            <a:r>
-              <a:rPr kumimoji="0" lang="pt-PT" altLang="pt-PT" sz="1200" b="1" i="0" u="none" strike="noStrike" cap="none" normalizeH="0" baseline="0" dirty="0">
-                <a:ln>
-                  <a:noFill/>
-                </a:ln>
-                <a:solidFill>
-                  <a:schemeClr val="bg1">
-                    <a:lumMod val="50000"/>
-                  </a:schemeClr>
-                </a:solidFill>
-                <a:effectLst/>
-                <a:latin typeface="Times" pitchFamily="2" charset="0"/>
-              </a:rPr>
-              <a:t>João Silva - A82005</a:t>
-            </a:r>
-          </a:p>
-          <a:p>
-            <a:pPr marL="0" marR="0" lvl="0" indent="0" algn="l" defTabSz="914400" rtl="0" eaLnBrk="0" fontAlgn="base" latinLnBrk="0" hangingPunct="0">
-              <a:lnSpc>
-                <a:spcPct val="100000"/>
-              </a:lnSpc>
-              <a:spcBef>
-                <a:spcPct val="0"/>
-              </a:spcBef>
-              <a:spcAft>
-                <a:spcPts val="800"/>
-              </a:spcAft>
-              <a:buClrTx/>
-              <a:buSzTx/>
-              <a:buFontTx/>
-              <a:buNone/>
-              <a:tabLst/>
-            </a:pPr>
-            <a:r>
-              <a:rPr kumimoji="0" lang="pt-PT" altLang="pt-PT" sz="1200" b="1" i="0" u="none" strike="noStrike" cap="none" normalizeH="0" baseline="0" dirty="0">
-                <a:ln>
-                  <a:noFill/>
-                </a:ln>
-                <a:solidFill>
-                  <a:schemeClr val="bg1">
-                    <a:lumMod val="50000"/>
-                  </a:schemeClr>
-                </a:solidFill>
-                <a:effectLst/>
-                <a:latin typeface="Times" pitchFamily="2" charset="0"/>
-              </a:rPr>
-              <a:t>Ricardo Caçador - A81064</a:t>
-            </a:r>
-          </a:p>
-          <a:p>
-            <a:pPr marL="0" marR="0" lvl="0" indent="0" algn="l" defTabSz="914400" rtl="0" eaLnBrk="0" fontAlgn="base" latinLnBrk="0" hangingPunct="0">
-              <a:lnSpc>
-                <a:spcPct val="100000"/>
-              </a:lnSpc>
-              <a:spcBef>
-                <a:spcPct val="0"/>
-              </a:spcBef>
-              <a:spcAft>
-                <a:spcPts val="800"/>
-              </a:spcAft>
-              <a:buClrTx/>
-              <a:buSzTx/>
-              <a:buFontTx/>
-              <a:buNone/>
-              <a:tabLst/>
-            </a:pPr>
-            <a:r>
-              <a:rPr kumimoji="0" lang="pt-PT" altLang="pt-PT" sz="1200" b="1" i="0" u="none" strike="noStrike" cap="none" normalizeH="0" baseline="0" dirty="0">
-                <a:ln>
-                  <a:noFill/>
-                </a:ln>
-                <a:solidFill>
-                  <a:schemeClr val="bg1">
-                    <a:lumMod val="50000"/>
-                  </a:schemeClr>
-                </a:solidFill>
-                <a:effectLst/>
-                <a:latin typeface="Times" pitchFamily="2" charset="0"/>
-              </a:rPr>
-              <a:t>Ricardo Ferreira - A82568</a:t>
-            </a:r>
-          </a:p>
-          <a:p>
-            <a:pPr marL="0" marR="0" lvl="0" indent="0" algn="l" defTabSz="914400" rtl="0" eaLnBrk="0" fontAlgn="base" latinLnBrk="0" hangingPunct="0">
-              <a:lnSpc>
-                <a:spcPct val="100000"/>
-              </a:lnSpc>
-              <a:spcBef>
-                <a:spcPct val="0"/>
-              </a:spcBef>
-              <a:spcAft>
-                <a:spcPts val="800"/>
-              </a:spcAft>
-              <a:buClrTx/>
-              <a:buSzTx/>
-              <a:buFontTx/>
-              <a:buNone/>
-              <a:tabLst/>
-            </a:pPr>
-            <a:r>
-              <a:rPr kumimoji="0" lang="pt-PT" altLang="pt-PT" sz="1200" b="1" i="0" u="none" strike="noStrike" cap="none" normalizeH="0" baseline="0" dirty="0">
-                <a:ln>
-                  <a:noFill/>
-                </a:ln>
-                <a:solidFill>
-                  <a:schemeClr val="bg1">
-                    <a:lumMod val="50000"/>
-                  </a:schemeClr>
-                </a:solidFill>
-                <a:effectLst/>
-                <a:latin typeface="Times" pitchFamily="2" charset="0"/>
-              </a:rPr>
-              <a:t>Ricardo Veloso - A81919</a:t>
-            </a:r>
-          </a:p>
-          <a:p>
-            <a:pPr marL="0" marR="0" lvl="0" indent="0" algn="l" defTabSz="914400" rtl="0" eaLnBrk="0" fontAlgn="base" latinLnBrk="0" hangingPunct="0">
-              <a:lnSpc>
-                <a:spcPct val="100000"/>
-              </a:lnSpc>
-              <a:spcBef>
-                <a:spcPct val="0"/>
-              </a:spcBef>
-              <a:spcAft>
-                <a:spcPts val="800"/>
-              </a:spcAft>
-              <a:buClrTx/>
-              <a:buSzTx/>
-              <a:buFontTx/>
-              <a:buNone/>
-              <a:tabLst/>
-            </a:pPr>
-            <a:endParaRPr kumimoji="0" lang="pt-PT" altLang="pt-PT" sz="1200" b="0" i="0" u="none" strike="noStrike" cap="none" normalizeH="0" baseline="0" dirty="0">
-              <a:ln>
-                <a:noFill/>
-              </a:ln>
-              <a:solidFill>
-                <a:schemeClr val="bg1">
-                  <a:lumMod val="50000"/>
-                </a:schemeClr>
-              </a:solidFill>
-              <a:effectLst/>
-            </a:endParaRPr>
-          </a:p>
-          <a:p>
-            <a:pPr marL="0" marR="0" lvl="0" indent="0" algn="l" defTabSz="914400" rtl="0" eaLnBrk="0" fontAlgn="base" latinLnBrk="0" hangingPunct="0">
-              <a:lnSpc>
-                <a:spcPct val="100000"/>
-              </a:lnSpc>
-              <a:spcBef>
-                <a:spcPct val="0"/>
-              </a:spcBef>
-              <a:spcAft>
-                <a:spcPts val="800"/>
-              </a:spcAft>
-              <a:buClrTx/>
-              <a:buSzTx/>
-              <a:buFontTx/>
-              <a:buNone/>
-              <a:tabLst/>
-            </a:pPr>
-            <a:r>
-              <a:rPr lang="pt-PT" altLang="pt-PT" sz="1200" dirty="0">
-                <a:solidFill>
-                  <a:schemeClr val="bg1">
-                    <a:lumMod val="50000"/>
-                  </a:schemeClr>
-                </a:solidFill>
-              </a:rPr>
-              <a:t>Abril,</a:t>
-            </a:r>
-            <a:r>
-              <a:rPr kumimoji="0" lang="pt-PT" altLang="pt-PT" sz="1200" b="0" i="0" u="none" strike="noStrike" cap="none" normalizeH="0" baseline="0" dirty="0">
-                <a:ln>
-                  <a:noFill/>
-                </a:ln>
-                <a:solidFill>
-                  <a:schemeClr val="bg1">
-                    <a:lumMod val="50000"/>
-                  </a:schemeClr>
-                </a:solidFill>
-                <a:effectLst/>
-              </a:rPr>
-              <a:t>2019</a:t>
-            </a:r>
-          </a:p>
-          <a:p>
-            <a:pPr marL="0" marR="0" lvl="0" indent="0" algn="l" defTabSz="914400" rtl="0" eaLnBrk="0" fontAlgn="base" latinLnBrk="0" hangingPunct="0">
-              <a:lnSpc>
-                <a:spcPct val="100000"/>
-              </a:lnSpc>
-              <a:spcBef>
-                <a:spcPct val="0"/>
-              </a:spcBef>
-              <a:spcAft>
-                <a:spcPct val="0"/>
-              </a:spcAft>
-              <a:buClrTx/>
-              <a:buSzTx/>
-              <a:buFontTx/>
-              <a:buNone/>
-              <a:tabLst/>
-            </a:pPr>
-            <a:endParaRPr kumimoji="0" lang="pt-PT" altLang="pt-PT" sz="1800" b="0" i="0" u="none" strike="noStrike" cap="none" normalizeH="0" baseline="0" dirty="0">
-              <a:ln>
-                <a:noFill/>
-              </a:ln>
-              <a:solidFill>
-                <a:schemeClr val="tx1"/>
-              </a:solidFill>
-              <a:effectLst/>
-              <a:latin typeface="Arial" panose="020B0604020202020204" pitchFamily="34" charset="0"/>
-            </a:endParaRPr>
+        </p:spPr>
+        <p:style>
+          <a:lnRef idx="2">
+            <a:schemeClr val="accent1">
+              <a:shade val="50000"/>
+            </a:schemeClr>
+          </a:lnRef>
+          <a:fillRef idx="1">
+            <a:schemeClr val="accent1"/>
+          </a:fillRef>
+          <a:effectRef idx="0">
+            <a:schemeClr val="accent1"/>
+          </a:effectRef>
+          <a:fontRef idx="minor">
+            <a:schemeClr val="lt1"/>
+          </a:fontRef>
+        </p:style>
+        <p:txBody>
+          <a:bodyPr rtlCol="0" anchor="ctr"/>
+          <a:lstStyle/>
+          <a:p>
+            <a:pPr algn="ctr"/>
+            <a:endParaRPr lang="en-US"/>
+          </a:p>
+        </p:txBody>
+      </p:sp>
+      <p:sp>
+        <p:nvSpPr>
+          <p:cNvPr id="14" name="Rectangle 13">
+            <a:extLst>
+              <a:ext uri="{FF2B5EF4-FFF2-40B4-BE49-F238E27FC236}">
+                <a16:creationId xmlns:a16="http://schemas.microsoft.com/office/drawing/2014/main" id="{047C8CCB-F95D-4249-92DD-651249D3535A}"/>
+              </a:ext>
+              <a:ext uri="{C183D7F6-B498-43B3-948B-1728B52AA6E4}">
+                <adec:decorative xmlns:adec="http://schemas.microsoft.com/office/drawing/2017/decorative" val="1"/>
+              </a:ext>
+            </a:extLst>
+          </p:cNvPr>
+          <p:cNvSpPr>
+            <a:spLocks noGrp="1" noRot="1" noChangeAspect="1" noMove="1" noResize="1" noEditPoints="1" noAdjustHandles="1" noChangeArrowheads="1" noChangeShapeType="1" noTextEdit="1"/>
+          </p:cNvSpPr>
+          <p:nvPr>
+            <p:extLst>
+              <p:ext uri="{386F3935-93C4-4BCD-93E2-E3B085C9AB24}">
+                <p16:designElem xmlns:p16="http://schemas.microsoft.com/office/powerpoint/2015/main" val="1"/>
+              </p:ext>
+            </p:extLst>
+          </p:nvPr>
+        </p:nvSpPr>
+        <p:spPr>
+          <a:xfrm>
+            <a:off x="0" y="0"/>
+            <a:ext cx="2013557" cy="6858000"/>
+          </a:xfrm>
+          <a:prstGeom prst="rect">
+            <a:avLst/>
+          </a:prstGeom>
+          <a:solidFill>
+            <a:srgbClr val="546A84"/>
+          </a:solidFill>
+          <a:ln>
+            <a:noFill/>
+          </a:ln>
+        </p:spPr>
+        <p:style>
+          <a:lnRef idx="2">
+            <a:schemeClr val="accent1">
+              <a:shade val="50000"/>
+            </a:schemeClr>
+          </a:lnRef>
+          <a:fillRef idx="1">
+            <a:schemeClr val="accent1"/>
+          </a:fillRef>
+          <a:effectRef idx="0">
+            <a:schemeClr val="accent1"/>
+          </a:effectRef>
+          <a:fontRef idx="minor">
+            <a:schemeClr val="lt1"/>
+          </a:fontRef>
+        </p:style>
+        <p:txBody>
+          <a:bodyPr rtlCol="0" anchor="ctr"/>
+          <a:lstStyle/>
+          <a:p>
+            <a:pPr algn="ctr"/>
+            <a:endParaRPr lang="en-US"/>
           </a:p>
         </p:txBody>
       </p:sp>
       <p:pic>
         <p:nvPicPr>
-          <p:cNvPr id="5" name="Imagem 4" descr="corReitoria">
-            <a:extLst>
-              <a:ext uri="{FF2B5EF4-FFF2-40B4-BE49-F238E27FC236}">
-                <a16:creationId xmlns:a16="http://schemas.microsoft.com/office/drawing/2014/main" id="{CC35044D-C3F8-4642-B864-59FF9E441F6E}"/>
-              </a:ext>
-            </a:extLst>
-          </p:cNvPr>
-          <p:cNvPicPr/>
+          <p:cNvPr id="4" name="Imagem 3" descr="Uma imagem com captura de ecrã&#10;&#10;Descrição gerada automaticamente">
+            <a:extLst>
+              <a:ext uri="{FF2B5EF4-FFF2-40B4-BE49-F238E27FC236}">
+                <a16:creationId xmlns:a16="http://schemas.microsoft.com/office/drawing/2014/main" id="{8FE8F8AA-4541-4545-B359-CB35BD95BD43}"/>
+              </a:ext>
+            </a:extLst>
+          </p:cNvPr>
+          <p:cNvPicPr>
+            <a:picLocks noChangeAspect="1"/>
+          </p:cNvPicPr>
           <p:nvPr/>
         </p:nvPicPr>
         <p:blipFill>
-          <a:blip r:embed="rId2">
-            <a:extLst>
-              <a:ext uri="{28A0092B-C50C-407E-A947-70E740481C1C}">
-                <a14:useLocalDpi xmlns:a14="http://schemas.microsoft.com/office/drawing/2010/main" val="0"/>
-              </a:ext>
-            </a:extLst>
-          </a:blip>
-          <a:srcRect/>
+          <a:blip r:embed="rId2"/>
           <a:stretch>
             <a:fillRect/>
           </a:stretch>
         </p:blipFill>
-        <p:spPr bwMode="auto">
-          <a:xfrm>
-            <a:off x="1144905" y="230451"/>
-            <a:ext cx="1253490" cy="628650"/>
+        <p:spPr>
+          <a:xfrm>
+            <a:off x="2604147" y="128587"/>
+            <a:ext cx="9477492" cy="5763058"/>
           </a:xfrm>
           <a:prstGeom prst="rect">
             <a:avLst/>
           </a:prstGeom>
-          <a:noFill/>
-          <a:ln>
-            <a:noFill/>
-          </a:ln>
         </p:spPr>
       </p:pic>
       <p:sp>
         <p:nvSpPr>
-          <p:cNvPr id="6" name="Retângulo 5">
-            <a:extLst>
-              <a:ext uri="{FF2B5EF4-FFF2-40B4-BE49-F238E27FC236}">
-                <a16:creationId xmlns:a16="http://schemas.microsoft.com/office/drawing/2014/main" id="{04D547FD-E1CB-44B1-89A7-01D9AF3EAA3A}"/>
-              </a:ext>
-            </a:extLst>
-          </p:cNvPr>
-          <p:cNvSpPr/>
-          <p:nvPr/>
-        </p:nvSpPr>
-        <p:spPr>
-          <a:xfrm>
-            <a:off x="617162" y="897223"/>
-            <a:ext cx="3737813" cy="784830"/>
-          </a:xfrm>
-          <a:prstGeom prst="rect">
+          <p:cNvPr id="2" name="Título 1">
+            <a:extLst>
+              <a:ext uri="{FF2B5EF4-FFF2-40B4-BE49-F238E27FC236}">
+                <a16:creationId xmlns:a16="http://schemas.microsoft.com/office/drawing/2014/main" id="{7E8400A2-82BA-4036-A6FE-BF5F48A90A12}"/>
+              </a:ext>
+            </a:extLst>
+          </p:cNvPr>
+          <p:cNvSpPr>
+            <a:spLocks noGrp="1"/>
+          </p:cNvSpPr>
+          <p:nvPr>
+            <p:ph type="title"/>
+          </p:nvPr>
+        </p:nvSpPr>
+        <p:spPr>
+          <a:xfrm>
+            <a:off x="1159323" y="2403417"/>
+            <a:ext cx="1708467" cy="1665664"/>
+          </a:xfrm>
+          <a:prstGeom prst="ellipse">
             <a:avLst/>
           </a:prstGeom>
-        </p:spPr>
-        <p:txBody>
-          <a:bodyPr wrap="square">
-            <a:spAutoFit/>
+          <a:solidFill>
+            <a:srgbClr val="262626"/>
+          </a:solidFill>
+          <a:ln w="174625" cmpd="thinThick">
+            <a:solidFill>
+              <a:srgbClr val="262626"/>
+            </a:solidFill>
+          </a:ln>
+        </p:spPr>
+        <p:txBody>
+          <a:bodyPr vert="horz" lIns="91440" tIns="45720" rIns="91440" bIns="45720" rtlCol="0" anchor="ctr">
+            <a:normAutofit fontScale="90000"/>
           </a:bodyPr>
           <a:lstStyle/>
           <a:p>
-            <a:pPr indent="457200">
-              <a:lnSpc>
-                <a:spcPct val="150000"/>
-              </a:lnSpc>
-            </a:pPr>
-            <a:r>
-              <a:rPr lang="pt-PT" sz="1200" b="1" dirty="0">
-                <a:solidFill>
-                  <a:srgbClr val="808080"/>
-                </a:solidFill>
-                <a:ea typeface="Times New Roman" panose="02020603050405020304" pitchFamily="18" charset="0"/>
-                <a:cs typeface="Arial" panose="020B0604020202020204" pitchFamily="34" charset="0"/>
-              </a:rPr>
-              <a:t>Universidade do Minho</a:t>
-            </a:r>
-            <a:endParaRPr lang="pt-PT" sz="1200" dirty="0">
-              <a:ea typeface="Times New Roman" panose="02020603050405020304" pitchFamily="18" charset="0"/>
-              <a:cs typeface="Times New Roman" panose="02020603050405020304" pitchFamily="18" charset="0"/>
+            <a:pPr algn="ctr"/>
+            <a:br>
+              <a:rPr lang="en-US" sz="1800" b="1" kern="1200" dirty="0">
+                <a:solidFill>
+                  <a:srgbClr val="FFFFFF"/>
+                </a:solidFill>
+                <a:latin typeface="Times" pitchFamily="2" charset="0"/>
+              </a:rPr>
+            </a:br>
+            <a:r>
+              <a:rPr lang="en-US" sz="1800" b="1" kern="1200" dirty="0" err="1">
+                <a:solidFill>
+                  <a:srgbClr val="FFFFFF"/>
+                </a:solidFill>
+                <a:latin typeface="Times" pitchFamily="2" charset="0"/>
+              </a:rPr>
+              <a:t>Modelos</a:t>
+            </a:r>
+            <a:r>
+              <a:rPr lang="en-US" sz="1800" b="1" kern="1200" dirty="0">
+                <a:solidFill>
+                  <a:srgbClr val="FFFFFF"/>
+                </a:solidFill>
+                <a:latin typeface="Times" pitchFamily="2" charset="0"/>
+              </a:rPr>
+              <a:t> </a:t>
+            </a:r>
+            <a:r>
+              <a:rPr lang="en-US" sz="1800" b="1" kern="1200" dirty="0" err="1">
+                <a:solidFill>
+                  <a:srgbClr val="FFFFFF"/>
+                </a:solidFill>
+                <a:latin typeface="Times" pitchFamily="2" charset="0"/>
+              </a:rPr>
+              <a:t>Estruturais</a:t>
+            </a:r>
+            <a:r>
+              <a:rPr lang="en-US" sz="1800" b="1" kern="1200" dirty="0">
+                <a:solidFill>
+                  <a:srgbClr val="FFFFFF"/>
+                </a:solidFill>
+                <a:latin typeface="Times" pitchFamily="2" charset="0"/>
+              </a:rPr>
+              <a:t> -</a:t>
+            </a:r>
+            <a:r>
+              <a:rPr lang="en-US" sz="1800" b="1" kern="1200" dirty="0" err="1">
+                <a:solidFill>
+                  <a:srgbClr val="FFFFFF"/>
+                </a:solidFill>
+                <a:latin typeface="Times" pitchFamily="2" charset="0"/>
+              </a:rPr>
+              <a:t>Diagrama</a:t>
+            </a:r>
+            <a:r>
+              <a:rPr lang="en-US" sz="1800" b="1" kern="1200" dirty="0">
+                <a:solidFill>
+                  <a:srgbClr val="FFFFFF"/>
+                </a:solidFill>
+                <a:latin typeface="Times" pitchFamily="2" charset="0"/>
+              </a:rPr>
+              <a:t> de Classes</a:t>
+            </a:r>
+            <a:br>
+              <a:rPr lang="en-US" sz="1800" kern="1200" dirty="0">
+                <a:solidFill>
+                  <a:srgbClr val="FFFFFF"/>
+                </a:solidFill>
+                <a:latin typeface="+mj-lt"/>
+                <a:ea typeface="+mj-ea"/>
+                <a:cs typeface="+mj-cs"/>
+              </a:rPr>
+            </a:br>
+            <a:endParaRPr lang="en-US" sz="1800" kern="1200" dirty="0">
+              <a:solidFill>
+                <a:srgbClr val="FFFFFF"/>
+              </a:solidFill>
+              <a:latin typeface="+mj-lt"/>
+              <a:ea typeface="+mj-ea"/>
+              <a:cs typeface="+mj-cs"/>
             </a:endParaRPr>
-          </a:p>
-          <a:p>
-            <a:pPr indent="457200">
-              <a:lnSpc>
-                <a:spcPct val="150000"/>
-              </a:lnSpc>
-            </a:pPr>
-            <a:r>
-              <a:rPr lang="pt-PT" sz="1100" dirty="0">
-                <a:solidFill>
-                  <a:srgbClr val="808080"/>
-                </a:solidFill>
-                <a:ea typeface="Times New Roman" panose="02020603050405020304" pitchFamily="18" charset="0"/>
-                <a:cs typeface="Arial" panose="020B0604020202020204" pitchFamily="34" charset="0"/>
-              </a:rPr>
-              <a:t>Escola de Engenharia</a:t>
-            </a:r>
-            <a:endParaRPr lang="pt-PT" sz="1200" dirty="0">
-              <a:ea typeface="Times New Roman" panose="02020603050405020304" pitchFamily="18" charset="0"/>
-              <a:cs typeface="Times New Roman" panose="02020603050405020304" pitchFamily="18" charset="0"/>
-            </a:endParaRPr>
-          </a:p>
-          <a:p>
-            <a:r>
-              <a:rPr lang="pt-PT" sz="1050" dirty="0">
-                <a:solidFill>
-                  <a:srgbClr val="A6A6A6"/>
-                </a:solidFill>
-                <a:ea typeface="Times New Roman" panose="02020603050405020304" pitchFamily="18" charset="0"/>
-                <a:cs typeface="Arial" panose="020B0604020202020204" pitchFamily="34" charset="0"/>
-              </a:rPr>
-              <a:t>	Mestrado Integrado em Engenharia Informática</a:t>
-            </a:r>
-            <a:endParaRPr lang="pt-PT" sz="1050" dirty="0"/>
-          </a:p>
-        </p:txBody>
-      </p:sp>
-      <p:sp>
-        <p:nvSpPr>
-          <p:cNvPr id="7" name="CaixaDeTexto 6">
-            <a:extLst>
-              <a:ext uri="{FF2B5EF4-FFF2-40B4-BE49-F238E27FC236}">
-                <a16:creationId xmlns:a16="http://schemas.microsoft.com/office/drawing/2014/main" id="{1284CAF4-04B0-D44C-81E0-9C1A4AA235FA}"/>
-              </a:ext>
-            </a:extLst>
-          </p:cNvPr>
-          <p:cNvSpPr txBox="1"/>
-          <p:nvPr/>
-        </p:nvSpPr>
-        <p:spPr>
-          <a:xfrm>
-            <a:off x="1144905" y="4183000"/>
-            <a:ext cx="3377752" cy="369332"/>
-          </a:xfrm>
-          <a:prstGeom prst="rect">
-            <a:avLst/>
-          </a:prstGeom>
-          <a:noFill/>
-        </p:spPr>
-        <p:txBody>
-          <a:bodyPr wrap="square" rtlCol="0">
-            <a:spAutoFit/>
-          </a:bodyPr>
-          <a:lstStyle/>
-          <a:p>
-            <a:r>
-              <a:rPr lang="pt-PT" dirty="0">
-                <a:solidFill>
-                  <a:schemeClr val="tx1">
-                    <a:lumMod val="50000"/>
-                    <a:lumOff val="50000"/>
-                  </a:schemeClr>
-                </a:solidFill>
-                <a:latin typeface="Times" pitchFamily="2" charset="0"/>
-              </a:rPr>
-              <a:t>Laboratórios de Informática IV</a:t>
-            </a:r>
           </a:p>
         </p:txBody>
       </p:sp>
     </p:spTree>
     <p:extLst>
       <p:ext uri="{BB962C8B-B14F-4D97-AF65-F5344CB8AC3E}">
-        <p14:creationId xmlns:p14="http://schemas.microsoft.com/office/powerpoint/2010/main" val="2585653361"/>
+        <p14:creationId xmlns:p14="http://schemas.microsoft.com/office/powerpoint/2010/main" val="1720854519"/>
       </p:ext>
     </p:extLst>
   </p:cSld>
@@ -6960,6 +7307,2774 @@
 </p:sld>
 </file>
 
+<file path=ppt/slides/slide20.xml><?xml version="1.0" encoding="utf-8"?>
+<p:sld xmlns:a="http://schemas.openxmlformats.org/drawingml/2006/main" xmlns:r="http://schemas.openxmlformats.org/officeDocument/2006/relationships" xmlns:p="http://schemas.openxmlformats.org/presentationml/2006/main">
+  <p:cSld>
+    <p:bg>
+      <p:bgPr>
+        <a:solidFill>
+          <a:schemeClr val="bg1"/>
+        </a:solidFill>
+        <a:effectLst/>
+      </p:bgPr>
+    </p:bg>
+    <p:spTree>
+      <p:nvGrpSpPr>
+        <p:cNvPr id="1" name=""/>
+        <p:cNvGrpSpPr/>
+        <p:nvPr/>
+      </p:nvGrpSpPr>
+      <p:grpSpPr>
+        <a:xfrm>
+          <a:off x="0" y="0"/>
+          <a:ext cx="0" cy="0"/>
+          <a:chOff x="0" y="0"/>
+          <a:chExt cx="0" cy="0"/>
+        </a:xfrm>
+      </p:grpSpPr>
+      <p:sp>
+        <p:nvSpPr>
+          <p:cNvPr id="15" name="Rectangle 11">
+            <a:extLst>
+              <a:ext uri="{FF2B5EF4-FFF2-40B4-BE49-F238E27FC236}">
+                <a16:creationId xmlns:a16="http://schemas.microsoft.com/office/drawing/2014/main" id="{6753252F-4873-4F63-801D-CC719279A7D5}"/>
+              </a:ext>
+              <a:ext uri="{C183D7F6-B498-43B3-948B-1728B52AA6E4}">
+                <adec:decorative xmlns:adec="http://schemas.microsoft.com/office/drawing/2017/decorative" val="1"/>
+              </a:ext>
+            </a:extLst>
+          </p:cNvPr>
+          <p:cNvSpPr>
+            <a:spLocks noGrp="1" noRot="1" noChangeAspect="1" noMove="1" noResize="1" noEditPoints="1" noAdjustHandles="1" noChangeArrowheads="1" noChangeShapeType="1" noTextEdit="1"/>
+          </p:cNvSpPr>
+          <p:nvPr>
+            <p:extLst>
+              <p:ext uri="{386F3935-93C4-4BCD-93E2-E3B085C9AB24}">
+                <p16:designElem xmlns:p16="http://schemas.microsoft.com/office/powerpoint/2015/main" val="1"/>
+              </p:ext>
+            </p:extLst>
+          </p:nvPr>
+        </p:nvSpPr>
+        <p:spPr>
+          <a:xfrm>
+            <a:off x="0" y="0"/>
+            <a:ext cx="12192000" cy="6858000"/>
+          </a:xfrm>
+          <a:prstGeom prst="rect">
+            <a:avLst/>
+          </a:prstGeom>
+          <a:solidFill>
+            <a:srgbClr val="FFFFFF"/>
+          </a:solidFill>
+          <a:ln>
+            <a:noFill/>
+          </a:ln>
+        </p:spPr>
+        <p:style>
+          <a:lnRef idx="2">
+            <a:schemeClr val="accent1">
+              <a:shade val="50000"/>
+            </a:schemeClr>
+          </a:lnRef>
+          <a:fillRef idx="1">
+            <a:schemeClr val="accent1"/>
+          </a:fillRef>
+          <a:effectRef idx="0">
+            <a:schemeClr val="accent1"/>
+          </a:effectRef>
+          <a:fontRef idx="minor">
+            <a:schemeClr val="lt1"/>
+          </a:fontRef>
+        </p:style>
+        <p:txBody>
+          <a:bodyPr rtlCol="0" anchor="ctr"/>
+          <a:lstStyle/>
+          <a:p>
+            <a:pPr algn="ctr"/>
+            <a:endParaRPr lang="en-US"/>
+          </a:p>
+        </p:txBody>
+      </p:sp>
+      <p:sp>
+        <p:nvSpPr>
+          <p:cNvPr id="14" name="Rectangle 13">
+            <a:extLst>
+              <a:ext uri="{FF2B5EF4-FFF2-40B4-BE49-F238E27FC236}">
+                <a16:creationId xmlns:a16="http://schemas.microsoft.com/office/drawing/2014/main" id="{047C8CCB-F95D-4249-92DD-651249D3535A}"/>
+              </a:ext>
+              <a:ext uri="{C183D7F6-B498-43B3-948B-1728B52AA6E4}">
+                <adec:decorative xmlns:adec="http://schemas.microsoft.com/office/drawing/2017/decorative" val="1"/>
+              </a:ext>
+            </a:extLst>
+          </p:cNvPr>
+          <p:cNvSpPr>
+            <a:spLocks noGrp="1" noRot="1" noChangeAspect="1" noMove="1" noResize="1" noEditPoints="1" noAdjustHandles="1" noChangeArrowheads="1" noChangeShapeType="1" noTextEdit="1"/>
+          </p:cNvSpPr>
+          <p:nvPr>
+            <p:extLst>
+              <p:ext uri="{386F3935-93C4-4BCD-93E2-E3B085C9AB24}">
+                <p16:designElem xmlns:p16="http://schemas.microsoft.com/office/powerpoint/2015/main" val="1"/>
+              </p:ext>
+            </p:extLst>
+          </p:nvPr>
+        </p:nvSpPr>
+        <p:spPr>
+          <a:xfrm>
+            <a:off x="0" y="0"/>
+            <a:ext cx="2013557" cy="6858000"/>
+          </a:xfrm>
+          <a:prstGeom prst="rect">
+            <a:avLst/>
+          </a:prstGeom>
+          <a:solidFill>
+            <a:srgbClr val="546A84"/>
+          </a:solidFill>
+          <a:ln>
+            <a:noFill/>
+          </a:ln>
+        </p:spPr>
+        <p:style>
+          <a:lnRef idx="2">
+            <a:schemeClr val="accent1">
+              <a:shade val="50000"/>
+            </a:schemeClr>
+          </a:lnRef>
+          <a:fillRef idx="1">
+            <a:schemeClr val="accent1"/>
+          </a:fillRef>
+          <a:effectRef idx="0">
+            <a:schemeClr val="accent1"/>
+          </a:effectRef>
+          <a:fontRef idx="minor">
+            <a:schemeClr val="lt1"/>
+          </a:fontRef>
+        </p:style>
+        <p:txBody>
+          <a:bodyPr rtlCol="0" anchor="ctr"/>
+          <a:lstStyle/>
+          <a:p>
+            <a:pPr algn="ctr"/>
+            <a:endParaRPr lang="en-US"/>
+          </a:p>
+        </p:txBody>
+      </p:sp>
+      <p:pic>
+        <p:nvPicPr>
+          <p:cNvPr id="5" name="Imagem 4" descr="Uma imagem com captura de ecrã&#10;&#10;Descrição gerada automaticamente">
+            <a:extLst>
+              <a:ext uri="{FF2B5EF4-FFF2-40B4-BE49-F238E27FC236}">
+                <a16:creationId xmlns:a16="http://schemas.microsoft.com/office/drawing/2014/main" id="{7B11A2EB-3B60-D249-8D5F-A954A7666857}"/>
+              </a:ext>
+            </a:extLst>
+          </p:cNvPr>
+          <p:cNvPicPr>
+            <a:picLocks noChangeAspect="1"/>
+          </p:cNvPicPr>
+          <p:nvPr/>
+        </p:nvPicPr>
+        <p:blipFill>
+          <a:blip r:embed="rId2"/>
+          <a:stretch>
+            <a:fillRect/>
+          </a:stretch>
+        </p:blipFill>
+        <p:spPr>
+          <a:xfrm>
+            <a:off x="2264882" y="0"/>
+            <a:ext cx="9846434" cy="5257799"/>
+          </a:xfrm>
+          <a:prstGeom prst="rect">
+            <a:avLst/>
+          </a:prstGeom>
+        </p:spPr>
+      </p:pic>
+      <p:sp>
+        <p:nvSpPr>
+          <p:cNvPr id="2" name="Título 1">
+            <a:extLst>
+              <a:ext uri="{FF2B5EF4-FFF2-40B4-BE49-F238E27FC236}">
+                <a16:creationId xmlns:a16="http://schemas.microsoft.com/office/drawing/2014/main" id="{7E8400A2-82BA-4036-A6FE-BF5F48A90A12}"/>
+              </a:ext>
+            </a:extLst>
+          </p:cNvPr>
+          <p:cNvSpPr>
+            <a:spLocks noGrp="1"/>
+          </p:cNvSpPr>
+          <p:nvPr>
+            <p:ph type="title"/>
+          </p:nvPr>
+        </p:nvSpPr>
+        <p:spPr>
+          <a:xfrm>
+            <a:off x="1006778" y="2471126"/>
+            <a:ext cx="2013556" cy="1915747"/>
+          </a:xfrm>
+          <a:prstGeom prst="ellipse">
+            <a:avLst/>
+          </a:prstGeom>
+          <a:solidFill>
+            <a:srgbClr val="262626"/>
+          </a:solidFill>
+          <a:ln w="174625" cmpd="thinThick">
+            <a:solidFill>
+              <a:srgbClr val="262626"/>
+            </a:solidFill>
+          </a:ln>
+        </p:spPr>
+        <p:txBody>
+          <a:bodyPr vert="horz" lIns="91440" tIns="45720" rIns="91440" bIns="45720" rtlCol="0" anchor="ctr">
+            <a:normAutofit fontScale="90000"/>
+          </a:bodyPr>
+          <a:lstStyle/>
+          <a:p>
+            <a:pPr algn="ctr"/>
+            <a:br>
+              <a:rPr lang="en-US" sz="2000" b="1" kern="1200" dirty="0">
+                <a:solidFill>
+                  <a:srgbClr val="FFFFFF"/>
+                </a:solidFill>
+                <a:latin typeface="Times" pitchFamily="2" charset="0"/>
+              </a:rPr>
+            </a:br>
+            <a:r>
+              <a:rPr lang="en-US" sz="2000" b="1" kern="1200" dirty="0" err="1">
+                <a:solidFill>
+                  <a:srgbClr val="FFFFFF"/>
+                </a:solidFill>
+                <a:latin typeface="Times" pitchFamily="2" charset="0"/>
+              </a:rPr>
+              <a:t>Modelos</a:t>
+            </a:r>
+            <a:r>
+              <a:rPr lang="en-US" sz="2000" b="1" kern="1200" dirty="0">
+                <a:solidFill>
+                  <a:srgbClr val="FFFFFF"/>
+                </a:solidFill>
+                <a:latin typeface="Times" pitchFamily="2" charset="0"/>
+              </a:rPr>
+              <a:t> </a:t>
+            </a:r>
+            <a:r>
+              <a:rPr lang="en-US" sz="2000" b="1" kern="1200" dirty="0" err="1">
+                <a:solidFill>
+                  <a:srgbClr val="FFFFFF"/>
+                </a:solidFill>
+                <a:latin typeface="Times" pitchFamily="2" charset="0"/>
+              </a:rPr>
+              <a:t>Estruturais</a:t>
+            </a:r>
+            <a:r>
+              <a:rPr lang="en-US" sz="2000" b="1" kern="1200" dirty="0">
+                <a:solidFill>
+                  <a:srgbClr val="FFFFFF"/>
+                </a:solidFill>
+                <a:latin typeface="Times" pitchFamily="2" charset="0"/>
+              </a:rPr>
+              <a:t> -</a:t>
+            </a:r>
+            <a:r>
+              <a:rPr lang="en-US" sz="2000" b="1" kern="1200" dirty="0" err="1">
+                <a:solidFill>
+                  <a:srgbClr val="FFFFFF"/>
+                </a:solidFill>
+                <a:latin typeface="Times" pitchFamily="2" charset="0"/>
+              </a:rPr>
+              <a:t>Diagrama</a:t>
+            </a:r>
+            <a:r>
+              <a:rPr lang="en-US" sz="2000" b="1" kern="1200" dirty="0">
+                <a:solidFill>
+                  <a:srgbClr val="FFFFFF"/>
+                </a:solidFill>
+                <a:latin typeface="Times" pitchFamily="2" charset="0"/>
+              </a:rPr>
+              <a:t> de Classes ORM</a:t>
+            </a:r>
+            <a:br>
+              <a:rPr lang="en-US" sz="1800" kern="1200" dirty="0">
+                <a:solidFill>
+                  <a:srgbClr val="FFFFFF"/>
+                </a:solidFill>
+                <a:latin typeface="+mj-lt"/>
+                <a:ea typeface="+mj-ea"/>
+                <a:cs typeface="+mj-cs"/>
+              </a:rPr>
+            </a:br>
+            <a:endParaRPr lang="en-US" sz="1800" kern="1200" dirty="0">
+              <a:solidFill>
+                <a:srgbClr val="FFFFFF"/>
+              </a:solidFill>
+              <a:latin typeface="+mj-lt"/>
+              <a:ea typeface="+mj-ea"/>
+              <a:cs typeface="+mj-cs"/>
+            </a:endParaRPr>
+          </a:p>
+        </p:txBody>
+      </p:sp>
+    </p:spTree>
+    <p:extLst>
+      <p:ext uri="{BB962C8B-B14F-4D97-AF65-F5344CB8AC3E}">
+        <p14:creationId xmlns:p14="http://schemas.microsoft.com/office/powerpoint/2010/main" val="4089431201"/>
+      </p:ext>
+    </p:extLst>
+  </p:cSld>
+  <p:clrMapOvr>
+    <a:masterClrMapping/>
+  </p:clrMapOvr>
+</p:sld>
+</file>
+
+<file path=ppt/slides/slide21.xml><?xml version="1.0" encoding="utf-8"?>
+<p:sld xmlns:a="http://schemas.openxmlformats.org/drawingml/2006/main" xmlns:r="http://schemas.openxmlformats.org/officeDocument/2006/relationships" xmlns:p="http://schemas.openxmlformats.org/presentationml/2006/main">
+  <p:cSld>
+    <p:bg>
+      <p:bgPr>
+        <a:solidFill>
+          <a:schemeClr val="bg1"/>
+        </a:solidFill>
+        <a:effectLst/>
+      </p:bgPr>
+    </p:bg>
+    <p:spTree>
+      <p:nvGrpSpPr>
+        <p:cNvPr id="1" name=""/>
+        <p:cNvGrpSpPr/>
+        <p:nvPr/>
+      </p:nvGrpSpPr>
+      <p:grpSpPr>
+        <a:xfrm>
+          <a:off x="0" y="0"/>
+          <a:ext cx="0" cy="0"/>
+          <a:chOff x="0" y="0"/>
+          <a:chExt cx="0" cy="0"/>
+        </a:xfrm>
+      </p:grpSpPr>
+      <p:sp>
+        <p:nvSpPr>
+          <p:cNvPr id="15" name="Rectangle 11">
+            <a:extLst>
+              <a:ext uri="{FF2B5EF4-FFF2-40B4-BE49-F238E27FC236}">
+                <a16:creationId xmlns:a16="http://schemas.microsoft.com/office/drawing/2014/main" id="{6753252F-4873-4F63-801D-CC719279A7D5}"/>
+              </a:ext>
+              <a:ext uri="{C183D7F6-B498-43B3-948B-1728B52AA6E4}">
+                <adec:decorative xmlns:adec="http://schemas.microsoft.com/office/drawing/2017/decorative" val="1"/>
+              </a:ext>
+            </a:extLst>
+          </p:cNvPr>
+          <p:cNvSpPr>
+            <a:spLocks noGrp="1" noRot="1" noChangeAspect="1" noMove="1" noResize="1" noEditPoints="1" noAdjustHandles="1" noChangeArrowheads="1" noChangeShapeType="1" noTextEdit="1"/>
+          </p:cNvSpPr>
+          <p:nvPr>
+            <p:extLst>
+              <p:ext uri="{386F3935-93C4-4BCD-93E2-E3B085C9AB24}">
+                <p16:designElem xmlns:p16="http://schemas.microsoft.com/office/powerpoint/2015/main" val="1"/>
+              </p:ext>
+            </p:extLst>
+          </p:nvPr>
+        </p:nvSpPr>
+        <p:spPr>
+          <a:xfrm>
+            <a:off x="0" y="0"/>
+            <a:ext cx="12192000" cy="6858000"/>
+          </a:xfrm>
+          <a:prstGeom prst="rect">
+            <a:avLst/>
+          </a:prstGeom>
+          <a:solidFill>
+            <a:srgbClr val="FFFFFF"/>
+          </a:solidFill>
+          <a:ln>
+            <a:noFill/>
+          </a:ln>
+        </p:spPr>
+        <p:style>
+          <a:lnRef idx="2">
+            <a:schemeClr val="accent1">
+              <a:shade val="50000"/>
+            </a:schemeClr>
+          </a:lnRef>
+          <a:fillRef idx="1">
+            <a:schemeClr val="accent1"/>
+          </a:fillRef>
+          <a:effectRef idx="0">
+            <a:schemeClr val="accent1"/>
+          </a:effectRef>
+          <a:fontRef idx="minor">
+            <a:schemeClr val="lt1"/>
+          </a:fontRef>
+        </p:style>
+        <p:txBody>
+          <a:bodyPr rtlCol="0" anchor="ctr"/>
+          <a:lstStyle/>
+          <a:p>
+            <a:pPr algn="ctr"/>
+            <a:endParaRPr lang="en-US"/>
+          </a:p>
+        </p:txBody>
+      </p:sp>
+      <p:sp>
+        <p:nvSpPr>
+          <p:cNvPr id="14" name="Rectangle 13">
+            <a:extLst>
+              <a:ext uri="{FF2B5EF4-FFF2-40B4-BE49-F238E27FC236}">
+                <a16:creationId xmlns:a16="http://schemas.microsoft.com/office/drawing/2014/main" id="{047C8CCB-F95D-4249-92DD-651249D3535A}"/>
+              </a:ext>
+              <a:ext uri="{C183D7F6-B498-43B3-948B-1728B52AA6E4}">
+                <adec:decorative xmlns:adec="http://schemas.microsoft.com/office/drawing/2017/decorative" val="1"/>
+              </a:ext>
+            </a:extLst>
+          </p:cNvPr>
+          <p:cNvSpPr>
+            <a:spLocks noGrp="1" noRot="1" noChangeAspect="1" noMove="1" noResize="1" noEditPoints="1" noAdjustHandles="1" noChangeArrowheads="1" noChangeShapeType="1" noTextEdit="1"/>
+          </p:cNvSpPr>
+          <p:nvPr>
+            <p:extLst>
+              <p:ext uri="{386F3935-93C4-4BCD-93E2-E3B085C9AB24}">
+                <p16:designElem xmlns:p16="http://schemas.microsoft.com/office/powerpoint/2015/main" val="1"/>
+              </p:ext>
+            </p:extLst>
+          </p:nvPr>
+        </p:nvSpPr>
+        <p:spPr>
+          <a:xfrm>
+            <a:off x="0" y="0"/>
+            <a:ext cx="2013557" cy="6858000"/>
+          </a:xfrm>
+          <a:prstGeom prst="rect">
+            <a:avLst/>
+          </a:prstGeom>
+          <a:solidFill>
+            <a:srgbClr val="546A84"/>
+          </a:solidFill>
+          <a:ln>
+            <a:noFill/>
+          </a:ln>
+        </p:spPr>
+        <p:style>
+          <a:lnRef idx="2">
+            <a:schemeClr val="accent1">
+              <a:shade val="50000"/>
+            </a:schemeClr>
+          </a:lnRef>
+          <a:fillRef idx="1">
+            <a:schemeClr val="accent1"/>
+          </a:fillRef>
+          <a:effectRef idx="0">
+            <a:schemeClr val="accent1"/>
+          </a:effectRef>
+          <a:fontRef idx="minor">
+            <a:schemeClr val="lt1"/>
+          </a:fontRef>
+        </p:style>
+        <p:txBody>
+          <a:bodyPr rtlCol="0" anchor="ctr"/>
+          <a:lstStyle/>
+          <a:p>
+            <a:pPr algn="ctr"/>
+            <a:endParaRPr lang="en-US"/>
+          </a:p>
+        </p:txBody>
+      </p:sp>
+      <p:sp>
+        <p:nvSpPr>
+          <p:cNvPr id="2" name="Título 1">
+            <a:extLst>
+              <a:ext uri="{FF2B5EF4-FFF2-40B4-BE49-F238E27FC236}">
+                <a16:creationId xmlns:a16="http://schemas.microsoft.com/office/drawing/2014/main" id="{7E8400A2-82BA-4036-A6FE-BF5F48A90A12}"/>
+              </a:ext>
+            </a:extLst>
+          </p:cNvPr>
+          <p:cNvSpPr>
+            <a:spLocks noGrp="1"/>
+          </p:cNvSpPr>
+          <p:nvPr>
+            <p:ph type="title"/>
+          </p:nvPr>
+        </p:nvSpPr>
+        <p:spPr>
+          <a:xfrm>
+            <a:off x="480537" y="2073599"/>
+            <a:ext cx="3066039" cy="2710800"/>
+          </a:xfrm>
+          <a:prstGeom prst="ellipse">
+            <a:avLst/>
+          </a:prstGeom>
+          <a:solidFill>
+            <a:srgbClr val="262626"/>
+          </a:solidFill>
+          <a:ln w="174625" cmpd="thinThick">
+            <a:solidFill>
+              <a:srgbClr val="262626"/>
+            </a:solidFill>
+          </a:ln>
+        </p:spPr>
+        <p:txBody>
+          <a:bodyPr vert="horz" lIns="91440" tIns="45720" rIns="91440" bIns="45720" rtlCol="0" anchor="ctr">
+            <a:normAutofit/>
+          </a:bodyPr>
+          <a:lstStyle/>
+          <a:p>
+            <a:pPr algn="ctr"/>
+            <a:br>
+              <a:rPr lang="pt-PT" sz="2000" b="1" dirty="0">
+                <a:solidFill>
+                  <a:schemeClr val="bg1"/>
+                </a:solidFill>
+                <a:latin typeface="Times" pitchFamily="2" charset="0"/>
+              </a:rPr>
+            </a:br>
+            <a:r>
+              <a:rPr lang="pt-PT" sz="2000" b="1" dirty="0">
+                <a:solidFill>
+                  <a:schemeClr val="bg1"/>
+                </a:solidFill>
+                <a:latin typeface="Times" pitchFamily="2" charset="0"/>
+              </a:rPr>
+              <a:t>Modelos Comportamentais</a:t>
+            </a:r>
+            <a:br>
+              <a:rPr lang="en-US" sz="1800" kern="1200" dirty="0">
+                <a:solidFill>
+                  <a:srgbClr val="FFFFFF"/>
+                </a:solidFill>
+                <a:latin typeface="+mj-lt"/>
+                <a:ea typeface="+mj-ea"/>
+                <a:cs typeface="+mj-cs"/>
+              </a:rPr>
+            </a:br>
+            <a:endParaRPr lang="en-US" sz="1800" kern="1200" dirty="0">
+              <a:solidFill>
+                <a:srgbClr val="FFFFFF"/>
+              </a:solidFill>
+              <a:latin typeface="+mj-lt"/>
+              <a:ea typeface="+mj-ea"/>
+              <a:cs typeface="+mj-cs"/>
+            </a:endParaRPr>
+          </a:p>
+        </p:txBody>
+      </p:sp>
+      <p:sp>
+        <p:nvSpPr>
+          <p:cNvPr id="6" name="CaixaDeTexto 5">
+            <a:extLst>
+              <a:ext uri="{FF2B5EF4-FFF2-40B4-BE49-F238E27FC236}">
+                <a16:creationId xmlns:a16="http://schemas.microsoft.com/office/drawing/2014/main" id="{9DF6027C-662C-9B47-9D46-9EFE09111DB3}"/>
+              </a:ext>
+            </a:extLst>
+          </p:cNvPr>
+          <p:cNvSpPr txBox="1"/>
+          <p:nvPr/>
+        </p:nvSpPr>
+        <p:spPr>
+          <a:xfrm>
+            <a:off x="4027114" y="2828835"/>
+            <a:ext cx="5324704" cy="461665"/>
+          </a:xfrm>
+          <a:prstGeom prst="rect">
+            <a:avLst/>
+          </a:prstGeom>
+          <a:noFill/>
+        </p:spPr>
+        <p:txBody>
+          <a:bodyPr wrap="square" rtlCol="0">
+            <a:spAutoFit/>
+          </a:bodyPr>
+          <a:lstStyle/>
+          <a:p>
+            <a:pPr marL="285750" indent="-285750">
+              <a:buFont typeface="Arial" panose="020B0604020202020204" pitchFamily="34" charset="0"/>
+              <a:buChar char="•"/>
+            </a:pPr>
+            <a:r>
+              <a:rPr lang="pt-PT" sz="2400" dirty="0">
+                <a:latin typeface="Times" pitchFamily="2" charset="0"/>
+              </a:rPr>
+              <a:t>Máquinas de Estado</a:t>
+            </a:r>
+          </a:p>
+        </p:txBody>
+      </p:sp>
+    </p:spTree>
+    <p:extLst>
+      <p:ext uri="{BB962C8B-B14F-4D97-AF65-F5344CB8AC3E}">
+        <p14:creationId xmlns:p14="http://schemas.microsoft.com/office/powerpoint/2010/main" val="1561061832"/>
+      </p:ext>
+    </p:extLst>
+  </p:cSld>
+  <p:clrMapOvr>
+    <a:masterClrMapping/>
+  </p:clrMapOvr>
+</p:sld>
+</file>
+
+<file path=ppt/slides/slide22.xml><?xml version="1.0" encoding="utf-8"?>
+<p:sld xmlns:a="http://schemas.openxmlformats.org/drawingml/2006/main" xmlns:r="http://schemas.openxmlformats.org/officeDocument/2006/relationships" xmlns:p="http://schemas.openxmlformats.org/presentationml/2006/main">
+  <p:cSld>
+    <p:bg>
+      <p:bgPr>
+        <a:solidFill>
+          <a:schemeClr val="bg1"/>
+        </a:solidFill>
+        <a:effectLst/>
+      </p:bgPr>
+    </p:bg>
+    <p:spTree>
+      <p:nvGrpSpPr>
+        <p:cNvPr id="1" name=""/>
+        <p:cNvGrpSpPr/>
+        <p:nvPr/>
+      </p:nvGrpSpPr>
+      <p:grpSpPr>
+        <a:xfrm>
+          <a:off x="0" y="0"/>
+          <a:ext cx="0" cy="0"/>
+          <a:chOff x="0" y="0"/>
+          <a:chExt cx="0" cy="0"/>
+        </a:xfrm>
+      </p:grpSpPr>
+      <p:sp>
+        <p:nvSpPr>
+          <p:cNvPr id="15" name="Rectangle 11">
+            <a:extLst>
+              <a:ext uri="{FF2B5EF4-FFF2-40B4-BE49-F238E27FC236}">
+                <a16:creationId xmlns:a16="http://schemas.microsoft.com/office/drawing/2014/main" id="{6753252F-4873-4F63-801D-CC719279A7D5}"/>
+              </a:ext>
+              <a:ext uri="{C183D7F6-B498-43B3-948B-1728B52AA6E4}">
+                <adec:decorative xmlns:adec="http://schemas.microsoft.com/office/drawing/2017/decorative" val="1"/>
+              </a:ext>
+            </a:extLst>
+          </p:cNvPr>
+          <p:cNvSpPr>
+            <a:spLocks noGrp="1" noRot="1" noChangeAspect="1" noMove="1" noResize="1" noEditPoints="1" noAdjustHandles="1" noChangeArrowheads="1" noChangeShapeType="1" noTextEdit="1"/>
+          </p:cNvSpPr>
+          <p:nvPr>
+            <p:extLst>
+              <p:ext uri="{386F3935-93C4-4BCD-93E2-E3B085C9AB24}">
+                <p16:designElem xmlns:p16="http://schemas.microsoft.com/office/powerpoint/2015/main" val="1"/>
+              </p:ext>
+            </p:extLst>
+          </p:nvPr>
+        </p:nvSpPr>
+        <p:spPr>
+          <a:xfrm>
+            <a:off x="0" y="0"/>
+            <a:ext cx="12192000" cy="6858000"/>
+          </a:xfrm>
+          <a:prstGeom prst="rect">
+            <a:avLst/>
+          </a:prstGeom>
+          <a:solidFill>
+            <a:srgbClr val="FFFFFF"/>
+          </a:solidFill>
+          <a:ln>
+            <a:noFill/>
+          </a:ln>
+        </p:spPr>
+        <p:style>
+          <a:lnRef idx="2">
+            <a:schemeClr val="accent1">
+              <a:shade val="50000"/>
+            </a:schemeClr>
+          </a:lnRef>
+          <a:fillRef idx="1">
+            <a:schemeClr val="accent1"/>
+          </a:fillRef>
+          <a:effectRef idx="0">
+            <a:schemeClr val="accent1"/>
+          </a:effectRef>
+          <a:fontRef idx="minor">
+            <a:schemeClr val="lt1"/>
+          </a:fontRef>
+        </p:style>
+        <p:txBody>
+          <a:bodyPr rtlCol="0" anchor="ctr"/>
+          <a:lstStyle/>
+          <a:p>
+            <a:pPr algn="ctr"/>
+            <a:endParaRPr lang="en-US"/>
+          </a:p>
+        </p:txBody>
+      </p:sp>
+      <p:sp>
+        <p:nvSpPr>
+          <p:cNvPr id="14" name="Rectangle 13">
+            <a:extLst>
+              <a:ext uri="{FF2B5EF4-FFF2-40B4-BE49-F238E27FC236}">
+                <a16:creationId xmlns:a16="http://schemas.microsoft.com/office/drawing/2014/main" id="{047C8CCB-F95D-4249-92DD-651249D3535A}"/>
+              </a:ext>
+              <a:ext uri="{C183D7F6-B498-43B3-948B-1728B52AA6E4}">
+                <adec:decorative xmlns:adec="http://schemas.microsoft.com/office/drawing/2017/decorative" val="1"/>
+              </a:ext>
+            </a:extLst>
+          </p:cNvPr>
+          <p:cNvSpPr>
+            <a:spLocks noGrp="1" noRot="1" noChangeAspect="1" noMove="1" noResize="1" noEditPoints="1" noAdjustHandles="1" noChangeArrowheads="1" noChangeShapeType="1" noTextEdit="1"/>
+          </p:cNvSpPr>
+          <p:nvPr>
+            <p:extLst>
+              <p:ext uri="{386F3935-93C4-4BCD-93E2-E3B085C9AB24}">
+                <p16:designElem xmlns:p16="http://schemas.microsoft.com/office/powerpoint/2015/main" val="1"/>
+              </p:ext>
+            </p:extLst>
+          </p:nvPr>
+        </p:nvSpPr>
+        <p:spPr>
+          <a:xfrm>
+            <a:off x="0" y="0"/>
+            <a:ext cx="2013557" cy="6858000"/>
+          </a:xfrm>
+          <a:prstGeom prst="rect">
+            <a:avLst/>
+          </a:prstGeom>
+          <a:solidFill>
+            <a:srgbClr val="546A84"/>
+          </a:solidFill>
+          <a:ln>
+            <a:noFill/>
+          </a:ln>
+        </p:spPr>
+        <p:style>
+          <a:lnRef idx="2">
+            <a:schemeClr val="accent1">
+              <a:shade val="50000"/>
+            </a:schemeClr>
+          </a:lnRef>
+          <a:fillRef idx="1">
+            <a:schemeClr val="accent1"/>
+          </a:fillRef>
+          <a:effectRef idx="0">
+            <a:schemeClr val="accent1"/>
+          </a:effectRef>
+          <a:fontRef idx="minor">
+            <a:schemeClr val="lt1"/>
+          </a:fontRef>
+        </p:style>
+        <p:txBody>
+          <a:bodyPr rtlCol="0" anchor="ctr"/>
+          <a:lstStyle/>
+          <a:p>
+            <a:pPr algn="ctr"/>
+            <a:endParaRPr lang="en-US"/>
+          </a:p>
+        </p:txBody>
+      </p:sp>
+      <p:pic>
+        <p:nvPicPr>
+          <p:cNvPr id="4" name="Imagem 3">
+            <a:extLst>
+              <a:ext uri="{FF2B5EF4-FFF2-40B4-BE49-F238E27FC236}">
+                <a16:creationId xmlns:a16="http://schemas.microsoft.com/office/drawing/2014/main" id="{B6C346A3-0DA4-E940-B23A-27051A2B8298}"/>
+              </a:ext>
+            </a:extLst>
+          </p:cNvPr>
+          <p:cNvPicPr>
+            <a:picLocks noChangeAspect="1"/>
+          </p:cNvPicPr>
+          <p:nvPr/>
+        </p:nvPicPr>
+        <p:blipFill>
+          <a:blip r:embed="rId2"/>
+          <a:stretch>
+            <a:fillRect/>
+          </a:stretch>
+        </p:blipFill>
+        <p:spPr>
+          <a:xfrm>
+            <a:off x="2503759" y="98673"/>
+            <a:ext cx="9688241" cy="5330577"/>
+          </a:xfrm>
+          <a:prstGeom prst="rect">
+            <a:avLst/>
+          </a:prstGeom>
+        </p:spPr>
+      </p:pic>
+      <p:sp>
+        <p:nvSpPr>
+          <p:cNvPr id="2" name="Título 1">
+            <a:extLst>
+              <a:ext uri="{FF2B5EF4-FFF2-40B4-BE49-F238E27FC236}">
+                <a16:creationId xmlns:a16="http://schemas.microsoft.com/office/drawing/2014/main" id="{7E8400A2-82BA-4036-A6FE-BF5F48A90A12}"/>
+              </a:ext>
+            </a:extLst>
+          </p:cNvPr>
+          <p:cNvSpPr>
+            <a:spLocks noGrp="1"/>
+          </p:cNvSpPr>
+          <p:nvPr>
+            <p:ph type="title"/>
+          </p:nvPr>
+        </p:nvSpPr>
+        <p:spPr>
+          <a:xfrm>
+            <a:off x="843039" y="2165040"/>
+            <a:ext cx="2341035" cy="2178360"/>
+          </a:xfrm>
+          <a:prstGeom prst="ellipse">
+            <a:avLst/>
+          </a:prstGeom>
+          <a:solidFill>
+            <a:srgbClr val="262626"/>
+          </a:solidFill>
+          <a:ln w="174625" cmpd="thinThick">
+            <a:solidFill>
+              <a:srgbClr val="262626"/>
+            </a:solidFill>
+          </a:ln>
+        </p:spPr>
+        <p:txBody>
+          <a:bodyPr vert="horz" lIns="91440" tIns="45720" rIns="91440" bIns="45720" rtlCol="0" anchor="ctr">
+            <a:normAutofit/>
+          </a:bodyPr>
+          <a:lstStyle/>
+          <a:p>
+            <a:pPr algn="ctr"/>
+            <a:br>
+              <a:rPr lang="pt-PT" sz="2000" b="1" dirty="0">
+                <a:solidFill>
+                  <a:schemeClr val="bg1"/>
+                </a:solidFill>
+                <a:latin typeface="Times" pitchFamily="2" charset="0"/>
+              </a:rPr>
+            </a:br>
+            <a:r>
+              <a:rPr lang="pt-PT" sz="2000" b="1" dirty="0" err="1">
+                <a:solidFill>
+                  <a:schemeClr val="bg1"/>
+                </a:solidFill>
+                <a:latin typeface="Times" pitchFamily="2" charset="0"/>
+              </a:rPr>
+              <a:t>FeelItaly</a:t>
+            </a:r>
+            <a:br>
+              <a:rPr lang="en-US" sz="1800" kern="1200" dirty="0">
+                <a:solidFill>
+                  <a:srgbClr val="FFFFFF"/>
+                </a:solidFill>
+                <a:latin typeface="+mj-lt"/>
+                <a:ea typeface="+mj-ea"/>
+                <a:cs typeface="+mj-cs"/>
+              </a:rPr>
+            </a:br>
+            <a:endParaRPr lang="en-US" sz="1800" kern="1200" dirty="0">
+              <a:solidFill>
+                <a:srgbClr val="FFFFFF"/>
+              </a:solidFill>
+              <a:latin typeface="+mj-lt"/>
+              <a:ea typeface="+mj-ea"/>
+              <a:cs typeface="+mj-cs"/>
+            </a:endParaRPr>
+          </a:p>
+        </p:txBody>
+      </p:sp>
+    </p:spTree>
+    <p:extLst>
+      <p:ext uri="{BB962C8B-B14F-4D97-AF65-F5344CB8AC3E}">
+        <p14:creationId xmlns:p14="http://schemas.microsoft.com/office/powerpoint/2010/main" val="2345115585"/>
+      </p:ext>
+    </p:extLst>
+  </p:cSld>
+  <p:clrMapOvr>
+    <a:masterClrMapping/>
+  </p:clrMapOvr>
+</p:sld>
+</file>
+
+<file path=ppt/slides/slide23.xml><?xml version="1.0" encoding="utf-8"?>
+<p:sld xmlns:a="http://schemas.openxmlformats.org/drawingml/2006/main" xmlns:r="http://schemas.openxmlformats.org/officeDocument/2006/relationships" xmlns:p="http://schemas.openxmlformats.org/presentationml/2006/main">
+  <p:cSld>
+    <p:bg>
+      <p:bgPr>
+        <a:solidFill>
+          <a:schemeClr val="bg1"/>
+        </a:solidFill>
+        <a:effectLst/>
+      </p:bgPr>
+    </p:bg>
+    <p:spTree>
+      <p:nvGrpSpPr>
+        <p:cNvPr id="1" name=""/>
+        <p:cNvGrpSpPr/>
+        <p:nvPr/>
+      </p:nvGrpSpPr>
+      <p:grpSpPr>
+        <a:xfrm>
+          <a:off x="0" y="0"/>
+          <a:ext cx="0" cy="0"/>
+          <a:chOff x="0" y="0"/>
+          <a:chExt cx="0" cy="0"/>
+        </a:xfrm>
+      </p:grpSpPr>
+      <p:sp>
+        <p:nvSpPr>
+          <p:cNvPr id="15" name="Rectangle 11">
+            <a:extLst>
+              <a:ext uri="{FF2B5EF4-FFF2-40B4-BE49-F238E27FC236}">
+                <a16:creationId xmlns:a16="http://schemas.microsoft.com/office/drawing/2014/main" id="{6753252F-4873-4F63-801D-CC719279A7D5}"/>
+              </a:ext>
+              <a:ext uri="{C183D7F6-B498-43B3-948B-1728B52AA6E4}">
+                <adec:decorative xmlns:adec="http://schemas.microsoft.com/office/drawing/2017/decorative" val="1"/>
+              </a:ext>
+            </a:extLst>
+          </p:cNvPr>
+          <p:cNvSpPr>
+            <a:spLocks noGrp="1" noRot="1" noChangeAspect="1" noMove="1" noResize="1" noEditPoints="1" noAdjustHandles="1" noChangeArrowheads="1" noChangeShapeType="1" noTextEdit="1"/>
+          </p:cNvSpPr>
+          <p:nvPr>
+            <p:extLst>
+              <p:ext uri="{386F3935-93C4-4BCD-93E2-E3B085C9AB24}">
+                <p16:designElem xmlns:p16="http://schemas.microsoft.com/office/powerpoint/2015/main" val="1"/>
+              </p:ext>
+            </p:extLst>
+          </p:nvPr>
+        </p:nvSpPr>
+        <p:spPr>
+          <a:xfrm>
+            <a:off x="0" y="0"/>
+            <a:ext cx="12192000" cy="6858000"/>
+          </a:xfrm>
+          <a:prstGeom prst="rect">
+            <a:avLst/>
+          </a:prstGeom>
+          <a:solidFill>
+            <a:srgbClr val="FFFFFF"/>
+          </a:solidFill>
+          <a:ln>
+            <a:noFill/>
+          </a:ln>
+        </p:spPr>
+        <p:style>
+          <a:lnRef idx="2">
+            <a:schemeClr val="accent1">
+              <a:shade val="50000"/>
+            </a:schemeClr>
+          </a:lnRef>
+          <a:fillRef idx="1">
+            <a:schemeClr val="accent1"/>
+          </a:fillRef>
+          <a:effectRef idx="0">
+            <a:schemeClr val="accent1"/>
+          </a:effectRef>
+          <a:fontRef idx="minor">
+            <a:schemeClr val="lt1"/>
+          </a:fontRef>
+        </p:style>
+        <p:txBody>
+          <a:bodyPr rtlCol="0" anchor="ctr"/>
+          <a:lstStyle/>
+          <a:p>
+            <a:pPr algn="ctr"/>
+            <a:endParaRPr lang="en-US"/>
+          </a:p>
+        </p:txBody>
+      </p:sp>
+      <p:sp>
+        <p:nvSpPr>
+          <p:cNvPr id="14" name="Rectangle 13">
+            <a:extLst>
+              <a:ext uri="{FF2B5EF4-FFF2-40B4-BE49-F238E27FC236}">
+                <a16:creationId xmlns:a16="http://schemas.microsoft.com/office/drawing/2014/main" id="{047C8CCB-F95D-4249-92DD-651249D3535A}"/>
+              </a:ext>
+              <a:ext uri="{C183D7F6-B498-43B3-948B-1728B52AA6E4}">
+                <adec:decorative xmlns:adec="http://schemas.microsoft.com/office/drawing/2017/decorative" val="1"/>
+              </a:ext>
+            </a:extLst>
+          </p:cNvPr>
+          <p:cNvSpPr>
+            <a:spLocks noGrp="1" noRot="1" noChangeAspect="1" noMove="1" noResize="1" noEditPoints="1" noAdjustHandles="1" noChangeArrowheads="1" noChangeShapeType="1" noTextEdit="1"/>
+          </p:cNvSpPr>
+          <p:nvPr>
+            <p:extLst>
+              <p:ext uri="{386F3935-93C4-4BCD-93E2-E3B085C9AB24}">
+                <p16:designElem xmlns:p16="http://schemas.microsoft.com/office/powerpoint/2015/main" val="1"/>
+              </p:ext>
+            </p:extLst>
+          </p:nvPr>
+        </p:nvSpPr>
+        <p:spPr>
+          <a:xfrm>
+            <a:off x="0" y="0"/>
+            <a:ext cx="2013557" cy="6858000"/>
+          </a:xfrm>
+          <a:prstGeom prst="rect">
+            <a:avLst/>
+          </a:prstGeom>
+          <a:solidFill>
+            <a:srgbClr val="546A84"/>
+          </a:solidFill>
+          <a:ln>
+            <a:noFill/>
+          </a:ln>
+        </p:spPr>
+        <p:style>
+          <a:lnRef idx="2">
+            <a:schemeClr val="accent1">
+              <a:shade val="50000"/>
+            </a:schemeClr>
+          </a:lnRef>
+          <a:fillRef idx="1">
+            <a:schemeClr val="accent1"/>
+          </a:fillRef>
+          <a:effectRef idx="0">
+            <a:schemeClr val="accent1"/>
+          </a:effectRef>
+          <a:fontRef idx="minor">
+            <a:schemeClr val="lt1"/>
+          </a:fontRef>
+        </p:style>
+        <p:txBody>
+          <a:bodyPr rtlCol="0" anchor="ctr"/>
+          <a:lstStyle/>
+          <a:p>
+            <a:pPr algn="ctr"/>
+            <a:endParaRPr lang="en-US"/>
+          </a:p>
+        </p:txBody>
+      </p:sp>
+      <p:pic>
+        <p:nvPicPr>
+          <p:cNvPr id="7" name="Imagem 6" descr="Uma imagem com captura de ecrã&#10;&#10;&#10;&#10;Descrição gerada automaticamente">
+            <a:extLst>
+              <a:ext uri="{FF2B5EF4-FFF2-40B4-BE49-F238E27FC236}">
+                <a16:creationId xmlns:a16="http://schemas.microsoft.com/office/drawing/2014/main" id="{E0C84341-09AA-9C40-9347-D2002B117C80}"/>
+              </a:ext>
+            </a:extLst>
+          </p:cNvPr>
+          <p:cNvPicPr>
+            <a:picLocks noChangeAspect="1"/>
+          </p:cNvPicPr>
+          <p:nvPr/>
+        </p:nvPicPr>
+        <p:blipFill>
+          <a:blip r:embed="rId2"/>
+          <a:stretch>
+            <a:fillRect/>
+          </a:stretch>
+        </p:blipFill>
+        <p:spPr>
+          <a:xfrm>
+            <a:off x="3303270" y="1270094"/>
+            <a:ext cx="8888730" cy="3873932"/>
+          </a:xfrm>
+          <a:prstGeom prst="rect">
+            <a:avLst/>
+          </a:prstGeom>
+        </p:spPr>
+      </p:pic>
+      <p:sp>
+        <p:nvSpPr>
+          <p:cNvPr id="2" name="Título 1">
+            <a:extLst>
+              <a:ext uri="{FF2B5EF4-FFF2-40B4-BE49-F238E27FC236}">
+                <a16:creationId xmlns:a16="http://schemas.microsoft.com/office/drawing/2014/main" id="{7E8400A2-82BA-4036-A6FE-BF5F48A90A12}"/>
+              </a:ext>
+            </a:extLst>
+          </p:cNvPr>
+          <p:cNvSpPr>
+            <a:spLocks noGrp="1"/>
+          </p:cNvSpPr>
+          <p:nvPr>
+            <p:ph type="title"/>
+          </p:nvPr>
+        </p:nvSpPr>
+        <p:spPr>
+          <a:xfrm>
+            <a:off x="843039" y="2165040"/>
+            <a:ext cx="2341035" cy="2178360"/>
+          </a:xfrm>
+          <a:prstGeom prst="ellipse">
+            <a:avLst/>
+          </a:prstGeom>
+          <a:solidFill>
+            <a:srgbClr val="262626"/>
+          </a:solidFill>
+          <a:ln w="174625" cmpd="thinThick">
+            <a:solidFill>
+              <a:srgbClr val="262626"/>
+            </a:solidFill>
+          </a:ln>
+        </p:spPr>
+        <p:txBody>
+          <a:bodyPr vert="horz" lIns="91440" tIns="45720" rIns="91440" bIns="45720" rtlCol="0" anchor="ctr">
+            <a:normAutofit/>
+          </a:bodyPr>
+          <a:lstStyle/>
+          <a:p>
+            <a:pPr algn="ctr"/>
+            <a:br>
+              <a:rPr lang="pt-PT" sz="2000" b="1" dirty="0">
+                <a:solidFill>
+                  <a:schemeClr val="bg1"/>
+                </a:solidFill>
+                <a:latin typeface="Times" pitchFamily="2" charset="0"/>
+              </a:rPr>
+            </a:br>
+            <a:r>
+              <a:rPr lang="pt-PT" sz="2000" b="1" dirty="0">
+                <a:solidFill>
+                  <a:schemeClr val="bg1"/>
+                </a:solidFill>
+                <a:latin typeface="Times" pitchFamily="2" charset="0"/>
+              </a:rPr>
+              <a:t>Registo</a:t>
+            </a:r>
+            <a:br>
+              <a:rPr lang="en-US" sz="1800" kern="1200" dirty="0">
+                <a:solidFill>
+                  <a:srgbClr val="FFFFFF"/>
+                </a:solidFill>
+                <a:latin typeface="+mj-lt"/>
+                <a:ea typeface="+mj-ea"/>
+                <a:cs typeface="+mj-cs"/>
+              </a:rPr>
+            </a:br>
+            <a:endParaRPr lang="en-US" sz="1800" kern="1200" dirty="0">
+              <a:solidFill>
+                <a:srgbClr val="FFFFFF"/>
+              </a:solidFill>
+              <a:latin typeface="+mj-lt"/>
+              <a:ea typeface="+mj-ea"/>
+              <a:cs typeface="+mj-cs"/>
+            </a:endParaRPr>
+          </a:p>
+        </p:txBody>
+      </p:sp>
+    </p:spTree>
+    <p:extLst>
+      <p:ext uri="{BB962C8B-B14F-4D97-AF65-F5344CB8AC3E}">
+        <p14:creationId xmlns:p14="http://schemas.microsoft.com/office/powerpoint/2010/main" val="2082782568"/>
+      </p:ext>
+    </p:extLst>
+  </p:cSld>
+  <p:clrMapOvr>
+    <a:masterClrMapping/>
+  </p:clrMapOvr>
+</p:sld>
+</file>
+
+<file path=ppt/slides/slide24.xml><?xml version="1.0" encoding="utf-8"?>
+<p:sld xmlns:a="http://schemas.openxmlformats.org/drawingml/2006/main" xmlns:r="http://schemas.openxmlformats.org/officeDocument/2006/relationships" xmlns:p="http://schemas.openxmlformats.org/presentationml/2006/main">
+  <p:cSld>
+    <p:bg>
+      <p:bgPr>
+        <a:solidFill>
+          <a:schemeClr val="bg1"/>
+        </a:solidFill>
+        <a:effectLst/>
+      </p:bgPr>
+    </p:bg>
+    <p:spTree>
+      <p:nvGrpSpPr>
+        <p:cNvPr id="1" name=""/>
+        <p:cNvGrpSpPr/>
+        <p:nvPr/>
+      </p:nvGrpSpPr>
+      <p:grpSpPr>
+        <a:xfrm>
+          <a:off x="0" y="0"/>
+          <a:ext cx="0" cy="0"/>
+          <a:chOff x="0" y="0"/>
+          <a:chExt cx="0" cy="0"/>
+        </a:xfrm>
+      </p:grpSpPr>
+      <p:sp>
+        <p:nvSpPr>
+          <p:cNvPr id="15" name="Rectangle 11">
+            <a:extLst>
+              <a:ext uri="{FF2B5EF4-FFF2-40B4-BE49-F238E27FC236}">
+                <a16:creationId xmlns:a16="http://schemas.microsoft.com/office/drawing/2014/main" id="{6753252F-4873-4F63-801D-CC719279A7D5}"/>
+              </a:ext>
+              <a:ext uri="{C183D7F6-B498-43B3-948B-1728B52AA6E4}">
+                <adec:decorative xmlns:adec="http://schemas.microsoft.com/office/drawing/2017/decorative" val="1"/>
+              </a:ext>
+            </a:extLst>
+          </p:cNvPr>
+          <p:cNvSpPr>
+            <a:spLocks noGrp="1" noRot="1" noChangeAspect="1" noMove="1" noResize="1" noEditPoints="1" noAdjustHandles="1" noChangeArrowheads="1" noChangeShapeType="1" noTextEdit="1"/>
+          </p:cNvSpPr>
+          <p:nvPr>
+            <p:extLst>
+              <p:ext uri="{386F3935-93C4-4BCD-93E2-E3B085C9AB24}">
+                <p16:designElem xmlns:p16="http://schemas.microsoft.com/office/powerpoint/2015/main" val="1"/>
+              </p:ext>
+            </p:extLst>
+          </p:nvPr>
+        </p:nvSpPr>
+        <p:spPr>
+          <a:xfrm>
+            <a:off x="0" y="0"/>
+            <a:ext cx="12192000" cy="6858000"/>
+          </a:xfrm>
+          <a:prstGeom prst="rect">
+            <a:avLst/>
+          </a:prstGeom>
+          <a:solidFill>
+            <a:srgbClr val="FFFFFF"/>
+          </a:solidFill>
+          <a:ln>
+            <a:noFill/>
+          </a:ln>
+        </p:spPr>
+        <p:style>
+          <a:lnRef idx="2">
+            <a:schemeClr val="accent1">
+              <a:shade val="50000"/>
+            </a:schemeClr>
+          </a:lnRef>
+          <a:fillRef idx="1">
+            <a:schemeClr val="accent1"/>
+          </a:fillRef>
+          <a:effectRef idx="0">
+            <a:schemeClr val="accent1"/>
+          </a:effectRef>
+          <a:fontRef idx="minor">
+            <a:schemeClr val="lt1"/>
+          </a:fontRef>
+        </p:style>
+        <p:txBody>
+          <a:bodyPr rtlCol="0" anchor="ctr"/>
+          <a:lstStyle/>
+          <a:p>
+            <a:pPr algn="ctr"/>
+            <a:endParaRPr lang="en-US"/>
+          </a:p>
+        </p:txBody>
+      </p:sp>
+      <p:sp>
+        <p:nvSpPr>
+          <p:cNvPr id="14" name="Rectangle 13">
+            <a:extLst>
+              <a:ext uri="{FF2B5EF4-FFF2-40B4-BE49-F238E27FC236}">
+                <a16:creationId xmlns:a16="http://schemas.microsoft.com/office/drawing/2014/main" id="{047C8CCB-F95D-4249-92DD-651249D3535A}"/>
+              </a:ext>
+              <a:ext uri="{C183D7F6-B498-43B3-948B-1728B52AA6E4}">
+                <adec:decorative xmlns:adec="http://schemas.microsoft.com/office/drawing/2017/decorative" val="1"/>
+              </a:ext>
+            </a:extLst>
+          </p:cNvPr>
+          <p:cNvSpPr>
+            <a:spLocks noGrp="1" noRot="1" noChangeAspect="1" noMove="1" noResize="1" noEditPoints="1" noAdjustHandles="1" noChangeArrowheads="1" noChangeShapeType="1" noTextEdit="1"/>
+          </p:cNvSpPr>
+          <p:nvPr>
+            <p:extLst>
+              <p:ext uri="{386F3935-93C4-4BCD-93E2-E3B085C9AB24}">
+                <p16:designElem xmlns:p16="http://schemas.microsoft.com/office/powerpoint/2015/main" val="1"/>
+              </p:ext>
+            </p:extLst>
+          </p:nvPr>
+        </p:nvSpPr>
+        <p:spPr>
+          <a:xfrm>
+            <a:off x="0" y="0"/>
+            <a:ext cx="2013557" cy="6858000"/>
+          </a:xfrm>
+          <a:prstGeom prst="rect">
+            <a:avLst/>
+          </a:prstGeom>
+          <a:solidFill>
+            <a:srgbClr val="546A84"/>
+          </a:solidFill>
+          <a:ln>
+            <a:noFill/>
+          </a:ln>
+        </p:spPr>
+        <p:style>
+          <a:lnRef idx="2">
+            <a:schemeClr val="accent1">
+              <a:shade val="50000"/>
+            </a:schemeClr>
+          </a:lnRef>
+          <a:fillRef idx="1">
+            <a:schemeClr val="accent1"/>
+          </a:fillRef>
+          <a:effectRef idx="0">
+            <a:schemeClr val="accent1"/>
+          </a:effectRef>
+          <a:fontRef idx="minor">
+            <a:schemeClr val="lt1"/>
+          </a:fontRef>
+        </p:style>
+        <p:txBody>
+          <a:bodyPr rtlCol="0" anchor="ctr"/>
+          <a:lstStyle/>
+          <a:p>
+            <a:pPr algn="ctr"/>
+            <a:endParaRPr lang="en-US"/>
+          </a:p>
+        </p:txBody>
+      </p:sp>
+      <p:sp>
+        <p:nvSpPr>
+          <p:cNvPr id="2" name="Título 1">
+            <a:extLst>
+              <a:ext uri="{FF2B5EF4-FFF2-40B4-BE49-F238E27FC236}">
+                <a16:creationId xmlns:a16="http://schemas.microsoft.com/office/drawing/2014/main" id="{7E8400A2-82BA-4036-A6FE-BF5F48A90A12}"/>
+              </a:ext>
+            </a:extLst>
+          </p:cNvPr>
+          <p:cNvSpPr>
+            <a:spLocks noGrp="1"/>
+          </p:cNvSpPr>
+          <p:nvPr>
+            <p:ph type="title"/>
+          </p:nvPr>
+        </p:nvSpPr>
+        <p:spPr>
+          <a:xfrm>
+            <a:off x="843039" y="2165040"/>
+            <a:ext cx="2341035" cy="2178360"/>
+          </a:xfrm>
+          <a:prstGeom prst="ellipse">
+            <a:avLst/>
+          </a:prstGeom>
+          <a:solidFill>
+            <a:srgbClr val="262626"/>
+          </a:solidFill>
+          <a:ln w="174625" cmpd="thinThick">
+            <a:solidFill>
+              <a:srgbClr val="262626"/>
+            </a:solidFill>
+          </a:ln>
+        </p:spPr>
+        <p:txBody>
+          <a:bodyPr vert="horz" lIns="91440" tIns="45720" rIns="91440" bIns="45720" rtlCol="0" anchor="ctr">
+            <a:normAutofit/>
+          </a:bodyPr>
+          <a:lstStyle/>
+          <a:p>
+            <a:pPr algn="ctr"/>
+            <a:br>
+              <a:rPr lang="pt-PT" sz="2000" b="1" dirty="0">
+                <a:solidFill>
+                  <a:schemeClr val="bg1"/>
+                </a:solidFill>
+                <a:latin typeface="Times" pitchFamily="2" charset="0"/>
+              </a:rPr>
+            </a:br>
+            <a:r>
+              <a:rPr lang="pt-PT" sz="2000" b="1" dirty="0">
+                <a:solidFill>
+                  <a:schemeClr val="bg1"/>
+                </a:solidFill>
+                <a:latin typeface="Times" pitchFamily="2" charset="0"/>
+              </a:rPr>
+              <a:t>Preparar Receita</a:t>
+            </a:r>
+            <a:br>
+              <a:rPr lang="en-US" sz="1800" kern="1200" dirty="0">
+                <a:solidFill>
+                  <a:srgbClr val="FFFFFF"/>
+                </a:solidFill>
+                <a:latin typeface="+mj-lt"/>
+                <a:ea typeface="+mj-ea"/>
+                <a:cs typeface="+mj-cs"/>
+              </a:rPr>
+            </a:br>
+            <a:endParaRPr lang="en-US" sz="1800" kern="1200" dirty="0">
+              <a:solidFill>
+                <a:srgbClr val="FFFFFF"/>
+              </a:solidFill>
+              <a:latin typeface="+mj-lt"/>
+              <a:ea typeface="+mj-ea"/>
+              <a:cs typeface="+mj-cs"/>
+            </a:endParaRPr>
+          </a:p>
+        </p:txBody>
+      </p:sp>
+      <p:pic>
+        <p:nvPicPr>
+          <p:cNvPr id="5" name="Imagem 4" descr="Uma imagem com captura de ecrã&#10;&#10;&#10;&#10;Descrição gerada automaticamente">
+            <a:extLst>
+              <a:ext uri="{FF2B5EF4-FFF2-40B4-BE49-F238E27FC236}">
+                <a16:creationId xmlns:a16="http://schemas.microsoft.com/office/drawing/2014/main" id="{3C417023-F74D-0049-AA7D-EA56797222DC}"/>
+              </a:ext>
+            </a:extLst>
+          </p:cNvPr>
+          <p:cNvPicPr>
+            <a:picLocks noChangeAspect="1"/>
+          </p:cNvPicPr>
+          <p:nvPr/>
+        </p:nvPicPr>
+        <p:blipFill>
+          <a:blip r:embed="rId2"/>
+          <a:stretch>
+            <a:fillRect/>
+          </a:stretch>
+        </p:blipFill>
+        <p:spPr>
+          <a:xfrm>
+            <a:off x="3371512" y="930218"/>
+            <a:ext cx="8820488" cy="4997564"/>
+          </a:xfrm>
+          <a:prstGeom prst="rect">
+            <a:avLst/>
+          </a:prstGeom>
+        </p:spPr>
+      </p:pic>
+    </p:spTree>
+    <p:extLst>
+      <p:ext uri="{BB962C8B-B14F-4D97-AF65-F5344CB8AC3E}">
+        <p14:creationId xmlns:p14="http://schemas.microsoft.com/office/powerpoint/2010/main" val="780878298"/>
+      </p:ext>
+    </p:extLst>
+  </p:cSld>
+  <p:clrMapOvr>
+    <a:masterClrMapping/>
+  </p:clrMapOvr>
+</p:sld>
+</file>
+
+<file path=ppt/slides/slide25.xml><?xml version="1.0" encoding="utf-8"?>
+<p:sld xmlns:a="http://schemas.openxmlformats.org/drawingml/2006/main" xmlns:r="http://schemas.openxmlformats.org/officeDocument/2006/relationships" xmlns:p="http://schemas.openxmlformats.org/presentationml/2006/main">
+  <p:cSld>
+    <p:bg>
+      <p:bgPr>
+        <a:solidFill>
+          <a:schemeClr val="bg1"/>
+        </a:solidFill>
+        <a:effectLst/>
+      </p:bgPr>
+    </p:bg>
+    <p:spTree>
+      <p:nvGrpSpPr>
+        <p:cNvPr id="1" name=""/>
+        <p:cNvGrpSpPr/>
+        <p:nvPr/>
+      </p:nvGrpSpPr>
+      <p:grpSpPr>
+        <a:xfrm>
+          <a:off x="0" y="0"/>
+          <a:ext cx="0" cy="0"/>
+          <a:chOff x="0" y="0"/>
+          <a:chExt cx="0" cy="0"/>
+        </a:xfrm>
+      </p:grpSpPr>
+      <p:sp>
+        <p:nvSpPr>
+          <p:cNvPr id="15" name="Rectangle 11">
+            <a:extLst>
+              <a:ext uri="{FF2B5EF4-FFF2-40B4-BE49-F238E27FC236}">
+                <a16:creationId xmlns:a16="http://schemas.microsoft.com/office/drawing/2014/main" id="{6753252F-4873-4F63-801D-CC719279A7D5}"/>
+              </a:ext>
+              <a:ext uri="{C183D7F6-B498-43B3-948B-1728B52AA6E4}">
+                <adec:decorative xmlns:adec="http://schemas.microsoft.com/office/drawing/2017/decorative" val="1"/>
+              </a:ext>
+            </a:extLst>
+          </p:cNvPr>
+          <p:cNvSpPr>
+            <a:spLocks noGrp="1" noRot="1" noChangeAspect="1" noMove="1" noResize="1" noEditPoints="1" noAdjustHandles="1" noChangeArrowheads="1" noChangeShapeType="1" noTextEdit="1"/>
+          </p:cNvSpPr>
+          <p:nvPr>
+            <p:extLst>
+              <p:ext uri="{386F3935-93C4-4BCD-93E2-E3B085C9AB24}">
+                <p16:designElem xmlns:p16="http://schemas.microsoft.com/office/powerpoint/2015/main" val="1"/>
+              </p:ext>
+            </p:extLst>
+          </p:nvPr>
+        </p:nvSpPr>
+        <p:spPr>
+          <a:xfrm>
+            <a:off x="0" y="0"/>
+            <a:ext cx="12192000" cy="6858000"/>
+          </a:xfrm>
+          <a:prstGeom prst="rect">
+            <a:avLst/>
+          </a:prstGeom>
+          <a:solidFill>
+            <a:srgbClr val="FFFFFF"/>
+          </a:solidFill>
+          <a:ln>
+            <a:noFill/>
+          </a:ln>
+        </p:spPr>
+        <p:style>
+          <a:lnRef idx="2">
+            <a:schemeClr val="accent1">
+              <a:shade val="50000"/>
+            </a:schemeClr>
+          </a:lnRef>
+          <a:fillRef idx="1">
+            <a:schemeClr val="accent1"/>
+          </a:fillRef>
+          <a:effectRef idx="0">
+            <a:schemeClr val="accent1"/>
+          </a:effectRef>
+          <a:fontRef idx="minor">
+            <a:schemeClr val="lt1"/>
+          </a:fontRef>
+        </p:style>
+        <p:txBody>
+          <a:bodyPr rtlCol="0" anchor="ctr"/>
+          <a:lstStyle/>
+          <a:p>
+            <a:pPr algn="ctr"/>
+            <a:endParaRPr lang="en-US"/>
+          </a:p>
+        </p:txBody>
+      </p:sp>
+      <p:sp>
+        <p:nvSpPr>
+          <p:cNvPr id="14" name="Rectangle 13">
+            <a:extLst>
+              <a:ext uri="{FF2B5EF4-FFF2-40B4-BE49-F238E27FC236}">
+                <a16:creationId xmlns:a16="http://schemas.microsoft.com/office/drawing/2014/main" id="{047C8CCB-F95D-4249-92DD-651249D3535A}"/>
+              </a:ext>
+              <a:ext uri="{C183D7F6-B498-43B3-948B-1728B52AA6E4}">
+                <adec:decorative xmlns:adec="http://schemas.microsoft.com/office/drawing/2017/decorative" val="1"/>
+              </a:ext>
+            </a:extLst>
+          </p:cNvPr>
+          <p:cNvSpPr>
+            <a:spLocks noGrp="1" noRot="1" noChangeAspect="1" noMove="1" noResize="1" noEditPoints="1" noAdjustHandles="1" noChangeArrowheads="1" noChangeShapeType="1" noTextEdit="1"/>
+          </p:cNvSpPr>
+          <p:nvPr>
+            <p:extLst>
+              <p:ext uri="{386F3935-93C4-4BCD-93E2-E3B085C9AB24}">
+                <p16:designElem xmlns:p16="http://schemas.microsoft.com/office/powerpoint/2015/main" val="1"/>
+              </p:ext>
+            </p:extLst>
+          </p:nvPr>
+        </p:nvSpPr>
+        <p:spPr>
+          <a:xfrm>
+            <a:off x="0" y="0"/>
+            <a:ext cx="2013557" cy="6858000"/>
+          </a:xfrm>
+          <a:prstGeom prst="rect">
+            <a:avLst/>
+          </a:prstGeom>
+          <a:solidFill>
+            <a:srgbClr val="546A84"/>
+          </a:solidFill>
+          <a:ln>
+            <a:noFill/>
+          </a:ln>
+        </p:spPr>
+        <p:style>
+          <a:lnRef idx="2">
+            <a:schemeClr val="accent1">
+              <a:shade val="50000"/>
+            </a:schemeClr>
+          </a:lnRef>
+          <a:fillRef idx="1">
+            <a:schemeClr val="accent1"/>
+          </a:fillRef>
+          <a:effectRef idx="0">
+            <a:schemeClr val="accent1"/>
+          </a:effectRef>
+          <a:fontRef idx="minor">
+            <a:schemeClr val="lt1"/>
+          </a:fontRef>
+        </p:style>
+        <p:txBody>
+          <a:bodyPr rtlCol="0" anchor="ctr"/>
+          <a:lstStyle/>
+          <a:p>
+            <a:pPr algn="ctr"/>
+            <a:endParaRPr lang="en-US"/>
+          </a:p>
+        </p:txBody>
+      </p:sp>
+      <p:sp>
+        <p:nvSpPr>
+          <p:cNvPr id="2" name="Título 1">
+            <a:extLst>
+              <a:ext uri="{FF2B5EF4-FFF2-40B4-BE49-F238E27FC236}">
+                <a16:creationId xmlns:a16="http://schemas.microsoft.com/office/drawing/2014/main" id="{7E8400A2-82BA-4036-A6FE-BF5F48A90A12}"/>
+              </a:ext>
+            </a:extLst>
+          </p:cNvPr>
+          <p:cNvSpPr>
+            <a:spLocks noGrp="1"/>
+          </p:cNvSpPr>
+          <p:nvPr>
+            <p:ph type="title"/>
+          </p:nvPr>
+        </p:nvSpPr>
+        <p:spPr>
+          <a:xfrm>
+            <a:off x="843039" y="2165040"/>
+            <a:ext cx="2341035" cy="2178360"/>
+          </a:xfrm>
+          <a:prstGeom prst="ellipse">
+            <a:avLst/>
+          </a:prstGeom>
+          <a:solidFill>
+            <a:srgbClr val="262626"/>
+          </a:solidFill>
+          <a:ln w="174625" cmpd="thinThick">
+            <a:solidFill>
+              <a:srgbClr val="262626"/>
+            </a:solidFill>
+          </a:ln>
+        </p:spPr>
+        <p:txBody>
+          <a:bodyPr vert="horz" lIns="91440" tIns="45720" rIns="91440" bIns="45720" rtlCol="0" anchor="ctr">
+            <a:normAutofit/>
+          </a:bodyPr>
+          <a:lstStyle/>
+          <a:p>
+            <a:pPr algn="ctr"/>
+            <a:br>
+              <a:rPr lang="pt-PT" sz="2000" b="1" dirty="0">
+                <a:solidFill>
+                  <a:schemeClr val="bg1"/>
+                </a:solidFill>
+                <a:latin typeface="Times" pitchFamily="2" charset="0"/>
+              </a:rPr>
+            </a:br>
+            <a:r>
+              <a:rPr lang="pt-PT" sz="2000" b="1" dirty="0">
+                <a:solidFill>
+                  <a:schemeClr val="bg1"/>
+                </a:solidFill>
+                <a:latin typeface="Times" pitchFamily="2" charset="0"/>
+              </a:rPr>
+              <a:t>Adicionar Receita</a:t>
+            </a:r>
+            <a:br>
+              <a:rPr lang="en-US" sz="1800" kern="1200" dirty="0">
+                <a:solidFill>
+                  <a:srgbClr val="FFFFFF"/>
+                </a:solidFill>
+                <a:latin typeface="+mj-lt"/>
+                <a:ea typeface="+mj-ea"/>
+                <a:cs typeface="+mj-cs"/>
+              </a:rPr>
+            </a:br>
+            <a:endParaRPr lang="en-US" sz="1800" kern="1200" dirty="0">
+              <a:solidFill>
+                <a:srgbClr val="FFFFFF"/>
+              </a:solidFill>
+              <a:latin typeface="+mj-lt"/>
+              <a:ea typeface="+mj-ea"/>
+              <a:cs typeface="+mj-cs"/>
+            </a:endParaRPr>
+          </a:p>
+        </p:txBody>
+      </p:sp>
+      <p:pic>
+        <p:nvPicPr>
+          <p:cNvPr id="5" name="Imagem 4">
+            <a:extLst>
+              <a:ext uri="{FF2B5EF4-FFF2-40B4-BE49-F238E27FC236}">
+                <a16:creationId xmlns:a16="http://schemas.microsoft.com/office/drawing/2014/main" id="{D940E898-DD5C-4C46-89C4-D77A09C5D9B3}"/>
+              </a:ext>
+            </a:extLst>
+          </p:cNvPr>
+          <p:cNvPicPr>
+            <a:picLocks noChangeAspect="1"/>
+          </p:cNvPicPr>
+          <p:nvPr/>
+        </p:nvPicPr>
+        <p:blipFill>
+          <a:blip r:embed="rId2"/>
+          <a:stretch>
+            <a:fillRect/>
+          </a:stretch>
+        </p:blipFill>
+        <p:spPr>
+          <a:xfrm>
+            <a:off x="3354213" y="1190470"/>
+            <a:ext cx="8837787" cy="4135910"/>
+          </a:xfrm>
+          <a:prstGeom prst="rect">
+            <a:avLst/>
+          </a:prstGeom>
+        </p:spPr>
+      </p:pic>
+    </p:spTree>
+    <p:extLst>
+      <p:ext uri="{BB962C8B-B14F-4D97-AF65-F5344CB8AC3E}">
+        <p14:creationId xmlns:p14="http://schemas.microsoft.com/office/powerpoint/2010/main" val="3674238195"/>
+      </p:ext>
+    </p:extLst>
+  </p:cSld>
+  <p:clrMapOvr>
+    <a:masterClrMapping/>
+  </p:clrMapOvr>
+</p:sld>
+</file>
+
+<file path=ppt/slides/slide26.xml><?xml version="1.0" encoding="utf-8"?>
+<p:sld xmlns:a="http://schemas.openxmlformats.org/drawingml/2006/main" xmlns:r="http://schemas.openxmlformats.org/officeDocument/2006/relationships" xmlns:p="http://schemas.openxmlformats.org/presentationml/2006/main">
+  <p:cSld>
+    <p:bg>
+      <p:bgPr>
+        <a:solidFill>
+          <a:schemeClr val="bg1"/>
+        </a:solidFill>
+        <a:effectLst/>
+      </p:bgPr>
+    </p:bg>
+    <p:spTree>
+      <p:nvGrpSpPr>
+        <p:cNvPr id="1" name=""/>
+        <p:cNvGrpSpPr/>
+        <p:nvPr/>
+      </p:nvGrpSpPr>
+      <p:grpSpPr>
+        <a:xfrm>
+          <a:off x="0" y="0"/>
+          <a:ext cx="0" cy="0"/>
+          <a:chOff x="0" y="0"/>
+          <a:chExt cx="0" cy="0"/>
+        </a:xfrm>
+      </p:grpSpPr>
+      <p:sp>
+        <p:nvSpPr>
+          <p:cNvPr id="15" name="Rectangle 11">
+            <a:extLst>
+              <a:ext uri="{FF2B5EF4-FFF2-40B4-BE49-F238E27FC236}">
+                <a16:creationId xmlns:a16="http://schemas.microsoft.com/office/drawing/2014/main" id="{6753252F-4873-4F63-801D-CC719279A7D5}"/>
+              </a:ext>
+              <a:ext uri="{C183D7F6-B498-43B3-948B-1728B52AA6E4}">
+                <adec:decorative xmlns:adec="http://schemas.microsoft.com/office/drawing/2017/decorative" val="1"/>
+              </a:ext>
+            </a:extLst>
+          </p:cNvPr>
+          <p:cNvSpPr>
+            <a:spLocks noGrp="1" noRot="1" noChangeAspect="1" noMove="1" noResize="1" noEditPoints="1" noAdjustHandles="1" noChangeArrowheads="1" noChangeShapeType="1" noTextEdit="1"/>
+          </p:cNvSpPr>
+          <p:nvPr>
+            <p:extLst>
+              <p:ext uri="{386F3935-93C4-4BCD-93E2-E3B085C9AB24}">
+                <p16:designElem xmlns:p16="http://schemas.microsoft.com/office/powerpoint/2015/main" val="1"/>
+              </p:ext>
+            </p:extLst>
+          </p:nvPr>
+        </p:nvSpPr>
+        <p:spPr>
+          <a:xfrm>
+            <a:off x="0" y="0"/>
+            <a:ext cx="12192000" cy="6858000"/>
+          </a:xfrm>
+          <a:prstGeom prst="rect">
+            <a:avLst/>
+          </a:prstGeom>
+          <a:solidFill>
+            <a:srgbClr val="FFFFFF"/>
+          </a:solidFill>
+          <a:ln>
+            <a:noFill/>
+          </a:ln>
+        </p:spPr>
+        <p:style>
+          <a:lnRef idx="2">
+            <a:schemeClr val="accent1">
+              <a:shade val="50000"/>
+            </a:schemeClr>
+          </a:lnRef>
+          <a:fillRef idx="1">
+            <a:schemeClr val="accent1"/>
+          </a:fillRef>
+          <a:effectRef idx="0">
+            <a:schemeClr val="accent1"/>
+          </a:effectRef>
+          <a:fontRef idx="minor">
+            <a:schemeClr val="lt1"/>
+          </a:fontRef>
+        </p:style>
+        <p:txBody>
+          <a:bodyPr rtlCol="0" anchor="ctr"/>
+          <a:lstStyle/>
+          <a:p>
+            <a:pPr algn="ctr"/>
+            <a:endParaRPr lang="en-US"/>
+          </a:p>
+        </p:txBody>
+      </p:sp>
+      <p:sp>
+        <p:nvSpPr>
+          <p:cNvPr id="14" name="Rectangle 13">
+            <a:extLst>
+              <a:ext uri="{FF2B5EF4-FFF2-40B4-BE49-F238E27FC236}">
+                <a16:creationId xmlns:a16="http://schemas.microsoft.com/office/drawing/2014/main" id="{047C8CCB-F95D-4249-92DD-651249D3535A}"/>
+              </a:ext>
+              <a:ext uri="{C183D7F6-B498-43B3-948B-1728B52AA6E4}">
+                <adec:decorative xmlns:adec="http://schemas.microsoft.com/office/drawing/2017/decorative" val="1"/>
+              </a:ext>
+            </a:extLst>
+          </p:cNvPr>
+          <p:cNvSpPr>
+            <a:spLocks noGrp="1" noRot="1" noChangeAspect="1" noMove="1" noResize="1" noEditPoints="1" noAdjustHandles="1" noChangeArrowheads="1" noChangeShapeType="1" noTextEdit="1"/>
+          </p:cNvSpPr>
+          <p:nvPr>
+            <p:extLst>
+              <p:ext uri="{386F3935-93C4-4BCD-93E2-E3B085C9AB24}">
+                <p16:designElem xmlns:p16="http://schemas.microsoft.com/office/powerpoint/2015/main" val="1"/>
+              </p:ext>
+            </p:extLst>
+          </p:nvPr>
+        </p:nvSpPr>
+        <p:spPr>
+          <a:xfrm>
+            <a:off x="0" y="0"/>
+            <a:ext cx="2013557" cy="6858000"/>
+          </a:xfrm>
+          <a:prstGeom prst="rect">
+            <a:avLst/>
+          </a:prstGeom>
+          <a:solidFill>
+            <a:srgbClr val="546A84"/>
+          </a:solidFill>
+          <a:ln>
+            <a:noFill/>
+          </a:ln>
+        </p:spPr>
+        <p:style>
+          <a:lnRef idx="2">
+            <a:schemeClr val="accent1">
+              <a:shade val="50000"/>
+            </a:schemeClr>
+          </a:lnRef>
+          <a:fillRef idx="1">
+            <a:schemeClr val="accent1"/>
+          </a:fillRef>
+          <a:effectRef idx="0">
+            <a:schemeClr val="accent1"/>
+          </a:effectRef>
+          <a:fontRef idx="minor">
+            <a:schemeClr val="lt1"/>
+          </a:fontRef>
+        </p:style>
+        <p:txBody>
+          <a:bodyPr rtlCol="0" anchor="ctr"/>
+          <a:lstStyle/>
+          <a:p>
+            <a:pPr algn="ctr"/>
+            <a:endParaRPr lang="en-US"/>
+          </a:p>
+        </p:txBody>
+      </p:sp>
+      <p:sp>
+        <p:nvSpPr>
+          <p:cNvPr id="2" name="Título 1">
+            <a:extLst>
+              <a:ext uri="{FF2B5EF4-FFF2-40B4-BE49-F238E27FC236}">
+                <a16:creationId xmlns:a16="http://schemas.microsoft.com/office/drawing/2014/main" id="{7E8400A2-82BA-4036-A6FE-BF5F48A90A12}"/>
+              </a:ext>
+            </a:extLst>
+          </p:cNvPr>
+          <p:cNvSpPr>
+            <a:spLocks noGrp="1"/>
+          </p:cNvSpPr>
+          <p:nvPr>
+            <p:ph type="title"/>
+          </p:nvPr>
+        </p:nvSpPr>
+        <p:spPr>
+          <a:xfrm>
+            <a:off x="571977" y="2073599"/>
+            <a:ext cx="2883159" cy="2710800"/>
+          </a:xfrm>
+          <a:prstGeom prst="ellipse">
+            <a:avLst/>
+          </a:prstGeom>
+          <a:solidFill>
+            <a:srgbClr val="262626"/>
+          </a:solidFill>
+          <a:ln w="174625" cmpd="thinThick">
+            <a:solidFill>
+              <a:srgbClr val="262626"/>
+            </a:solidFill>
+          </a:ln>
+        </p:spPr>
+        <p:txBody>
+          <a:bodyPr vert="horz" lIns="91440" tIns="45720" rIns="91440" bIns="45720" rtlCol="0" anchor="ctr">
+            <a:normAutofit/>
+          </a:bodyPr>
+          <a:lstStyle/>
+          <a:p>
+            <a:pPr algn="ctr"/>
+            <a:r>
+              <a:rPr lang="pt-PT" sz="2000" b="1" dirty="0">
+                <a:solidFill>
+                  <a:schemeClr val="bg1"/>
+                </a:solidFill>
+                <a:latin typeface="Times" pitchFamily="2" charset="0"/>
+              </a:rPr>
+              <a:t>Base de Dados</a:t>
+            </a:r>
+            <a:endParaRPr lang="en-US" sz="1800" kern="1200" dirty="0">
+              <a:solidFill>
+                <a:srgbClr val="FFFFFF"/>
+              </a:solidFill>
+              <a:latin typeface="+mj-lt"/>
+              <a:ea typeface="+mj-ea"/>
+              <a:cs typeface="+mj-cs"/>
+            </a:endParaRPr>
+          </a:p>
+        </p:txBody>
+      </p:sp>
+      <p:sp>
+        <p:nvSpPr>
+          <p:cNvPr id="6" name="CaixaDeTexto 5">
+            <a:extLst>
+              <a:ext uri="{FF2B5EF4-FFF2-40B4-BE49-F238E27FC236}">
+                <a16:creationId xmlns:a16="http://schemas.microsoft.com/office/drawing/2014/main" id="{9DF6027C-662C-9B47-9D46-9EFE09111DB3}"/>
+              </a:ext>
+            </a:extLst>
+          </p:cNvPr>
+          <p:cNvSpPr txBox="1"/>
+          <p:nvPr/>
+        </p:nvSpPr>
+        <p:spPr>
+          <a:xfrm>
+            <a:off x="4027114" y="2828835"/>
+            <a:ext cx="5324704" cy="1200329"/>
+          </a:xfrm>
+          <a:prstGeom prst="rect">
+            <a:avLst/>
+          </a:prstGeom>
+          <a:noFill/>
+        </p:spPr>
+        <p:txBody>
+          <a:bodyPr wrap="square" rtlCol="0">
+            <a:spAutoFit/>
+          </a:bodyPr>
+          <a:lstStyle/>
+          <a:p>
+            <a:pPr marL="285750" indent="-285750">
+              <a:buFont typeface="Arial" panose="020B0604020202020204" pitchFamily="34" charset="0"/>
+              <a:buChar char="•"/>
+            </a:pPr>
+            <a:r>
+              <a:rPr lang="pt-PT" sz="2400" dirty="0">
+                <a:latin typeface="Times" pitchFamily="2" charset="0"/>
+              </a:rPr>
+              <a:t>Modelo Conceptual</a:t>
+            </a:r>
+          </a:p>
+          <a:p>
+            <a:pPr marL="285750" indent="-285750">
+              <a:buFont typeface="Arial" panose="020B0604020202020204" pitchFamily="34" charset="0"/>
+              <a:buChar char="•"/>
+            </a:pPr>
+            <a:endParaRPr lang="pt-PT" sz="2400" dirty="0">
+              <a:latin typeface="Times" pitchFamily="2" charset="0"/>
+            </a:endParaRPr>
+          </a:p>
+          <a:p>
+            <a:pPr marL="285750" indent="-285750">
+              <a:buFont typeface="Arial" panose="020B0604020202020204" pitchFamily="34" charset="0"/>
+              <a:buChar char="•"/>
+            </a:pPr>
+            <a:r>
+              <a:rPr lang="pt-PT" sz="2400" dirty="0">
+                <a:latin typeface="Times" pitchFamily="2" charset="0"/>
+              </a:rPr>
+              <a:t>Modelo Lógico</a:t>
+            </a:r>
+          </a:p>
+        </p:txBody>
+      </p:sp>
+    </p:spTree>
+    <p:extLst>
+      <p:ext uri="{BB962C8B-B14F-4D97-AF65-F5344CB8AC3E}">
+        <p14:creationId xmlns:p14="http://schemas.microsoft.com/office/powerpoint/2010/main" val="424815990"/>
+      </p:ext>
+    </p:extLst>
+  </p:cSld>
+  <p:clrMapOvr>
+    <a:masterClrMapping/>
+  </p:clrMapOvr>
+</p:sld>
+</file>
+
+<file path=ppt/slides/slide27.xml><?xml version="1.0" encoding="utf-8"?>
+<p:sld xmlns:a="http://schemas.openxmlformats.org/drawingml/2006/main" xmlns:r="http://schemas.openxmlformats.org/officeDocument/2006/relationships" xmlns:p="http://schemas.openxmlformats.org/presentationml/2006/main">
+  <p:cSld>
+    <p:bg>
+      <p:bgPr>
+        <a:solidFill>
+          <a:schemeClr val="bg1"/>
+        </a:solidFill>
+        <a:effectLst/>
+      </p:bgPr>
+    </p:bg>
+    <p:spTree>
+      <p:nvGrpSpPr>
+        <p:cNvPr id="1" name=""/>
+        <p:cNvGrpSpPr/>
+        <p:nvPr/>
+      </p:nvGrpSpPr>
+      <p:grpSpPr>
+        <a:xfrm>
+          <a:off x="0" y="0"/>
+          <a:ext cx="0" cy="0"/>
+          <a:chOff x="0" y="0"/>
+          <a:chExt cx="0" cy="0"/>
+        </a:xfrm>
+      </p:grpSpPr>
+      <p:sp>
+        <p:nvSpPr>
+          <p:cNvPr id="15" name="Rectangle 11">
+            <a:extLst>
+              <a:ext uri="{FF2B5EF4-FFF2-40B4-BE49-F238E27FC236}">
+                <a16:creationId xmlns:a16="http://schemas.microsoft.com/office/drawing/2014/main" id="{6753252F-4873-4F63-801D-CC719279A7D5}"/>
+              </a:ext>
+              <a:ext uri="{C183D7F6-B498-43B3-948B-1728B52AA6E4}">
+                <adec:decorative xmlns:adec="http://schemas.microsoft.com/office/drawing/2017/decorative" val="1"/>
+              </a:ext>
+            </a:extLst>
+          </p:cNvPr>
+          <p:cNvSpPr>
+            <a:spLocks noGrp="1" noRot="1" noChangeAspect="1" noMove="1" noResize="1" noEditPoints="1" noAdjustHandles="1" noChangeArrowheads="1" noChangeShapeType="1" noTextEdit="1"/>
+          </p:cNvSpPr>
+          <p:nvPr>
+            <p:extLst>
+              <p:ext uri="{386F3935-93C4-4BCD-93E2-E3B085C9AB24}">
+                <p16:designElem xmlns:p16="http://schemas.microsoft.com/office/powerpoint/2015/main" val="1"/>
+              </p:ext>
+            </p:extLst>
+          </p:nvPr>
+        </p:nvSpPr>
+        <p:spPr>
+          <a:xfrm>
+            <a:off x="0" y="0"/>
+            <a:ext cx="12192000" cy="6858000"/>
+          </a:xfrm>
+          <a:prstGeom prst="rect">
+            <a:avLst/>
+          </a:prstGeom>
+          <a:solidFill>
+            <a:srgbClr val="FFFFFF"/>
+          </a:solidFill>
+          <a:ln>
+            <a:noFill/>
+          </a:ln>
+        </p:spPr>
+        <p:style>
+          <a:lnRef idx="2">
+            <a:schemeClr val="accent1">
+              <a:shade val="50000"/>
+            </a:schemeClr>
+          </a:lnRef>
+          <a:fillRef idx="1">
+            <a:schemeClr val="accent1"/>
+          </a:fillRef>
+          <a:effectRef idx="0">
+            <a:schemeClr val="accent1"/>
+          </a:effectRef>
+          <a:fontRef idx="minor">
+            <a:schemeClr val="lt1"/>
+          </a:fontRef>
+        </p:style>
+        <p:txBody>
+          <a:bodyPr rtlCol="0" anchor="ctr"/>
+          <a:lstStyle/>
+          <a:p>
+            <a:pPr algn="ctr"/>
+            <a:endParaRPr lang="en-US"/>
+          </a:p>
+        </p:txBody>
+      </p:sp>
+      <p:sp>
+        <p:nvSpPr>
+          <p:cNvPr id="14" name="Rectangle 13">
+            <a:extLst>
+              <a:ext uri="{FF2B5EF4-FFF2-40B4-BE49-F238E27FC236}">
+                <a16:creationId xmlns:a16="http://schemas.microsoft.com/office/drawing/2014/main" id="{047C8CCB-F95D-4249-92DD-651249D3535A}"/>
+              </a:ext>
+              <a:ext uri="{C183D7F6-B498-43B3-948B-1728B52AA6E4}">
+                <adec:decorative xmlns:adec="http://schemas.microsoft.com/office/drawing/2017/decorative" val="1"/>
+              </a:ext>
+            </a:extLst>
+          </p:cNvPr>
+          <p:cNvSpPr>
+            <a:spLocks noGrp="1" noRot="1" noChangeAspect="1" noMove="1" noResize="1" noEditPoints="1" noAdjustHandles="1" noChangeArrowheads="1" noChangeShapeType="1" noTextEdit="1"/>
+          </p:cNvSpPr>
+          <p:nvPr>
+            <p:extLst>
+              <p:ext uri="{386F3935-93C4-4BCD-93E2-E3B085C9AB24}">
+                <p16:designElem xmlns:p16="http://schemas.microsoft.com/office/powerpoint/2015/main" val="1"/>
+              </p:ext>
+            </p:extLst>
+          </p:nvPr>
+        </p:nvSpPr>
+        <p:spPr>
+          <a:xfrm>
+            <a:off x="0" y="0"/>
+            <a:ext cx="2013557" cy="6858000"/>
+          </a:xfrm>
+          <a:prstGeom prst="rect">
+            <a:avLst/>
+          </a:prstGeom>
+          <a:solidFill>
+            <a:srgbClr val="546A84"/>
+          </a:solidFill>
+          <a:ln>
+            <a:noFill/>
+          </a:ln>
+        </p:spPr>
+        <p:style>
+          <a:lnRef idx="2">
+            <a:schemeClr val="accent1">
+              <a:shade val="50000"/>
+            </a:schemeClr>
+          </a:lnRef>
+          <a:fillRef idx="1">
+            <a:schemeClr val="accent1"/>
+          </a:fillRef>
+          <a:effectRef idx="0">
+            <a:schemeClr val="accent1"/>
+          </a:effectRef>
+          <a:fontRef idx="minor">
+            <a:schemeClr val="lt1"/>
+          </a:fontRef>
+        </p:style>
+        <p:txBody>
+          <a:bodyPr rtlCol="0" anchor="ctr"/>
+          <a:lstStyle/>
+          <a:p>
+            <a:pPr algn="ctr"/>
+            <a:endParaRPr lang="en-US"/>
+          </a:p>
+        </p:txBody>
+      </p:sp>
+      <p:sp>
+        <p:nvSpPr>
+          <p:cNvPr id="2" name="Título 1">
+            <a:extLst>
+              <a:ext uri="{FF2B5EF4-FFF2-40B4-BE49-F238E27FC236}">
+                <a16:creationId xmlns:a16="http://schemas.microsoft.com/office/drawing/2014/main" id="{7E8400A2-82BA-4036-A6FE-BF5F48A90A12}"/>
+              </a:ext>
+            </a:extLst>
+          </p:cNvPr>
+          <p:cNvSpPr>
+            <a:spLocks noGrp="1"/>
+          </p:cNvSpPr>
+          <p:nvPr>
+            <p:ph type="title"/>
+          </p:nvPr>
+        </p:nvSpPr>
+        <p:spPr>
+          <a:xfrm>
+            <a:off x="577692" y="2073598"/>
+            <a:ext cx="2871729" cy="2710800"/>
+          </a:xfrm>
+          <a:prstGeom prst="ellipse">
+            <a:avLst/>
+          </a:prstGeom>
+          <a:solidFill>
+            <a:srgbClr val="262626"/>
+          </a:solidFill>
+          <a:ln w="174625" cmpd="thinThick">
+            <a:solidFill>
+              <a:srgbClr val="262626"/>
+            </a:solidFill>
+          </a:ln>
+        </p:spPr>
+        <p:txBody>
+          <a:bodyPr vert="horz" lIns="91440" tIns="45720" rIns="91440" bIns="45720" rtlCol="0" anchor="ctr">
+            <a:normAutofit/>
+          </a:bodyPr>
+          <a:lstStyle/>
+          <a:p>
+            <a:pPr algn="ctr"/>
+            <a:r>
+              <a:rPr lang="pt-PT" sz="2000" b="1" kern="1200" dirty="0">
+                <a:solidFill>
+                  <a:schemeClr val="bg1"/>
+                </a:solidFill>
+                <a:latin typeface="Times" pitchFamily="2" charset="0"/>
+                <a:ea typeface="+mj-ea"/>
+                <a:cs typeface="+mj-cs"/>
+              </a:rPr>
+              <a:t>Modelo Conceptual</a:t>
+            </a:r>
+            <a:endParaRPr lang="en-US" sz="1800" kern="1200" dirty="0">
+              <a:solidFill>
+                <a:srgbClr val="FFFFFF"/>
+              </a:solidFill>
+              <a:latin typeface="+mj-lt"/>
+              <a:ea typeface="+mj-ea"/>
+              <a:cs typeface="+mj-cs"/>
+            </a:endParaRPr>
+          </a:p>
+        </p:txBody>
+      </p:sp>
+      <p:pic>
+        <p:nvPicPr>
+          <p:cNvPr id="4" name="Imagem 3" descr="Uma imagem com texto, mapa&#10;&#10;&#10;&#10;Descrição gerada automaticamente">
+            <a:extLst>
+              <a:ext uri="{FF2B5EF4-FFF2-40B4-BE49-F238E27FC236}">
+                <a16:creationId xmlns:a16="http://schemas.microsoft.com/office/drawing/2014/main" id="{B77615BB-5FED-6A48-8453-A68D972AAF7C}"/>
+              </a:ext>
+            </a:extLst>
+          </p:cNvPr>
+          <p:cNvPicPr>
+            <a:picLocks noChangeAspect="1"/>
+          </p:cNvPicPr>
+          <p:nvPr/>
+        </p:nvPicPr>
+        <p:blipFill>
+          <a:blip r:embed="rId2"/>
+          <a:stretch>
+            <a:fillRect/>
+          </a:stretch>
+        </p:blipFill>
+        <p:spPr>
+          <a:xfrm>
+            <a:off x="3634740" y="244903"/>
+            <a:ext cx="8557260" cy="6368193"/>
+          </a:xfrm>
+          <a:prstGeom prst="rect">
+            <a:avLst/>
+          </a:prstGeom>
+        </p:spPr>
+      </p:pic>
+    </p:spTree>
+    <p:extLst>
+      <p:ext uri="{BB962C8B-B14F-4D97-AF65-F5344CB8AC3E}">
+        <p14:creationId xmlns:p14="http://schemas.microsoft.com/office/powerpoint/2010/main" val="1310939122"/>
+      </p:ext>
+    </p:extLst>
+  </p:cSld>
+  <p:clrMapOvr>
+    <a:masterClrMapping/>
+  </p:clrMapOvr>
+</p:sld>
+</file>
+
+<file path=ppt/slides/slide28.xml><?xml version="1.0" encoding="utf-8"?>
+<p:sld xmlns:a="http://schemas.openxmlformats.org/drawingml/2006/main" xmlns:r="http://schemas.openxmlformats.org/officeDocument/2006/relationships" xmlns:p="http://schemas.openxmlformats.org/presentationml/2006/main">
+  <p:cSld>
+    <p:bg>
+      <p:bgPr>
+        <a:solidFill>
+          <a:schemeClr val="bg1"/>
+        </a:solidFill>
+        <a:effectLst/>
+      </p:bgPr>
+    </p:bg>
+    <p:spTree>
+      <p:nvGrpSpPr>
+        <p:cNvPr id="1" name=""/>
+        <p:cNvGrpSpPr/>
+        <p:nvPr/>
+      </p:nvGrpSpPr>
+      <p:grpSpPr>
+        <a:xfrm>
+          <a:off x="0" y="0"/>
+          <a:ext cx="0" cy="0"/>
+          <a:chOff x="0" y="0"/>
+          <a:chExt cx="0" cy="0"/>
+        </a:xfrm>
+      </p:grpSpPr>
+      <p:sp>
+        <p:nvSpPr>
+          <p:cNvPr id="15" name="Rectangle 11">
+            <a:extLst>
+              <a:ext uri="{FF2B5EF4-FFF2-40B4-BE49-F238E27FC236}">
+                <a16:creationId xmlns:a16="http://schemas.microsoft.com/office/drawing/2014/main" id="{6753252F-4873-4F63-801D-CC719279A7D5}"/>
+              </a:ext>
+              <a:ext uri="{C183D7F6-B498-43B3-948B-1728B52AA6E4}">
+                <adec:decorative xmlns:adec="http://schemas.microsoft.com/office/drawing/2017/decorative" val="1"/>
+              </a:ext>
+            </a:extLst>
+          </p:cNvPr>
+          <p:cNvSpPr>
+            <a:spLocks noGrp="1" noRot="1" noChangeAspect="1" noMove="1" noResize="1" noEditPoints="1" noAdjustHandles="1" noChangeArrowheads="1" noChangeShapeType="1" noTextEdit="1"/>
+          </p:cNvSpPr>
+          <p:nvPr>
+            <p:extLst>
+              <p:ext uri="{386F3935-93C4-4BCD-93E2-E3B085C9AB24}">
+                <p16:designElem xmlns:p16="http://schemas.microsoft.com/office/powerpoint/2015/main" val="1"/>
+              </p:ext>
+            </p:extLst>
+          </p:nvPr>
+        </p:nvSpPr>
+        <p:spPr>
+          <a:xfrm>
+            <a:off x="0" y="0"/>
+            <a:ext cx="12192000" cy="6858000"/>
+          </a:xfrm>
+          <a:prstGeom prst="rect">
+            <a:avLst/>
+          </a:prstGeom>
+          <a:solidFill>
+            <a:srgbClr val="FFFFFF"/>
+          </a:solidFill>
+          <a:ln>
+            <a:noFill/>
+          </a:ln>
+        </p:spPr>
+        <p:style>
+          <a:lnRef idx="2">
+            <a:schemeClr val="accent1">
+              <a:shade val="50000"/>
+            </a:schemeClr>
+          </a:lnRef>
+          <a:fillRef idx="1">
+            <a:schemeClr val="accent1"/>
+          </a:fillRef>
+          <a:effectRef idx="0">
+            <a:schemeClr val="accent1"/>
+          </a:effectRef>
+          <a:fontRef idx="minor">
+            <a:schemeClr val="lt1"/>
+          </a:fontRef>
+        </p:style>
+        <p:txBody>
+          <a:bodyPr rtlCol="0" anchor="ctr"/>
+          <a:lstStyle/>
+          <a:p>
+            <a:pPr algn="ctr"/>
+            <a:endParaRPr lang="en-US"/>
+          </a:p>
+        </p:txBody>
+      </p:sp>
+      <p:sp>
+        <p:nvSpPr>
+          <p:cNvPr id="14" name="Rectangle 13">
+            <a:extLst>
+              <a:ext uri="{FF2B5EF4-FFF2-40B4-BE49-F238E27FC236}">
+                <a16:creationId xmlns:a16="http://schemas.microsoft.com/office/drawing/2014/main" id="{047C8CCB-F95D-4249-92DD-651249D3535A}"/>
+              </a:ext>
+              <a:ext uri="{C183D7F6-B498-43B3-948B-1728B52AA6E4}">
+                <adec:decorative xmlns:adec="http://schemas.microsoft.com/office/drawing/2017/decorative" val="1"/>
+              </a:ext>
+            </a:extLst>
+          </p:cNvPr>
+          <p:cNvSpPr>
+            <a:spLocks noGrp="1" noRot="1" noChangeAspect="1" noMove="1" noResize="1" noEditPoints="1" noAdjustHandles="1" noChangeArrowheads="1" noChangeShapeType="1" noTextEdit="1"/>
+          </p:cNvSpPr>
+          <p:nvPr>
+            <p:extLst>
+              <p:ext uri="{386F3935-93C4-4BCD-93E2-E3B085C9AB24}">
+                <p16:designElem xmlns:p16="http://schemas.microsoft.com/office/powerpoint/2015/main" val="1"/>
+              </p:ext>
+            </p:extLst>
+          </p:nvPr>
+        </p:nvSpPr>
+        <p:spPr>
+          <a:xfrm>
+            <a:off x="0" y="0"/>
+            <a:ext cx="2013557" cy="6858000"/>
+          </a:xfrm>
+          <a:prstGeom prst="rect">
+            <a:avLst/>
+          </a:prstGeom>
+          <a:solidFill>
+            <a:srgbClr val="546A84"/>
+          </a:solidFill>
+          <a:ln>
+            <a:noFill/>
+          </a:ln>
+        </p:spPr>
+        <p:style>
+          <a:lnRef idx="2">
+            <a:schemeClr val="accent1">
+              <a:shade val="50000"/>
+            </a:schemeClr>
+          </a:lnRef>
+          <a:fillRef idx="1">
+            <a:schemeClr val="accent1"/>
+          </a:fillRef>
+          <a:effectRef idx="0">
+            <a:schemeClr val="accent1"/>
+          </a:effectRef>
+          <a:fontRef idx="minor">
+            <a:schemeClr val="lt1"/>
+          </a:fontRef>
+        </p:style>
+        <p:txBody>
+          <a:bodyPr rtlCol="0" anchor="ctr"/>
+          <a:lstStyle/>
+          <a:p>
+            <a:pPr algn="ctr"/>
+            <a:endParaRPr lang="en-US"/>
+          </a:p>
+        </p:txBody>
+      </p:sp>
+      <p:pic>
+        <p:nvPicPr>
+          <p:cNvPr id="5" name="Imagem 4" descr="Uma imagem com captura de ecrã&#10;&#10;&#10;&#10;Descrição gerada automaticamente">
+            <a:extLst>
+              <a:ext uri="{FF2B5EF4-FFF2-40B4-BE49-F238E27FC236}">
+                <a16:creationId xmlns:a16="http://schemas.microsoft.com/office/drawing/2014/main" id="{B1C46BDA-CD63-9843-B147-7AE7E7E7CB2B}"/>
+              </a:ext>
+            </a:extLst>
+          </p:cNvPr>
+          <p:cNvPicPr>
+            <a:picLocks noChangeAspect="1"/>
+          </p:cNvPicPr>
+          <p:nvPr/>
+        </p:nvPicPr>
+        <p:blipFill>
+          <a:blip r:embed="rId2"/>
+          <a:stretch>
+            <a:fillRect/>
+          </a:stretch>
+        </p:blipFill>
+        <p:spPr>
+          <a:xfrm>
+            <a:off x="2013557" y="679006"/>
+            <a:ext cx="10178444" cy="5102171"/>
+          </a:xfrm>
+          <a:prstGeom prst="rect">
+            <a:avLst/>
+          </a:prstGeom>
+        </p:spPr>
+      </p:pic>
+      <p:sp>
+        <p:nvSpPr>
+          <p:cNvPr id="2" name="Título 1">
+            <a:extLst>
+              <a:ext uri="{FF2B5EF4-FFF2-40B4-BE49-F238E27FC236}">
+                <a16:creationId xmlns:a16="http://schemas.microsoft.com/office/drawing/2014/main" id="{7E8400A2-82BA-4036-A6FE-BF5F48A90A12}"/>
+              </a:ext>
+            </a:extLst>
+          </p:cNvPr>
+          <p:cNvSpPr>
+            <a:spLocks noGrp="1"/>
+          </p:cNvSpPr>
+          <p:nvPr>
+            <p:ph type="title"/>
+          </p:nvPr>
+        </p:nvSpPr>
+        <p:spPr>
+          <a:xfrm>
+            <a:off x="741073" y="2176469"/>
+            <a:ext cx="2265939" cy="2098351"/>
+          </a:xfrm>
+          <a:prstGeom prst="ellipse">
+            <a:avLst/>
+          </a:prstGeom>
+          <a:solidFill>
+            <a:srgbClr val="262626"/>
+          </a:solidFill>
+          <a:ln w="174625" cmpd="thinThick">
+            <a:solidFill>
+              <a:srgbClr val="262626"/>
+            </a:solidFill>
+          </a:ln>
+        </p:spPr>
+        <p:txBody>
+          <a:bodyPr vert="horz" lIns="91440" tIns="45720" rIns="91440" bIns="45720" rtlCol="0" anchor="ctr">
+            <a:normAutofit/>
+          </a:bodyPr>
+          <a:lstStyle/>
+          <a:p>
+            <a:pPr algn="ctr"/>
+            <a:r>
+              <a:rPr lang="pt-PT" sz="2000" b="1" kern="1200" dirty="0">
+                <a:solidFill>
+                  <a:schemeClr val="bg1"/>
+                </a:solidFill>
+                <a:latin typeface="Times" pitchFamily="2" charset="0"/>
+                <a:ea typeface="+mj-ea"/>
+                <a:cs typeface="+mj-cs"/>
+              </a:rPr>
+              <a:t>Modelo Lógico</a:t>
+            </a:r>
+            <a:endParaRPr lang="en-US" sz="1800" kern="1200" dirty="0">
+              <a:solidFill>
+                <a:srgbClr val="FFFFFF"/>
+              </a:solidFill>
+              <a:latin typeface="+mj-lt"/>
+              <a:ea typeface="+mj-ea"/>
+              <a:cs typeface="+mj-cs"/>
+            </a:endParaRPr>
+          </a:p>
+        </p:txBody>
+      </p:sp>
+    </p:spTree>
+    <p:extLst>
+      <p:ext uri="{BB962C8B-B14F-4D97-AF65-F5344CB8AC3E}">
+        <p14:creationId xmlns:p14="http://schemas.microsoft.com/office/powerpoint/2010/main" val="3419315472"/>
+      </p:ext>
+    </p:extLst>
+  </p:cSld>
+  <p:clrMapOvr>
+    <a:masterClrMapping/>
+  </p:clrMapOvr>
+</p:sld>
+</file>
+
+<file path=ppt/slides/slide29.xml><?xml version="1.0" encoding="utf-8"?>
+<p:sld xmlns:a="http://schemas.openxmlformats.org/drawingml/2006/main" xmlns:r="http://schemas.openxmlformats.org/officeDocument/2006/relationships" xmlns:p="http://schemas.openxmlformats.org/presentationml/2006/main">
+  <p:cSld>
+    <p:bg>
+      <p:bgPr>
+        <a:solidFill>
+          <a:schemeClr val="bg1"/>
+        </a:solidFill>
+        <a:effectLst/>
+      </p:bgPr>
+    </p:bg>
+    <p:spTree>
+      <p:nvGrpSpPr>
+        <p:cNvPr id="1" name=""/>
+        <p:cNvGrpSpPr/>
+        <p:nvPr/>
+      </p:nvGrpSpPr>
+      <p:grpSpPr>
+        <a:xfrm>
+          <a:off x="0" y="0"/>
+          <a:ext cx="0" cy="0"/>
+          <a:chOff x="0" y="0"/>
+          <a:chExt cx="0" cy="0"/>
+        </a:xfrm>
+      </p:grpSpPr>
+      <p:sp>
+        <p:nvSpPr>
+          <p:cNvPr id="15" name="Rectangle 11">
+            <a:extLst>
+              <a:ext uri="{FF2B5EF4-FFF2-40B4-BE49-F238E27FC236}">
+                <a16:creationId xmlns:a16="http://schemas.microsoft.com/office/drawing/2014/main" id="{6753252F-4873-4F63-801D-CC719279A7D5}"/>
+              </a:ext>
+              <a:ext uri="{C183D7F6-B498-43B3-948B-1728B52AA6E4}">
+                <adec:decorative xmlns:adec="http://schemas.microsoft.com/office/drawing/2017/decorative" val="1"/>
+              </a:ext>
+            </a:extLst>
+          </p:cNvPr>
+          <p:cNvSpPr>
+            <a:spLocks noGrp="1" noRot="1" noChangeAspect="1" noMove="1" noResize="1" noEditPoints="1" noAdjustHandles="1" noChangeArrowheads="1" noChangeShapeType="1" noTextEdit="1"/>
+          </p:cNvSpPr>
+          <p:nvPr>
+            <p:extLst>
+              <p:ext uri="{386F3935-93C4-4BCD-93E2-E3B085C9AB24}">
+                <p16:designElem xmlns:p16="http://schemas.microsoft.com/office/powerpoint/2015/main" val="1"/>
+              </p:ext>
+            </p:extLst>
+          </p:nvPr>
+        </p:nvSpPr>
+        <p:spPr>
+          <a:xfrm>
+            <a:off x="0" y="0"/>
+            <a:ext cx="12192000" cy="6858000"/>
+          </a:xfrm>
+          <a:prstGeom prst="rect">
+            <a:avLst/>
+          </a:prstGeom>
+          <a:solidFill>
+            <a:srgbClr val="FFFFFF"/>
+          </a:solidFill>
+          <a:ln>
+            <a:noFill/>
+          </a:ln>
+        </p:spPr>
+        <p:style>
+          <a:lnRef idx="2">
+            <a:schemeClr val="accent1">
+              <a:shade val="50000"/>
+            </a:schemeClr>
+          </a:lnRef>
+          <a:fillRef idx="1">
+            <a:schemeClr val="accent1"/>
+          </a:fillRef>
+          <a:effectRef idx="0">
+            <a:schemeClr val="accent1"/>
+          </a:effectRef>
+          <a:fontRef idx="minor">
+            <a:schemeClr val="lt1"/>
+          </a:fontRef>
+        </p:style>
+        <p:txBody>
+          <a:bodyPr rtlCol="0" anchor="ctr"/>
+          <a:lstStyle/>
+          <a:p>
+            <a:pPr algn="ctr"/>
+            <a:endParaRPr lang="en-US"/>
+          </a:p>
+        </p:txBody>
+      </p:sp>
+      <p:sp>
+        <p:nvSpPr>
+          <p:cNvPr id="14" name="Rectangle 13">
+            <a:extLst>
+              <a:ext uri="{FF2B5EF4-FFF2-40B4-BE49-F238E27FC236}">
+                <a16:creationId xmlns:a16="http://schemas.microsoft.com/office/drawing/2014/main" id="{047C8CCB-F95D-4249-92DD-651249D3535A}"/>
+              </a:ext>
+              <a:ext uri="{C183D7F6-B498-43B3-948B-1728B52AA6E4}">
+                <adec:decorative xmlns:adec="http://schemas.microsoft.com/office/drawing/2017/decorative" val="1"/>
+              </a:ext>
+            </a:extLst>
+          </p:cNvPr>
+          <p:cNvSpPr>
+            <a:spLocks noGrp="1" noRot="1" noChangeAspect="1" noMove="1" noResize="1" noEditPoints="1" noAdjustHandles="1" noChangeArrowheads="1" noChangeShapeType="1" noTextEdit="1"/>
+          </p:cNvSpPr>
+          <p:nvPr>
+            <p:extLst>
+              <p:ext uri="{386F3935-93C4-4BCD-93E2-E3B085C9AB24}">
+                <p16:designElem xmlns:p16="http://schemas.microsoft.com/office/powerpoint/2015/main" val="1"/>
+              </p:ext>
+            </p:extLst>
+          </p:nvPr>
+        </p:nvSpPr>
+        <p:spPr>
+          <a:xfrm>
+            <a:off x="0" y="0"/>
+            <a:ext cx="2013557" cy="6858000"/>
+          </a:xfrm>
+          <a:prstGeom prst="rect">
+            <a:avLst/>
+          </a:prstGeom>
+          <a:solidFill>
+            <a:srgbClr val="546A84"/>
+          </a:solidFill>
+          <a:ln>
+            <a:noFill/>
+          </a:ln>
+        </p:spPr>
+        <p:style>
+          <a:lnRef idx="2">
+            <a:schemeClr val="accent1">
+              <a:shade val="50000"/>
+            </a:schemeClr>
+          </a:lnRef>
+          <a:fillRef idx="1">
+            <a:schemeClr val="accent1"/>
+          </a:fillRef>
+          <a:effectRef idx="0">
+            <a:schemeClr val="accent1"/>
+          </a:effectRef>
+          <a:fontRef idx="minor">
+            <a:schemeClr val="lt1"/>
+          </a:fontRef>
+        </p:style>
+        <p:txBody>
+          <a:bodyPr rtlCol="0" anchor="ctr"/>
+          <a:lstStyle/>
+          <a:p>
+            <a:pPr algn="ctr"/>
+            <a:endParaRPr lang="en-US"/>
+          </a:p>
+        </p:txBody>
+      </p:sp>
+      <p:sp>
+        <p:nvSpPr>
+          <p:cNvPr id="2" name="Título 1">
+            <a:extLst>
+              <a:ext uri="{FF2B5EF4-FFF2-40B4-BE49-F238E27FC236}">
+                <a16:creationId xmlns:a16="http://schemas.microsoft.com/office/drawing/2014/main" id="{7E8400A2-82BA-4036-A6FE-BF5F48A90A12}"/>
+              </a:ext>
+            </a:extLst>
+          </p:cNvPr>
+          <p:cNvSpPr>
+            <a:spLocks noGrp="1"/>
+          </p:cNvSpPr>
+          <p:nvPr>
+            <p:ph type="title"/>
+          </p:nvPr>
+        </p:nvSpPr>
+        <p:spPr>
+          <a:xfrm>
+            <a:off x="571977" y="2073599"/>
+            <a:ext cx="2883159" cy="2710800"/>
+          </a:xfrm>
+          <a:prstGeom prst="ellipse">
+            <a:avLst/>
+          </a:prstGeom>
+          <a:solidFill>
+            <a:srgbClr val="262626"/>
+          </a:solidFill>
+          <a:ln w="174625" cmpd="thinThick">
+            <a:solidFill>
+              <a:srgbClr val="262626"/>
+            </a:solidFill>
+          </a:ln>
+        </p:spPr>
+        <p:txBody>
+          <a:bodyPr vert="horz" lIns="91440" tIns="45720" rIns="91440" bIns="45720" rtlCol="0" anchor="ctr">
+            <a:normAutofit/>
+          </a:bodyPr>
+          <a:lstStyle/>
+          <a:p>
+            <a:pPr algn="ctr"/>
+            <a:r>
+              <a:rPr lang="pt-PT" sz="2000" b="1" kern="1200">
+                <a:solidFill>
+                  <a:schemeClr val="bg1"/>
+                </a:solidFill>
+                <a:latin typeface="Times" pitchFamily="2" charset="0"/>
+                <a:ea typeface="+mj-ea"/>
+                <a:cs typeface="+mj-cs"/>
+              </a:rPr>
+              <a:t>Mockup</a:t>
+            </a:r>
+            <a:r>
+              <a:rPr lang="pt-PT" sz="2000" b="1">
+                <a:solidFill>
+                  <a:schemeClr val="bg1"/>
+                </a:solidFill>
+                <a:latin typeface="Times" pitchFamily="2" charset="0"/>
+              </a:rPr>
+              <a:t>s – </a:t>
+            </a:r>
+            <a:br>
+              <a:rPr lang="pt-PT" sz="2000" b="1">
+                <a:solidFill>
+                  <a:schemeClr val="bg1"/>
+                </a:solidFill>
+                <a:latin typeface="Times" pitchFamily="2" charset="0"/>
+              </a:rPr>
+            </a:br>
+            <a:r>
+              <a:rPr lang="pt-PT" sz="2000" b="1">
+                <a:solidFill>
+                  <a:schemeClr val="bg1"/>
+                </a:solidFill>
+                <a:latin typeface="Times" pitchFamily="2" charset="0"/>
+              </a:rPr>
+              <a:t>Página Inicial</a:t>
+            </a:r>
+            <a:endParaRPr lang="en-US" sz="1800" kern="1200" dirty="0">
+              <a:solidFill>
+                <a:srgbClr val="FFFFFF"/>
+              </a:solidFill>
+              <a:latin typeface="+mj-lt"/>
+              <a:ea typeface="+mj-ea"/>
+              <a:cs typeface="+mj-cs"/>
+            </a:endParaRPr>
+          </a:p>
+        </p:txBody>
+      </p:sp>
+      <p:pic>
+        <p:nvPicPr>
+          <p:cNvPr id="7" name="Imagem 6" descr="Uma imagem com captura de ecrã&#10;&#10;&#10;&#10;Descrição gerada automaticamente">
+            <a:extLst>
+              <a:ext uri="{FF2B5EF4-FFF2-40B4-BE49-F238E27FC236}">
+                <a16:creationId xmlns:a16="http://schemas.microsoft.com/office/drawing/2014/main" id="{40F3AD32-E1DD-2C4B-8ACC-F41F49AB468B}"/>
+              </a:ext>
+            </a:extLst>
+          </p:cNvPr>
+          <p:cNvPicPr>
+            <a:picLocks noChangeAspect="1"/>
+          </p:cNvPicPr>
+          <p:nvPr/>
+        </p:nvPicPr>
+        <p:blipFill>
+          <a:blip r:embed="rId2"/>
+          <a:stretch>
+            <a:fillRect/>
+          </a:stretch>
+        </p:blipFill>
+        <p:spPr>
+          <a:xfrm>
+            <a:off x="3810368" y="209549"/>
+            <a:ext cx="8026400" cy="6438900"/>
+          </a:xfrm>
+          <a:prstGeom prst="rect">
+            <a:avLst/>
+          </a:prstGeom>
+        </p:spPr>
+      </p:pic>
+    </p:spTree>
+    <p:extLst>
+      <p:ext uri="{BB962C8B-B14F-4D97-AF65-F5344CB8AC3E}">
+        <p14:creationId xmlns:p14="http://schemas.microsoft.com/office/powerpoint/2010/main" val="2092455470"/>
+      </p:ext>
+    </p:extLst>
+  </p:cSld>
+  <p:clrMapOvr>
+    <a:masterClrMapping/>
+  </p:clrMapOvr>
+</p:sld>
+</file>
+
 <file path=ppt/slides/slide3.xml><?xml version="1.0" encoding="utf-8"?>
 <p:sld xmlns:a="http://schemas.openxmlformats.org/drawingml/2006/main" xmlns:r="http://schemas.openxmlformats.org/officeDocument/2006/relationships" xmlns:p="http://schemas.openxmlformats.org/presentationml/2006/main">
   <p:cSld>
@@ -7202,6 +10317,2139 @@
     <p:extLst>
       <p:ext uri="{BB962C8B-B14F-4D97-AF65-F5344CB8AC3E}">
         <p14:creationId xmlns:p14="http://schemas.microsoft.com/office/powerpoint/2010/main" val="2332616668"/>
+      </p:ext>
+    </p:extLst>
+  </p:cSld>
+  <p:clrMapOvr>
+    <a:masterClrMapping/>
+  </p:clrMapOvr>
+</p:sld>
+</file>
+
+<file path=ppt/slides/slide30.xml><?xml version="1.0" encoding="utf-8"?>
+<p:sld xmlns:a="http://schemas.openxmlformats.org/drawingml/2006/main" xmlns:r="http://schemas.openxmlformats.org/officeDocument/2006/relationships" xmlns:p="http://schemas.openxmlformats.org/presentationml/2006/main">
+  <p:cSld>
+    <p:bg>
+      <p:bgPr>
+        <a:solidFill>
+          <a:schemeClr val="bg1"/>
+        </a:solidFill>
+        <a:effectLst/>
+      </p:bgPr>
+    </p:bg>
+    <p:spTree>
+      <p:nvGrpSpPr>
+        <p:cNvPr id="1" name=""/>
+        <p:cNvGrpSpPr/>
+        <p:nvPr/>
+      </p:nvGrpSpPr>
+      <p:grpSpPr>
+        <a:xfrm>
+          <a:off x="0" y="0"/>
+          <a:ext cx="0" cy="0"/>
+          <a:chOff x="0" y="0"/>
+          <a:chExt cx="0" cy="0"/>
+        </a:xfrm>
+      </p:grpSpPr>
+      <p:sp>
+        <p:nvSpPr>
+          <p:cNvPr id="15" name="Rectangle 11">
+            <a:extLst>
+              <a:ext uri="{FF2B5EF4-FFF2-40B4-BE49-F238E27FC236}">
+                <a16:creationId xmlns:a16="http://schemas.microsoft.com/office/drawing/2014/main" id="{6753252F-4873-4F63-801D-CC719279A7D5}"/>
+              </a:ext>
+              <a:ext uri="{C183D7F6-B498-43B3-948B-1728B52AA6E4}">
+                <adec:decorative xmlns:adec="http://schemas.microsoft.com/office/drawing/2017/decorative" val="1"/>
+              </a:ext>
+            </a:extLst>
+          </p:cNvPr>
+          <p:cNvSpPr>
+            <a:spLocks noGrp="1" noRot="1" noChangeAspect="1" noMove="1" noResize="1" noEditPoints="1" noAdjustHandles="1" noChangeArrowheads="1" noChangeShapeType="1" noTextEdit="1"/>
+          </p:cNvSpPr>
+          <p:nvPr>
+            <p:extLst>
+              <p:ext uri="{386F3935-93C4-4BCD-93E2-E3B085C9AB24}">
+                <p16:designElem xmlns:p16="http://schemas.microsoft.com/office/powerpoint/2015/main" val="1"/>
+              </p:ext>
+            </p:extLst>
+          </p:nvPr>
+        </p:nvSpPr>
+        <p:spPr>
+          <a:xfrm>
+            <a:off x="0" y="0"/>
+            <a:ext cx="12192000" cy="6858000"/>
+          </a:xfrm>
+          <a:prstGeom prst="rect">
+            <a:avLst/>
+          </a:prstGeom>
+          <a:solidFill>
+            <a:srgbClr val="FFFFFF"/>
+          </a:solidFill>
+          <a:ln>
+            <a:noFill/>
+          </a:ln>
+        </p:spPr>
+        <p:style>
+          <a:lnRef idx="2">
+            <a:schemeClr val="accent1">
+              <a:shade val="50000"/>
+            </a:schemeClr>
+          </a:lnRef>
+          <a:fillRef idx="1">
+            <a:schemeClr val="accent1"/>
+          </a:fillRef>
+          <a:effectRef idx="0">
+            <a:schemeClr val="accent1"/>
+          </a:effectRef>
+          <a:fontRef idx="minor">
+            <a:schemeClr val="lt1"/>
+          </a:fontRef>
+        </p:style>
+        <p:txBody>
+          <a:bodyPr rtlCol="0" anchor="ctr"/>
+          <a:lstStyle/>
+          <a:p>
+            <a:pPr algn="ctr"/>
+            <a:endParaRPr lang="en-US"/>
+          </a:p>
+        </p:txBody>
+      </p:sp>
+      <p:sp>
+        <p:nvSpPr>
+          <p:cNvPr id="14" name="Rectangle 13">
+            <a:extLst>
+              <a:ext uri="{FF2B5EF4-FFF2-40B4-BE49-F238E27FC236}">
+                <a16:creationId xmlns:a16="http://schemas.microsoft.com/office/drawing/2014/main" id="{047C8CCB-F95D-4249-92DD-651249D3535A}"/>
+              </a:ext>
+              <a:ext uri="{C183D7F6-B498-43B3-948B-1728B52AA6E4}">
+                <adec:decorative xmlns:adec="http://schemas.microsoft.com/office/drawing/2017/decorative" val="1"/>
+              </a:ext>
+            </a:extLst>
+          </p:cNvPr>
+          <p:cNvSpPr>
+            <a:spLocks noGrp="1" noRot="1" noChangeAspect="1" noMove="1" noResize="1" noEditPoints="1" noAdjustHandles="1" noChangeArrowheads="1" noChangeShapeType="1" noTextEdit="1"/>
+          </p:cNvSpPr>
+          <p:nvPr>
+            <p:extLst>
+              <p:ext uri="{386F3935-93C4-4BCD-93E2-E3B085C9AB24}">
+                <p16:designElem xmlns:p16="http://schemas.microsoft.com/office/powerpoint/2015/main" val="1"/>
+              </p:ext>
+            </p:extLst>
+          </p:nvPr>
+        </p:nvSpPr>
+        <p:spPr>
+          <a:xfrm>
+            <a:off x="0" y="0"/>
+            <a:ext cx="2013557" cy="6858000"/>
+          </a:xfrm>
+          <a:prstGeom prst="rect">
+            <a:avLst/>
+          </a:prstGeom>
+          <a:solidFill>
+            <a:srgbClr val="546A84"/>
+          </a:solidFill>
+          <a:ln>
+            <a:noFill/>
+          </a:ln>
+        </p:spPr>
+        <p:style>
+          <a:lnRef idx="2">
+            <a:schemeClr val="accent1">
+              <a:shade val="50000"/>
+            </a:schemeClr>
+          </a:lnRef>
+          <a:fillRef idx="1">
+            <a:schemeClr val="accent1"/>
+          </a:fillRef>
+          <a:effectRef idx="0">
+            <a:schemeClr val="accent1"/>
+          </a:effectRef>
+          <a:fontRef idx="minor">
+            <a:schemeClr val="lt1"/>
+          </a:fontRef>
+        </p:style>
+        <p:txBody>
+          <a:bodyPr rtlCol="0" anchor="ctr"/>
+          <a:lstStyle/>
+          <a:p>
+            <a:pPr algn="ctr"/>
+            <a:endParaRPr lang="en-US"/>
+          </a:p>
+        </p:txBody>
+      </p:sp>
+      <p:sp>
+        <p:nvSpPr>
+          <p:cNvPr id="2" name="Título 1">
+            <a:extLst>
+              <a:ext uri="{FF2B5EF4-FFF2-40B4-BE49-F238E27FC236}">
+                <a16:creationId xmlns:a16="http://schemas.microsoft.com/office/drawing/2014/main" id="{7E8400A2-82BA-4036-A6FE-BF5F48A90A12}"/>
+              </a:ext>
+            </a:extLst>
+          </p:cNvPr>
+          <p:cNvSpPr>
+            <a:spLocks noGrp="1"/>
+          </p:cNvSpPr>
+          <p:nvPr>
+            <p:ph type="title"/>
+          </p:nvPr>
+        </p:nvSpPr>
+        <p:spPr>
+          <a:xfrm>
+            <a:off x="571977" y="2073599"/>
+            <a:ext cx="2883159" cy="2710800"/>
+          </a:xfrm>
+          <a:prstGeom prst="ellipse">
+            <a:avLst/>
+          </a:prstGeom>
+          <a:solidFill>
+            <a:srgbClr val="262626"/>
+          </a:solidFill>
+          <a:ln w="174625" cmpd="thinThick">
+            <a:solidFill>
+              <a:srgbClr val="262626"/>
+            </a:solidFill>
+          </a:ln>
+        </p:spPr>
+        <p:txBody>
+          <a:bodyPr vert="horz" lIns="91440" tIns="45720" rIns="91440" bIns="45720" rtlCol="0" anchor="ctr">
+            <a:normAutofit/>
+          </a:bodyPr>
+          <a:lstStyle/>
+          <a:p>
+            <a:pPr algn="ctr"/>
+            <a:r>
+              <a:rPr lang="pt-PT" sz="2000" b="1" kern="1200" dirty="0" err="1">
+                <a:solidFill>
+                  <a:schemeClr val="bg1"/>
+                </a:solidFill>
+                <a:latin typeface="Times" pitchFamily="2" charset="0"/>
+                <a:ea typeface="+mj-ea"/>
+                <a:cs typeface="+mj-cs"/>
+              </a:rPr>
+              <a:t>Mockup</a:t>
+            </a:r>
+            <a:r>
+              <a:rPr lang="pt-PT" sz="2000" b="1" dirty="0" err="1">
+                <a:solidFill>
+                  <a:schemeClr val="bg1"/>
+                </a:solidFill>
+                <a:latin typeface="Times" pitchFamily="2" charset="0"/>
+              </a:rPr>
+              <a:t>s</a:t>
+            </a:r>
+            <a:r>
+              <a:rPr lang="pt-PT" sz="2000" b="1" dirty="0">
+                <a:solidFill>
+                  <a:schemeClr val="bg1"/>
+                </a:solidFill>
+                <a:latin typeface="Times" pitchFamily="2" charset="0"/>
+              </a:rPr>
+              <a:t> – </a:t>
+            </a:r>
+            <a:br>
+              <a:rPr lang="pt-PT" sz="2000" b="1" dirty="0">
+                <a:solidFill>
+                  <a:schemeClr val="bg1"/>
+                </a:solidFill>
+                <a:latin typeface="Times" pitchFamily="2" charset="0"/>
+              </a:rPr>
+            </a:br>
+            <a:r>
+              <a:rPr lang="pt-PT" sz="2000" b="1" dirty="0">
+                <a:solidFill>
+                  <a:schemeClr val="bg1"/>
+                </a:solidFill>
+                <a:latin typeface="Times" pitchFamily="2" charset="0"/>
+              </a:rPr>
+              <a:t>Registar</a:t>
+            </a:r>
+            <a:endParaRPr lang="en-US" sz="1800" kern="1200" dirty="0">
+              <a:solidFill>
+                <a:srgbClr val="FFFFFF"/>
+              </a:solidFill>
+              <a:latin typeface="+mj-lt"/>
+              <a:ea typeface="+mj-ea"/>
+              <a:cs typeface="+mj-cs"/>
+            </a:endParaRPr>
+          </a:p>
+        </p:txBody>
+      </p:sp>
+      <p:pic>
+        <p:nvPicPr>
+          <p:cNvPr id="4" name="Imagem 3" descr="Uma imagem com captura de ecrã&#10;&#10;&#10;&#10;Descrição gerada automaticamente">
+            <a:extLst>
+              <a:ext uri="{FF2B5EF4-FFF2-40B4-BE49-F238E27FC236}">
+                <a16:creationId xmlns:a16="http://schemas.microsoft.com/office/drawing/2014/main" id="{8805C684-5D35-6E45-AAA7-B2ED8F9E9814}"/>
+              </a:ext>
+            </a:extLst>
+          </p:cNvPr>
+          <p:cNvPicPr>
+            <a:picLocks noChangeAspect="1"/>
+          </p:cNvPicPr>
+          <p:nvPr/>
+        </p:nvPicPr>
+        <p:blipFill>
+          <a:blip r:embed="rId2"/>
+          <a:stretch>
+            <a:fillRect/>
+          </a:stretch>
+        </p:blipFill>
+        <p:spPr>
+          <a:xfrm>
+            <a:off x="3810368" y="215899"/>
+            <a:ext cx="8026400" cy="6426200"/>
+          </a:xfrm>
+          <a:prstGeom prst="rect">
+            <a:avLst/>
+          </a:prstGeom>
+        </p:spPr>
+      </p:pic>
+    </p:spTree>
+    <p:extLst>
+      <p:ext uri="{BB962C8B-B14F-4D97-AF65-F5344CB8AC3E}">
+        <p14:creationId xmlns:p14="http://schemas.microsoft.com/office/powerpoint/2010/main" val="1143424613"/>
+      </p:ext>
+    </p:extLst>
+  </p:cSld>
+  <p:clrMapOvr>
+    <a:masterClrMapping/>
+  </p:clrMapOvr>
+</p:sld>
+</file>
+
+<file path=ppt/slides/slide31.xml><?xml version="1.0" encoding="utf-8"?>
+<p:sld xmlns:a="http://schemas.openxmlformats.org/drawingml/2006/main" xmlns:r="http://schemas.openxmlformats.org/officeDocument/2006/relationships" xmlns:p="http://schemas.openxmlformats.org/presentationml/2006/main">
+  <p:cSld>
+    <p:bg>
+      <p:bgPr>
+        <a:solidFill>
+          <a:schemeClr val="bg1"/>
+        </a:solidFill>
+        <a:effectLst/>
+      </p:bgPr>
+    </p:bg>
+    <p:spTree>
+      <p:nvGrpSpPr>
+        <p:cNvPr id="1" name=""/>
+        <p:cNvGrpSpPr/>
+        <p:nvPr/>
+      </p:nvGrpSpPr>
+      <p:grpSpPr>
+        <a:xfrm>
+          <a:off x="0" y="0"/>
+          <a:ext cx="0" cy="0"/>
+          <a:chOff x="0" y="0"/>
+          <a:chExt cx="0" cy="0"/>
+        </a:xfrm>
+      </p:grpSpPr>
+      <p:sp>
+        <p:nvSpPr>
+          <p:cNvPr id="15" name="Rectangle 11">
+            <a:extLst>
+              <a:ext uri="{FF2B5EF4-FFF2-40B4-BE49-F238E27FC236}">
+                <a16:creationId xmlns:a16="http://schemas.microsoft.com/office/drawing/2014/main" id="{6753252F-4873-4F63-801D-CC719279A7D5}"/>
+              </a:ext>
+              <a:ext uri="{C183D7F6-B498-43B3-948B-1728B52AA6E4}">
+                <adec:decorative xmlns:adec="http://schemas.microsoft.com/office/drawing/2017/decorative" val="1"/>
+              </a:ext>
+            </a:extLst>
+          </p:cNvPr>
+          <p:cNvSpPr>
+            <a:spLocks noGrp="1" noRot="1" noChangeAspect="1" noMove="1" noResize="1" noEditPoints="1" noAdjustHandles="1" noChangeArrowheads="1" noChangeShapeType="1" noTextEdit="1"/>
+          </p:cNvSpPr>
+          <p:nvPr>
+            <p:extLst>
+              <p:ext uri="{386F3935-93C4-4BCD-93E2-E3B085C9AB24}">
+                <p16:designElem xmlns:p16="http://schemas.microsoft.com/office/powerpoint/2015/main" val="1"/>
+              </p:ext>
+            </p:extLst>
+          </p:nvPr>
+        </p:nvSpPr>
+        <p:spPr>
+          <a:xfrm>
+            <a:off x="0" y="0"/>
+            <a:ext cx="12192000" cy="6858000"/>
+          </a:xfrm>
+          <a:prstGeom prst="rect">
+            <a:avLst/>
+          </a:prstGeom>
+          <a:solidFill>
+            <a:srgbClr val="FFFFFF"/>
+          </a:solidFill>
+          <a:ln>
+            <a:noFill/>
+          </a:ln>
+        </p:spPr>
+        <p:style>
+          <a:lnRef idx="2">
+            <a:schemeClr val="accent1">
+              <a:shade val="50000"/>
+            </a:schemeClr>
+          </a:lnRef>
+          <a:fillRef idx="1">
+            <a:schemeClr val="accent1"/>
+          </a:fillRef>
+          <a:effectRef idx="0">
+            <a:schemeClr val="accent1"/>
+          </a:effectRef>
+          <a:fontRef idx="minor">
+            <a:schemeClr val="lt1"/>
+          </a:fontRef>
+        </p:style>
+        <p:txBody>
+          <a:bodyPr rtlCol="0" anchor="ctr"/>
+          <a:lstStyle/>
+          <a:p>
+            <a:pPr algn="ctr"/>
+            <a:endParaRPr lang="en-US"/>
+          </a:p>
+        </p:txBody>
+      </p:sp>
+      <p:sp>
+        <p:nvSpPr>
+          <p:cNvPr id="14" name="Rectangle 13">
+            <a:extLst>
+              <a:ext uri="{FF2B5EF4-FFF2-40B4-BE49-F238E27FC236}">
+                <a16:creationId xmlns:a16="http://schemas.microsoft.com/office/drawing/2014/main" id="{047C8CCB-F95D-4249-92DD-651249D3535A}"/>
+              </a:ext>
+              <a:ext uri="{C183D7F6-B498-43B3-948B-1728B52AA6E4}">
+                <adec:decorative xmlns:adec="http://schemas.microsoft.com/office/drawing/2017/decorative" val="1"/>
+              </a:ext>
+            </a:extLst>
+          </p:cNvPr>
+          <p:cNvSpPr>
+            <a:spLocks noGrp="1" noRot="1" noChangeAspect="1" noMove="1" noResize="1" noEditPoints="1" noAdjustHandles="1" noChangeArrowheads="1" noChangeShapeType="1" noTextEdit="1"/>
+          </p:cNvSpPr>
+          <p:nvPr>
+            <p:extLst>
+              <p:ext uri="{386F3935-93C4-4BCD-93E2-E3B085C9AB24}">
+                <p16:designElem xmlns:p16="http://schemas.microsoft.com/office/powerpoint/2015/main" val="1"/>
+              </p:ext>
+            </p:extLst>
+          </p:nvPr>
+        </p:nvSpPr>
+        <p:spPr>
+          <a:xfrm>
+            <a:off x="0" y="0"/>
+            <a:ext cx="2013557" cy="6858000"/>
+          </a:xfrm>
+          <a:prstGeom prst="rect">
+            <a:avLst/>
+          </a:prstGeom>
+          <a:solidFill>
+            <a:srgbClr val="546A84"/>
+          </a:solidFill>
+          <a:ln>
+            <a:noFill/>
+          </a:ln>
+        </p:spPr>
+        <p:style>
+          <a:lnRef idx="2">
+            <a:schemeClr val="accent1">
+              <a:shade val="50000"/>
+            </a:schemeClr>
+          </a:lnRef>
+          <a:fillRef idx="1">
+            <a:schemeClr val="accent1"/>
+          </a:fillRef>
+          <a:effectRef idx="0">
+            <a:schemeClr val="accent1"/>
+          </a:effectRef>
+          <a:fontRef idx="minor">
+            <a:schemeClr val="lt1"/>
+          </a:fontRef>
+        </p:style>
+        <p:txBody>
+          <a:bodyPr rtlCol="0" anchor="ctr"/>
+          <a:lstStyle/>
+          <a:p>
+            <a:pPr algn="ctr"/>
+            <a:endParaRPr lang="en-US"/>
+          </a:p>
+        </p:txBody>
+      </p:sp>
+      <p:sp>
+        <p:nvSpPr>
+          <p:cNvPr id="2" name="Título 1">
+            <a:extLst>
+              <a:ext uri="{FF2B5EF4-FFF2-40B4-BE49-F238E27FC236}">
+                <a16:creationId xmlns:a16="http://schemas.microsoft.com/office/drawing/2014/main" id="{7E8400A2-82BA-4036-A6FE-BF5F48A90A12}"/>
+              </a:ext>
+            </a:extLst>
+          </p:cNvPr>
+          <p:cNvSpPr>
+            <a:spLocks noGrp="1"/>
+          </p:cNvSpPr>
+          <p:nvPr>
+            <p:ph type="title"/>
+          </p:nvPr>
+        </p:nvSpPr>
+        <p:spPr>
+          <a:xfrm>
+            <a:off x="571977" y="2073599"/>
+            <a:ext cx="2883159" cy="2710800"/>
+          </a:xfrm>
+          <a:prstGeom prst="ellipse">
+            <a:avLst/>
+          </a:prstGeom>
+          <a:solidFill>
+            <a:srgbClr val="262626"/>
+          </a:solidFill>
+          <a:ln w="174625" cmpd="thinThick">
+            <a:solidFill>
+              <a:srgbClr val="262626"/>
+            </a:solidFill>
+          </a:ln>
+        </p:spPr>
+        <p:txBody>
+          <a:bodyPr vert="horz" lIns="91440" tIns="45720" rIns="91440" bIns="45720" rtlCol="0" anchor="ctr">
+            <a:normAutofit/>
+          </a:bodyPr>
+          <a:lstStyle/>
+          <a:p>
+            <a:pPr algn="ctr"/>
+            <a:r>
+              <a:rPr lang="pt-PT" sz="2000" b="1" kern="1200" dirty="0" err="1">
+                <a:solidFill>
+                  <a:schemeClr val="bg1"/>
+                </a:solidFill>
+                <a:latin typeface="Times" pitchFamily="2" charset="0"/>
+                <a:ea typeface="+mj-ea"/>
+                <a:cs typeface="+mj-cs"/>
+              </a:rPr>
+              <a:t>Mockup</a:t>
+            </a:r>
+            <a:r>
+              <a:rPr lang="pt-PT" sz="2000" b="1" dirty="0" err="1">
+                <a:solidFill>
+                  <a:schemeClr val="bg1"/>
+                </a:solidFill>
+                <a:latin typeface="Times" pitchFamily="2" charset="0"/>
+              </a:rPr>
+              <a:t>s</a:t>
+            </a:r>
+            <a:r>
+              <a:rPr lang="pt-PT" sz="2000" b="1" dirty="0">
+                <a:solidFill>
+                  <a:schemeClr val="bg1"/>
+                </a:solidFill>
+                <a:latin typeface="Times" pitchFamily="2" charset="0"/>
+              </a:rPr>
+              <a:t> – </a:t>
+            </a:r>
+            <a:br>
+              <a:rPr lang="pt-PT" sz="2000" b="1" dirty="0">
+                <a:solidFill>
+                  <a:schemeClr val="bg1"/>
+                </a:solidFill>
+                <a:latin typeface="Times" pitchFamily="2" charset="0"/>
+              </a:rPr>
+            </a:br>
+            <a:r>
+              <a:rPr lang="pt-PT" sz="2000" b="1" dirty="0">
+                <a:solidFill>
+                  <a:schemeClr val="bg1"/>
+                </a:solidFill>
+                <a:latin typeface="Times" pitchFamily="2" charset="0"/>
+              </a:rPr>
+              <a:t>Log In</a:t>
+            </a:r>
+            <a:endParaRPr lang="en-US" sz="1800" kern="1200" dirty="0">
+              <a:solidFill>
+                <a:srgbClr val="FFFFFF"/>
+              </a:solidFill>
+              <a:latin typeface="+mj-lt"/>
+              <a:ea typeface="+mj-ea"/>
+              <a:cs typeface="+mj-cs"/>
+            </a:endParaRPr>
+          </a:p>
+        </p:txBody>
+      </p:sp>
+      <p:pic>
+        <p:nvPicPr>
+          <p:cNvPr id="4" name="Imagem 3" descr="Uma imagem com captura de ecrã&#10;&#10;&#10;&#10;Descrição gerada automaticamente">
+            <a:extLst>
+              <a:ext uri="{FF2B5EF4-FFF2-40B4-BE49-F238E27FC236}">
+                <a16:creationId xmlns:a16="http://schemas.microsoft.com/office/drawing/2014/main" id="{F2F14ACD-BB0D-9A4A-8C87-001C68ECE645}"/>
+              </a:ext>
+            </a:extLst>
+          </p:cNvPr>
+          <p:cNvPicPr>
+            <a:picLocks noChangeAspect="1"/>
+          </p:cNvPicPr>
+          <p:nvPr/>
+        </p:nvPicPr>
+        <p:blipFill>
+          <a:blip r:embed="rId2"/>
+          <a:stretch>
+            <a:fillRect/>
+          </a:stretch>
+        </p:blipFill>
+        <p:spPr>
+          <a:xfrm>
+            <a:off x="3804018" y="215899"/>
+            <a:ext cx="8039100" cy="6426200"/>
+          </a:xfrm>
+          <a:prstGeom prst="rect">
+            <a:avLst/>
+          </a:prstGeom>
+        </p:spPr>
+      </p:pic>
+    </p:spTree>
+    <p:extLst>
+      <p:ext uri="{BB962C8B-B14F-4D97-AF65-F5344CB8AC3E}">
+        <p14:creationId xmlns:p14="http://schemas.microsoft.com/office/powerpoint/2010/main" val="4159117144"/>
+      </p:ext>
+    </p:extLst>
+  </p:cSld>
+  <p:clrMapOvr>
+    <a:masterClrMapping/>
+  </p:clrMapOvr>
+</p:sld>
+</file>
+
+<file path=ppt/slides/slide32.xml><?xml version="1.0" encoding="utf-8"?>
+<p:sld xmlns:a="http://schemas.openxmlformats.org/drawingml/2006/main" xmlns:r="http://schemas.openxmlformats.org/officeDocument/2006/relationships" xmlns:p="http://schemas.openxmlformats.org/presentationml/2006/main">
+  <p:cSld>
+    <p:bg>
+      <p:bgPr>
+        <a:solidFill>
+          <a:schemeClr val="bg1"/>
+        </a:solidFill>
+        <a:effectLst/>
+      </p:bgPr>
+    </p:bg>
+    <p:spTree>
+      <p:nvGrpSpPr>
+        <p:cNvPr id="1" name=""/>
+        <p:cNvGrpSpPr/>
+        <p:nvPr/>
+      </p:nvGrpSpPr>
+      <p:grpSpPr>
+        <a:xfrm>
+          <a:off x="0" y="0"/>
+          <a:ext cx="0" cy="0"/>
+          <a:chOff x="0" y="0"/>
+          <a:chExt cx="0" cy="0"/>
+        </a:xfrm>
+      </p:grpSpPr>
+      <p:sp>
+        <p:nvSpPr>
+          <p:cNvPr id="15" name="Rectangle 11">
+            <a:extLst>
+              <a:ext uri="{FF2B5EF4-FFF2-40B4-BE49-F238E27FC236}">
+                <a16:creationId xmlns:a16="http://schemas.microsoft.com/office/drawing/2014/main" id="{6753252F-4873-4F63-801D-CC719279A7D5}"/>
+              </a:ext>
+              <a:ext uri="{C183D7F6-B498-43B3-948B-1728B52AA6E4}">
+                <adec:decorative xmlns:adec="http://schemas.microsoft.com/office/drawing/2017/decorative" val="1"/>
+              </a:ext>
+            </a:extLst>
+          </p:cNvPr>
+          <p:cNvSpPr>
+            <a:spLocks noGrp="1" noRot="1" noChangeAspect="1" noMove="1" noResize="1" noEditPoints="1" noAdjustHandles="1" noChangeArrowheads="1" noChangeShapeType="1" noTextEdit="1"/>
+          </p:cNvSpPr>
+          <p:nvPr>
+            <p:extLst>
+              <p:ext uri="{386F3935-93C4-4BCD-93E2-E3B085C9AB24}">
+                <p16:designElem xmlns:p16="http://schemas.microsoft.com/office/powerpoint/2015/main" val="1"/>
+              </p:ext>
+            </p:extLst>
+          </p:nvPr>
+        </p:nvSpPr>
+        <p:spPr>
+          <a:xfrm>
+            <a:off x="0" y="0"/>
+            <a:ext cx="12192000" cy="6858000"/>
+          </a:xfrm>
+          <a:prstGeom prst="rect">
+            <a:avLst/>
+          </a:prstGeom>
+          <a:solidFill>
+            <a:srgbClr val="FFFFFF"/>
+          </a:solidFill>
+          <a:ln>
+            <a:noFill/>
+          </a:ln>
+        </p:spPr>
+        <p:style>
+          <a:lnRef idx="2">
+            <a:schemeClr val="accent1">
+              <a:shade val="50000"/>
+            </a:schemeClr>
+          </a:lnRef>
+          <a:fillRef idx="1">
+            <a:schemeClr val="accent1"/>
+          </a:fillRef>
+          <a:effectRef idx="0">
+            <a:schemeClr val="accent1"/>
+          </a:effectRef>
+          <a:fontRef idx="minor">
+            <a:schemeClr val="lt1"/>
+          </a:fontRef>
+        </p:style>
+        <p:txBody>
+          <a:bodyPr rtlCol="0" anchor="ctr"/>
+          <a:lstStyle/>
+          <a:p>
+            <a:pPr algn="ctr"/>
+            <a:endParaRPr lang="en-US"/>
+          </a:p>
+        </p:txBody>
+      </p:sp>
+      <p:sp>
+        <p:nvSpPr>
+          <p:cNvPr id="14" name="Rectangle 13">
+            <a:extLst>
+              <a:ext uri="{FF2B5EF4-FFF2-40B4-BE49-F238E27FC236}">
+                <a16:creationId xmlns:a16="http://schemas.microsoft.com/office/drawing/2014/main" id="{047C8CCB-F95D-4249-92DD-651249D3535A}"/>
+              </a:ext>
+              <a:ext uri="{C183D7F6-B498-43B3-948B-1728B52AA6E4}">
+                <adec:decorative xmlns:adec="http://schemas.microsoft.com/office/drawing/2017/decorative" val="1"/>
+              </a:ext>
+            </a:extLst>
+          </p:cNvPr>
+          <p:cNvSpPr>
+            <a:spLocks noGrp="1" noRot="1" noChangeAspect="1" noMove="1" noResize="1" noEditPoints="1" noAdjustHandles="1" noChangeArrowheads="1" noChangeShapeType="1" noTextEdit="1"/>
+          </p:cNvSpPr>
+          <p:nvPr>
+            <p:extLst>
+              <p:ext uri="{386F3935-93C4-4BCD-93E2-E3B085C9AB24}">
+                <p16:designElem xmlns:p16="http://schemas.microsoft.com/office/powerpoint/2015/main" val="1"/>
+              </p:ext>
+            </p:extLst>
+          </p:nvPr>
+        </p:nvSpPr>
+        <p:spPr>
+          <a:xfrm>
+            <a:off x="0" y="0"/>
+            <a:ext cx="2013557" cy="6858000"/>
+          </a:xfrm>
+          <a:prstGeom prst="rect">
+            <a:avLst/>
+          </a:prstGeom>
+          <a:solidFill>
+            <a:srgbClr val="546A84"/>
+          </a:solidFill>
+          <a:ln>
+            <a:noFill/>
+          </a:ln>
+        </p:spPr>
+        <p:style>
+          <a:lnRef idx="2">
+            <a:schemeClr val="accent1">
+              <a:shade val="50000"/>
+            </a:schemeClr>
+          </a:lnRef>
+          <a:fillRef idx="1">
+            <a:schemeClr val="accent1"/>
+          </a:fillRef>
+          <a:effectRef idx="0">
+            <a:schemeClr val="accent1"/>
+          </a:effectRef>
+          <a:fontRef idx="minor">
+            <a:schemeClr val="lt1"/>
+          </a:fontRef>
+        </p:style>
+        <p:txBody>
+          <a:bodyPr rtlCol="0" anchor="ctr"/>
+          <a:lstStyle/>
+          <a:p>
+            <a:pPr algn="ctr"/>
+            <a:endParaRPr lang="en-US"/>
+          </a:p>
+        </p:txBody>
+      </p:sp>
+      <p:sp>
+        <p:nvSpPr>
+          <p:cNvPr id="2" name="Título 1">
+            <a:extLst>
+              <a:ext uri="{FF2B5EF4-FFF2-40B4-BE49-F238E27FC236}">
+                <a16:creationId xmlns:a16="http://schemas.microsoft.com/office/drawing/2014/main" id="{7E8400A2-82BA-4036-A6FE-BF5F48A90A12}"/>
+              </a:ext>
+            </a:extLst>
+          </p:cNvPr>
+          <p:cNvSpPr>
+            <a:spLocks noGrp="1"/>
+          </p:cNvSpPr>
+          <p:nvPr>
+            <p:ph type="title"/>
+          </p:nvPr>
+        </p:nvSpPr>
+        <p:spPr>
+          <a:xfrm>
+            <a:off x="571977" y="2073599"/>
+            <a:ext cx="2883159" cy="2710800"/>
+          </a:xfrm>
+          <a:prstGeom prst="ellipse">
+            <a:avLst/>
+          </a:prstGeom>
+          <a:solidFill>
+            <a:srgbClr val="262626"/>
+          </a:solidFill>
+          <a:ln w="174625" cmpd="thinThick">
+            <a:solidFill>
+              <a:srgbClr val="262626"/>
+            </a:solidFill>
+          </a:ln>
+        </p:spPr>
+        <p:txBody>
+          <a:bodyPr vert="horz" lIns="91440" tIns="45720" rIns="91440" bIns="45720" rtlCol="0" anchor="ctr">
+            <a:normAutofit/>
+          </a:bodyPr>
+          <a:lstStyle/>
+          <a:p>
+            <a:pPr algn="ctr"/>
+            <a:r>
+              <a:rPr lang="pt-PT" sz="2000" b="1" kern="1200" dirty="0" err="1">
+                <a:solidFill>
+                  <a:schemeClr val="bg1"/>
+                </a:solidFill>
+                <a:latin typeface="Times" pitchFamily="2" charset="0"/>
+                <a:ea typeface="+mj-ea"/>
+                <a:cs typeface="+mj-cs"/>
+              </a:rPr>
+              <a:t>Mockup</a:t>
+            </a:r>
+            <a:r>
+              <a:rPr lang="pt-PT" sz="2000" b="1" dirty="0" err="1">
+                <a:solidFill>
+                  <a:schemeClr val="bg1"/>
+                </a:solidFill>
+                <a:latin typeface="Times" pitchFamily="2" charset="0"/>
+              </a:rPr>
+              <a:t>s</a:t>
+            </a:r>
+            <a:r>
+              <a:rPr lang="pt-PT" sz="2000" b="1" dirty="0">
+                <a:solidFill>
+                  <a:schemeClr val="bg1"/>
+                </a:solidFill>
+                <a:latin typeface="Times" pitchFamily="2" charset="0"/>
+              </a:rPr>
+              <a:t> – </a:t>
+            </a:r>
+            <a:br>
+              <a:rPr lang="pt-PT" sz="2000" b="1" dirty="0">
+                <a:solidFill>
+                  <a:schemeClr val="bg1"/>
+                </a:solidFill>
+                <a:latin typeface="Times" pitchFamily="2" charset="0"/>
+              </a:rPr>
+            </a:br>
+            <a:r>
+              <a:rPr lang="pt-PT" sz="2000" b="1" dirty="0">
+                <a:solidFill>
+                  <a:schemeClr val="bg1"/>
+                </a:solidFill>
+                <a:latin typeface="Times" pitchFamily="2" charset="0"/>
+              </a:rPr>
+              <a:t>Listar Receitas</a:t>
+            </a:r>
+            <a:endParaRPr lang="en-US" sz="1800" kern="1200" dirty="0">
+              <a:solidFill>
+                <a:srgbClr val="FFFFFF"/>
+              </a:solidFill>
+              <a:latin typeface="+mj-lt"/>
+              <a:ea typeface="+mj-ea"/>
+              <a:cs typeface="+mj-cs"/>
+            </a:endParaRPr>
+          </a:p>
+        </p:txBody>
+      </p:sp>
+      <p:pic>
+        <p:nvPicPr>
+          <p:cNvPr id="4" name="Imagem 3" descr="Uma imagem com captura de ecrã&#10;&#10;&#10;&#10;Descrição gerada automaticamente">
+            <a:extLst>
+              <a:ext uri="{FF2B5EF4-FFF2-40B4-BE49-F238E27FC236}">
+                <a16:creationId xmlns:a16="http://schemas.microsoft.com/office/drawing/2014/main" id="{3362A153-02B0-1E46-8209-56A819952C19}"/>
+              </a:ext>
+            </a:extLst>
+          </p:cNvPr>
+          <p:cNvPicPr>
+            <a:picLocks noChangeAspect="1"/>
+          </p:cNvPicPr>
+          <p:nvPr/>
+        </p:nvPicPr>
+        <p:blipFill>
+          <a:blip r:embed="rId2"/>
+          <a:stretch>
+            <a:fillRect/>
+          </a:stretch>
+        </p:blipFill>
+        <p:spPr>
+          <a:xfrm>
+            <a:off x="3810368" y="209549"/>
+            <a:ext cx="8026400" cy="6438900"/>
+          </a:xfrm>
+          <a:prstGeom prst="rect">
+            <a:avLst/>
+          </a:prstGeom>
+        </p:spPr>
+      </p:pic>
+    </p:spTree>
+    <p:extLst>
+      <p:ext uri="{BB962C8B-B14F-4D97-AF65-F5344CB8AC3E}">
+        <p14:creationId xmlns:p14="http://schemas.microsoft.com/office/powerpoint/2010/main" val="2288376826"/>
+      </p:ext>
+    </p:extLst>
+  </p:cSld>
+  <p:clrMapOvr>
+    <a:masterClrMapping/>
+  </p:clrMapOvr>
+</p:sld>
+</file>
+
+<file path=ppt/slides/slide33.xml><?xml version="1.0" encoding="utf-8"?>
+<p:sld xmlns:a="http://schemas.openxmlformats.org/drawingml/2006/main" xmlns:r="http://schemas.openxmlformats.org/officeDocument/2006/relationships" xmlns:p="http://schemas.openxmlformats.org/presentationml/2006/main">
+  <p:cSld>
+    <p:bg>
+      <p:bgPr>
+        <a:solidFill>
+          <a:schemeClr val="bg1"/>
+        </a:solidFill>
+        <a:effectLst/>
+      </p:bgPr>
+    </p:bg>
+    <p:spTree>
+      <p:nvGrpSpPr>
+        <p:cNvPr id="1" name=""/>
+        <p:cNvGrpSpPr/>
+        <p:nvPr/>
+      </p:nvGrpSpPr>
+      <p:grpSpPr>
+        <a:xfrm>
+          <a:off x="0" y="0"/>
+          <a:ext cx="0" cy="0"/>
+          <a:chOff x="0" y="0"/>
+          <a:chExt cx="0" cy="0"/>
+        </a:xfrm>
+      </p:grpSpPr>
+      <p:sp>
+        <p:nvSpPr>
+          <p:cNvPr id="15" name="Rectangle 11">
+            <a:extLst>
+              <a:ext uri="{FF2B5EF4-FFF2-40B4-BE49-F238E27FC236}">
+                <a16:creationId xmlns:a16="http://schemas.microsoft.com/office/drawing/2014/main" id="{6753252F-4873-4F63-801D-CC719279A7D5}"/>
+              </a:ext>
+              <a:ext uri="{C183D7F6-B498-43B3-948B-1728B52AA6E4}">
+                <adec:decorative xmlns:adec="http://schemas.microsoft.com/office/drawing/2017/decorative" val="1"/>
+              </a:ext>
+            </a:extLst>
+          </p:cNvPr>
+          <p:cNvSpPr>
+            <a:spLocks noGrp="1" noRot="1" noChangeAspect="1" noMove="1" noResize="1" noEditPoints="1" noAdjustHandles="1" noChangeArrowheads="1" noChangeShapeType="1" noTextEdit="1"/>
+          </p:cNvSpPr>
+          <p:nvPr>
+            <p:extLst>
+              <p:ext uri="{386F3935-93C4-4BCD-93E2-E3B085C9AB24}">
+                <p16:designElem xmlns:p16="http://schemas.microsoft.com/office/powerpoint/2015/main" val="1"/>
+              </p:ext>
+            </p:extLst>
+          </p:nvPr>
+        </p:nvSpPr>
+        <p:spPr>
+          <a:xfrm>
+            <a:off x="0" y="0"/>
+            <a:ext cx="12192000" cy="6858000"/>
+          </a:xfrm>
+          <a:prstGeom prst="rect">
+            <a:avLst/>
+          </a:prstGeom>
+          <a:solidFill>
+            <a:srgbClr val="FFFFFF"/>
+          </a:solidFill>
+          <a:ln>
+            <a:noFill/>
+          </a:ln>
+        </p:spPr>
+        <p:style>
+          <a:lnRef idx="2">
+            <a:schemeClr val="accent1">
+              <a:shade val="50000"/>
+            </a:schemeClr>
+          </a:lnRef>
+          <a:fillRef idx="1">
+            <a:schemeClr val="accent1"/>
+          </a:fillRef>
+          <a:effectRef idx="0">
+            <a:schemeClr val="accent1"/>
+          </a:effectRef>
+          <a:fontRef idx="minor">
+            <a:schemeClr val="lt1"/>
+          </a:fontRef>
+        </p:style>
+        <p:txBody>
+          <a:bodyPr rtlCol="0" anchor="ctr"/>
+          <a:lstStyle/>
+          <a:p>
+            <a:pPr algn="ctr"/>
+            <a:endParaRPr lang="en-US"/>
+          </a:p>
+        </p:txBody>
+      </p:sp>
+      <p:sp>
+        <p:nvSpPr>
+          <p:cNvPr id="14" name="Rectangle 13">
+            <a:extLst>
+              <a:ext uri="{FF2B5EF4-FFF2-40B4-BE49-F238E27FC236}">
+                <a16:creationId xmlns:a16="http://schemas.microsoft.com/office/drawing/2014/main" id="{047C8CCB-F95D-4249-92DD-651249D3535A}"/>
+              </a:ext>
+              <a:ext uri="{C183D7F6-B498-43B3-948B-1728B52AA6E4}">
+                <adec:decorative xmlns:adec="http://schemas.microsoft.com/office/drawing/2017/decorative" val="1"/>
+              </a:ext>
+            </a:extLst>
+          </p:cNvPr>
+          <p:cNvSpPr>
+            <a:spLocks noGrp="1" noRot="1" noChangeAspect="1" noMove="1" noResize="1" noEditPoints="1" noAdjustHandles="1" noChangeArrowheads="1" noChangeShapeType="1" noTextEdit="1"/>
+          </p:cNvSpPr>
+          <p:nvPr>
+            <p:extLst>
+              <p:ext uri="{386F3935-93C4-4BCD-93E2-E3B085C9AB24}">
+                <p16:designElem xmlns:p16="http://schemas.microsoft.com/office/powerpoint/2015/main" val="1"/>
+              </p:ext>
+            </p:extLst>
+          </p:nvPr>
+        </p:nvSpPr>
+        <p:spPr>
+          <a:xfrm>
+            <a:off x="0" y="0"/>
+            <a:ext cx="2013557" cy="6858000"/>
+          </a:xfrm>
+          <a:prstGeom prst="rect">
+            <a:avLst/>
+          </a:prstGeom>
+          <a:solidFill>
+            <a:srgbClr val="546A84"/>
+          </a:solidFill>
+          <a:ln>
+            <a:noFill/>
+          </a:ln>
+        </p:spPr>
+        <p:style>
+          <a:lnRef idx="2">
+            <a:schemeClr val="accent1">
+              <a:shade val="50000"/>
+            </a:schemeClr>
+          </a:lnRef>
+          <a:fillRef idx="1">
+            <a:schemeClr val="accent1"/>
+          </a:fillRef>
+          <a:effectRef idx="0">
+            <a:schemeClr val="accent1"/>
+          </a:effectRef>
+          <a:fontRef idx="minor">
+            <a:schemeClr val="lt1"/>
+          </a:fontRef>
+        </p:style>
+        <p:txBody>
+          <a:bodyPr rtlCol="0" anchor="ctr"/>
+          <a:lstStyle/>
+          <a:p>
+            <a:pPr algn="ctr"/>
+            <a:endParaRPr lang="en-US"/>
+          </a:p>
+        </p:txBody>
+      </p:sp>
+      <p:sp>
+        <p:nvSpPr>
+          <p:cNvPr id="2" name="Título 1">
+            <a:extLst>
+              <a:ext uri="{FF2B5EF4-FFF2-40B4-BE49-F238E27FC236}">
+                <a16:creationId xmlns:a16="http://schemas.microsoft.com/office/drawing/2014/main" id="{7E8400A2-82BA-4036-A6FE-BF5F48A90A12}"/>
+              </a:ext>
+            </a:extLst>
+          </p:cNvPr>
+          <p:cNvSpPr>
+            <a:spLocks noGrp="1"/>
+          </p:cNvSpPr>
+          <p:nvPr>
+            <p:ph type="title"/>
+          </p:nvPr>
+        </p:nvSpPr>
+        <p:spPr>
+          <a:xfrm>
+            <a:off x="571977" y="2073599"/>
+            <a:ext cx="2883159" cy="2710800"/>
+          </a:xfrm>
+          <a:prstGeom prst="ellipse">
+            <a:avLst/>
+          </a:prstGeom>
+          <a:solidFill>
+            <a:srgbClr val="262626"/>
+          </a:solidFill>
+          <a:ln w="174625" cmpd="thinThick">
+            <a:solidFill>
+              <a:srgbClr val="262626"/>
+            </a:solidFill>
+          </a:ln>
+        </p:spPr>
+        <p:txBody>
+          <a:bodyPr vert="horz" lIns="91440" tIns="45720" rIns="91440" bIns="45720" rtlCol="0" anchor="ctr">
+            <a:normAutofit/>
+          </a:bodyPr>
+          <a:lstStyle/>
+          <a:p>
+            <a:pPr algn="ctr"/>
+            <a:r>
+              <a:rPr lang="pt-PT" sz="2000" b="1" kern="1200" dirty="0" err="1">
+                <a:solidFill>
+                  <a:schemeClr val="bg1"/>
+                </a:solidFill>
+                <a:latin typeface="Times" pitchFamily="2" charset="0"/>
+                <a:ea typeface="+mj-ea"/>
+                <a:cs typeface="+mj-cs"/>
+              </a:rPr>
+              <a:t>Mockup</a:t>
+            </a:r>
+            <a:r>
+              <a:rPr lang="pt-PT" sz="2000" b="1" dirty="0" err="1">
+                <a:solidFill>
+                  <a:schemeClr val="bg1"/>
+                </a:solidFill>
+                <a:latin typeface="Times" pitchFamily="2" charset="0"/>
+              </a:rPr>
+              <a:t>s</a:t>
+            </a:r>
+            <a:r>
+              <a:rPr lang="pt-PT" sz="2000" b="1" dirty="0">
+                <a:solidFill>
+                  <a:schemeClr val="bg1"/>
+                </a:solidFill>
+                <a:latin typeface="Times" pitchFamily="2" charset="0"/>
+              </a:rPr>
+              <a:t> – </a:t>
+            </a:r>
+            <a:br>
+              <a:rPr lang="pt-PT" sz="2000" b="1" dirty="0">
+                <a:solidFill>
+                  <a:schemeClr val="bg1"/>
+                </a:solidFill>
+                <a:latin typeface="Times" pitchFamily="2" charset="0"/>
+              </a:rPr>
+            </a:br>
+            <a:r>
+              <a:rPr lang="pt-PT" sz="2000" b="1" dirty="0">
+                <a:solidFill>
+                  <a:schemeClr val="bg1"/>
+                </a:solidFill>
+                <a:latin typeface="Times" pitchFamily="2" charset="0"/>
+              </a:rPr>
+              <a:t>Selecionar Receita</a:t>
+            </a:r>
+            <a:endParaRPr lang="en-US" sz="1800" kern="1200" dirty="0">
+              <a:solidFill>
+                <a:srgbClr val="FFFFFF"/>
+              </a:solidFill>
+              <a:latin typeface="+mj-lt"/>
+              <a:ea typeface="+mj-ea"/>
+              <a:cs typeface="+mj-cs"/>
+            </a:endParaRPr>
+          </a:p>
+        </p:txBody>
+      </p:sp>
+      <p:pic>
+        <p:nvPicPr>
+          <p:cNvPr id="4" name="Imagem 3" descr="Uma imagem com captura de ecrã&#10;&#10;&#10;&#10;Descrição gerada automaticamente">
+            <a:extLst>
+              <a:ext uri="{FF2B5EF4-FFF2-40B4-BE49-F238E27FC236}">
+                <a16:creationId xmlns:a16="http://schemas.microsoft.com/office/drawing/2014/main" id="{A97ADD73-710F-3641-8277-B3110EC2ACBE}"/>
+              </a:ext>
+            </a:extLst>
+          </p:cNvPr>
+          <p:cNvPicPr>
+            <a:picLocks noChangeAspect="1"/>
+          </p:cNvPicPr>
+          <p:nvPr/>
+        </p:nvPicPr>
+        <p:blipFill>
+          <a:blip r:embed="rId2"/>
+          <a:stretch>
+            <a:fillRect/>
+          </a:stretch>
+        </p:blipFill>
+        <p:spPr>
+          <a:xfrm>
+            <a:off x="3804018" y="203199"/>
+            <a:ext cx="8039100" cy="6451600"/>
+          </a:xfrm>
+          <a:prstGeom prst="rect">
+            <a:avLst/>
+          </a:prstGeom>
+        </p:spPr>
+      </p:pic>
+    </p:spTree>
+    <p:extLst>
+      <p:ext uri="{BB962C8B-B14F-4D97-AF65-F5344CB8AC3E}">
+        <p14:creationId xmlns:p14="http://schemas.microsoft.com/office/powerpoint/2010/main" val="2753853912"/>
+      </p:ext>
+    </p:extLst>
+  </p:cSld>
+  <p:clrMapOvr>
+    <a:masterClrMapping/>
+  </p:clrMapOvr>
+</p:sld>
+</file>
+
+<file path=ppt/slides/slide34.xml><?xml version="1.0" encoding="utf-8"?>
+<p:sld xmlns:a="http://schemas.openxmlformats.org/drawingml/2006/main" xmlns:r="http://schemas.openxmlformats.org/officeDocument/2006/relationships" xmlns:p="http://schemas.openxmlformats.org/presentationml/2006/main">
+  <p:cSld>
+    <p:bg>
+      <p:bgPr>
+        <a:solidFill>
+          <a:schemeClr val="bg1"/>
+        </a:solidFill>
+        <a:effectLst/>
+      </p:bgPr>
+    </p:bg>
+    <p:spTree>
+      <p:nvGrpSpPr>
+        <p:cNvPr id="1" name=""/>
+        <p:cNvGrpSpPr/>
+        <p:nvPr/>
+      </p:nvGrpSpPr>
+      <p:grpSpPr>
+        <a:xfrm>
+          <a:off x="0" y="0"/>
+          <a:ext cx="0" cy="0"/>
+          <a:chOff x="0" y="0"/>
+          <a:chExt cx="0" cy="0"/>
+        </a:xfrm>
+      </p:grpSpPr>
+      <p:sp>
+        <p:nvSpPr>
+          <p:cNvPr id="15" name="Rectangle 11">
+            <a:extLst>
+              <a:ext uri="{FF2B5EF4-FFF2-40B4-BE49-F238E27FC236}">
+                <a16:creationId xmlns:a16="http://schemas.microsoft.com/office/drawing/2014/main" id="{6753252F-4873-4F63-801D-CC719279A7D5}"/>
+              </a:ext>
+              <a:ext uri="{C183D7F6-B498-43B3-948B-1728B52AA6E4}">
+                <adec:decorative xmlns:adec="http://schemas.microsoft.com/office/drawing/2017/decorative" val="1"/>
+              </a:ext>
+            </a:extLst>
+          </p:cNvPr>
+          <p:cNvSpPr>
+            <a:spLocks noGrp="1" noRot="1" noChangeAspect="1" noMove="1" noResize="1" noEditPoints="1" noAdjustHandles="1" noChangeArrowheads="1" noChangeShapeType="1" noTextEdit="1"/>
+          </p:cNvSpPr>
+          <p:nvPr>
+            <p:extLst>
+              <p:ext uri="{386F3935-93C4-4BCD-93E2-E3B085C9AB24}">
+                <p16:designElem xmlns:p16="http://schemas.microsoft.com/office/powerpoint/2015/main" val="1"/>
+              </p:ext>
+            </p:extLst>
+          </p:nvPr>
+        </p:nvSpPr>
+        <p:spPr>
+          <a:xfrm>
+            <a:off x="0" y="0"/>
+            <a:ext cx="12192000" cy="6858000"/>
+          </a:xfrm>
+          <a:prstGeom prst="rect">
+            <a:avLst/>
+          </a:prstGeom>
+          <a:solidFill>
+            <a:srgbClr val="FFFFFF"/>
+          </a:solidFill>
+          <a:ln>
+            <a:noFill/>
+          </a:ln>
+        </p:spPr>
+        <p:style>
+          <a:lnRef idx="2">
+            <a:schemeClr val="accent1">
+              <a:shade val="50000"/>
+            </a:schemeClr>
+          </a:lnRef>
+          <a:fillRef idx="1">
+            <a:schemeClr val="accent1"/>
+          </a:fillRef>
+          <a:effectRef idx="0">
+            <a:schemeClr val="accent1"/>
+          </a:effectRef>
+          <a:fontRef idx="minor">
+            <a:schemeClr val="lt1"/>
+          </a:fontRef>
+        </p:style>
+        <p:txBody>
+          <a:bodyPr rtlCol="0" anchor="ctr"/>
+          <a:lstStyle/>
+          <a:p>
+            <a:pPr algn="ctr"/>
+            <a:endParaRPr lang="en-US"/>
+          </a:p>
+        </p:txBody>
+      </p:sp>
+      <p:sp>
+        <p:nvSpPr>
+          <p:cNvPr id="14" name="Rectangle 13">
+            <a:extLst>
+              <a:ext uri="{FF2B5EF4-FFF2-40B4-BE49-F238E27FC236}">
+                <a16:creationId xmlns:a16="http://schemas.microsoft.com/office/drawing/2014/main" id="{047C8CCB-F95D-4249-92DD-651249D3535A}"/>
+              </a:ext>
+              <a:ext uri="{C183D7F6-B498-43B3-948B-1728B52AA6E4}">
+                <adec:decorative xmlns:adec="http://schemas.microsoft.com/office/drawing/2017/decorative" val="1"/>
+              </a:ext>
+            </a:extLst>
+          </p:cNvPr>
+          <p:cNvSpPr>
+            <a:spLocks noGrp="1" noRot="1" noChangeAspect="1" noMove="1" noResize="1" noEditPoints="1" noAdjustHandles="1" noChangeArrowheads="1" noChangeShapeType="1" noTextEdit="1"/>
+          </p:cNvSpPr>
+          <p:nvPr>
+            <p:extLst>
+              <p:ext uri="{386F3935-93C4-4BCD-93E2-E3B085C9AB24}">
+                <p16:designElem xmlns:p16="http://schemas.microsoft.com/office/powerpoint/2015/main" val="1"/>
+              </p:ext>
+            </p:extLst>
+          </p:nvPr>
+        </p:nvSpPr>
+        <p:spPr>
+          <a:xfrm>
+            <a:off x="0" y="0"/>
+            <a:ext cx="2013557" cy="6858000"/>
+          </a:xfrm>
+          <a:prstGeom prst="rect">
+            <a:avLst/>
+          </a:prstGeom>
+          <a:solidFill>
+            <a:srgbClr val="546A84"/>
+          </a:solidFill>
+          <a:ln>
+            <a:noFill/>
+          </a:ln>
+        </p:spPr>
+        <p:style>
+          <a:lnRef idx="2">
+            <a:schemeClr val="accent1">
+              <a:shade val="50000"/>
+            </a:schemeClr>
+          </a:lnRef>
+          <a:fillRef idx="1">
+            <a:schemeClr val="accent1"/>
+          </a:fillRef>
+          <a:effectRef idx="0">
+            <a:schemeClr val="accent1"/>
+          </a:effectRef>
+          <a:fontRef idx="minor">
+            <a:schemeClr val="lt1"/>
+          </a:fontRef>
+        </p:style>
+        <p:txBody>
+          <a:bodyPr rtlCol="0" anchor="ctr"/>
+          <a:lstStyle/>
+          <a:p>
+            <a:pPr algn="ctr"/>
+            <a:endParaRPr lang="en-US"/>
+          </a:p>
+        </p:txBody>
+      </p:sp>
+      <p:sp>
+        <p:nvSpPr>
+          <p:cNvPr id="2" name="Título 1">
+            <a:extLst>
+              <a:ext uri="{FF2B5EF4-FFF2-40B4-BE49-F238E27FC236}">
+                <a16:creationId xmlns:a16="http://schemas.microsoft.com/office/drawing/2014/main" id="{7E8400A2-82BA-4036-A6FE-BF5F48A90A12}"/>
+              </a:ext>
+            </a:extLst>
+          </p:cNvPr>
+          <p:cNvSpPr>
+            <a:spLocks noGrp="1"/>
+          </p:cNvSpPr>
+          <p:nvPr>
+            <p:ph type="title"/>
+          </p:nvPr>
+        </p:nvSpPr>
+        <p:spPr>
+          <a:xfrm>
+            <a:off x="571977" y="2073599"/>
+            <a:ext cx="2883159" cy="2710800"/>
+          </a:xfrm>
+          <a:prstGeom prst="ellipse">
+            <a:avLst/>
+          </a:prstGeom>
+          <a:solidFill>
+            <a:srgbClr val="262626"/>
+          </a:solidFill>
+          <a:ln w="174625" cmpd="thinThick">
+            <a:solidFill>
+              <a:srgbClr val="262626"/>
+            </a:solidFill>
+          </a:ln>
+        </p:spPr>
+        <p:txBody>
+          <a:bodyPr vert="horz" lIns="91440" tIns="45720" rIns="91440" bIns="45720" rtlCol="0" anchor="ctr">
+            <a:normAutofit/>
+          </a:bodyPr>
+          <a:lstStyle/>
+          <a:p>
+            <a:pPr algn="ctr"/>
+            <a:r>
+              <a:rPr lang="pt-PT" sz="2000" b="1" kern="1200" dirty="0" err="1">
+                <a:solidFill>
+                  <a:schemeClr val="bg1"/>
+                </a:solidFill>
+                <a:latin typeface="Times" pitchFamily="2" charset="0"/>
+                <a:ea typeface="+mj-ea"/>
+                <a:cs typeface="+mj-cs"/>
+              </a:rPr>
+              <a:t>Mockup</a:t>
+            </a:r>
+            <a:r>
+              <a:rPr lang="pt-PT" sz="2000" b="1" dirty="0" err="1">
+                <a:solidFill>
+                  <a:schemeClr val="bg1"/>
+                </a:solidFill>
+                <a:latin typeface="Times" pitchFamily="2" charset="0"/>
+              </a:rPr>
+              <a:t>s</a:t>
+            </a:r>
+            <a:r>
+              <a:rPr lang="pt-PT" sz="2000" b="1" dirty="0">
+                <a:solidFill>
+                  <a:schemeClr val="bg1"/>
+                </a:solidFill>
+                <a:latin typeface="Times" pitchFamily="2" charset="0"/>
+              </a:rPr>
+              <a:t> – </a:t>
+            </a:r>
+            <a:br>
+              <a:rPr lang="pt-PT" sz="2000" b="1" dirty="0">
+                <a:solidFill>
+                  <a:schemeClr val="bg1"/>
+                </a:solidFill>
+                <a:latin typeface="Times" pitchFamily="2" charset="0"/>
+              </a:rPr>
+            </a:br>
+            <a:r>
+              <a:rPr lang="pt-PT" sz="2000" b="1" dirty="0">
+                <a:solidFill>
+                  <a:schemeClr val="bg1"/>
+                </a:solidFill>
+                <a:latin typeface="Times" pitchFamily="2" charset="0"/>
+              </a:rPr>
+              <a:t>Realizar Passo</a:t>
+            </a:r>
+            <a:endParaRPr lang="en-US" sz="1800" kern="1200" dirty="0">
+              <a:solidFill>
+                <a:srgbClr val="FFFFFF"/>
+              </a:solidFill>
+              <a:latin typeface="+mj-lt"/>
+              <a:ea typeface="+mj-ea"/>
+              <a:cs typeface="+mj-cs"/>
+            </a:endParaRPr>
+          </a:p>
+        </p:txBody>
+      </p:sp>
+      <p:pic>
+        <p:nvPicPr>
+          <p:cNvPr id="4" name="Imagem 3" descr="Uma imagem com captura de ecrã&#10;&#10;&#10;&#10;Descrição gerada automaticamente">
+            <a:extLst>
+              <a:ext uri="{FF2B5EF4-FFF2-40B4-BE49-F238E27FC236}">
+                <a16:creationId xmlns:a16="http://schemas.microsoft.com/office/drawing/2014/main" id="{3D77DEDE-5B6A-8D48-8D56-9388AA2148A9}"/>
+              </a:ext>
+            </a:extLst>
+          </p:cNvPr>
+          <p:cNvPicPr>
+            <a:picLocks noChangeAspect="1"/>
+          </p:cNvPicPr>
+          <p:nvPr/>
+        </p:nvPicPr>
+        <p:blipFill>
+          <a:blip r:embed="rId2"/>
+          <a:stretch>
+            <a:fillRect/>
+          </a:stretch>
+        </p:blipFill>
+        <p:spPr>
+          <a:xfrm>
+            <a:off x="3810368" y="215899"/>
+            <a:ext cx="8026400" cy="6426200"/>
+          </a:xfrm>
+          <a:prstGeom prst="rect">
+            <a:avLst/>
+          </a:prstGeom>
+        </p:spPr>
+      </p:pic>
+    </p:spTree>
+    <p:extLst>
+      <p:ext uri="{BB962C8B-B14F-4D97-AF65-F5344CB8AC3E}">
+        <p14:creationId xmlns:p14="http://schemas.microsoft.com/office/powerpoint/2010/main" val="2903168226"/>
+      </p:ext>
+    </p:extLst>
+  </p:cSld>
+  <p:clrMapOvr>
+    <a:masterClrMapping/>
+  </p:clrMapOvr>
+</p:sld>
+</file>
+
+<file path=ppt/slides/slide35.xml><?xml version="1.0" encoding="utf-8"?>
+<p:sld xmlns:a="http://schemas.openxmlformats.org/drawingml/2006/main" xmlns:r="http://schemas.openxmlformats.org/officeDocument/2006/relationships" xmlns:p="http://schemas.openxmlformats.org/presentationml/2006/main">
+  <p:cSld>
+    <p:spTree>
+      <p:nvGrpSpPr>
+        <p:cNvPr id="1" name=""/>
+        <p:cNvGrpSpPr/>
+        <p:nvPr/>
+      </p:nvGrpSpPr>
+      <p:grpSpPr>
+        <a:xfrm>
+          <a:off x="0" y="0"/>
+          <a:ext cx="0" cy="0"/>
+          <a:chOff x="0" y="0"/>
+          <a:chExt cx="0" cy="0"/>
+        </a:xfrm>
+      </p:grpSpPr>
+      <p:sp>
+        <p:nvSpPr>
+          <p:cNvPr id="2" name="Título 1">
+            <a:extLst>
+              <a:ext uri="{FF2B5EF4-FFF2-40B4-BE49-F238E27FC236}">
+                <a16:creationId xmlns:a16="http://schemas.microsoft.com/office/drawing/2014/main" id="{68B587D6-95F5-44B6-BB57-2DC2C68A6033}"/>
+              </a:ext>
+            </a:extLst>
+          </p:cNvPr>
+          <p:cNvSpPr>
+            <a:spLocks noGrp="1"/>
+          </p:cNvSpPr>
+          <p:nvPr>
+            <p:ph type="ctrTitle"/>
+          </p:nvPr>
+        </p:nvSpPr>
+        <p:spPr>
+          <a:xfrm>
+            <a:off x="2212532" y="1991662"/>
+            <a:ext cx="7766936" cy="1096899"/>
+          </a:xfrm>
+          <a:ln>
+            <a:solidFill>
+              <a:schemeClr val="tx1"/>
+            </a:solidFill>
+          </a:ln>
+        </p:spPr>
+        <p:style>
+          <a:lnRef idx="1">
+            <a:schemeClr val="accent3"/>
+          </a:lnRef>
+          <a:fillRef idx="3">
+            <a:schemeClr val="accent3"/>
+          </a:fillRef>
+          <a:effectRef idx="2">
+            <a:schemeClr val="accent3"/>
+          </a:effectRef>
+          <a:fontRef idx="minor">
+            <a:schemeClr val="lt1"/>
+          </a:fontRef>
+        </p:style>
+        <p:txBody>
+          <a:bodyPr/>
+          <a:lstStyle/>
+          <a:p>
+            <a:r>
+              <a:rPr lang="pt-PT" dirty="0" err="1">
+                <a:solidFill>
+                  <a:schemeClr val="tx1"/>
+                </a:solidFill>
+                <a:latin typeface="Times" pitchFamily="2" charset="0"/>
+              </a:rPr>
+              <a:t>FeelItaly</a:t>
+            </a:r>
+            <a:endParaRPr lang="pt-PT" dirty="0">
+              <a:solidFill>
+                <a:schemeClr val="tx1"/>
+              </a:solidFill>
+              <a:latin typeface="Times" pitchFamily="2" charset="0"/>
+            </a:endParaRPr>
+          </a:p>
+        </p:txBody>
+      </p:sp>
+      <p:sp>
+        <p:nvSpPr>
+          <p:cNvPr id="3" name="Subtítulo 2">
+            <a:extLst>
+              <a:ext uri="{FF2B5EF4-FFF2-40B4-BE49-F238E27FC236}">
+                <a16:creationId xmlns:a16="http://schemas.microsoft.com/office/drawing/2014/main" id="{63179239-57AD-4120-B440-24FCE4A7687A}"/>
+              </a:ext>
+            </a:extLst>
+          </p:cNvPr>
+          <p:cNvSpPr>
+            <a:spLocks noGrp="1"/>
+          </p:cNvSpPr>
+          <p:nvPr>
+            <p:ph type="subTitle" idx="1"/>
+          </p:nvPr>
+        </p:nvSpPr>
+        <p:spPr>
+          <a:xfrm>
+            <a:off x="2924675" y="3088561"/>
+            <a:ext cx="6342649" cy="473882"/>
+          </a:xfrm>
+          <a:ln>
+            <a:solidFill>
+              <a:schemeClr val="tx1"/>
+            </a:solidFill>
+          </a:ln>
+        </p:spPr>
+        <p:style>
+          <a:lnRef idx="1">
+            <a:schemeClr val="accent3"/>
+          </a:lnRef>
+          <a:fillRef idx="2">
+            <a:schemeClr val="accent3"/>
+          </a:fillRef>
+          <a:effectRef idx="1">
+            <a:schemeClr val="accent3"/>
+          </a:effectRef>
+          <a:fontRef idx="minor">
+            <a:schemeClr val="dk1"/>
+          </a:fontRef>
+        </p:style>
+        <p:txBody>
+          <a:bodyPr>
+            <a:normAutofit fontScale="92500"/>
+          </a:bodyPr>
+          <a:lstStyle/>
+          <a:p>
+            <a:r>
+              <a:rPr lang="pt-PT" dirty="0">
+                <a:latin typeface="Times" pitchFamily="2" charset="0"/>
+              </a:rPr>
+              <a:t>Com </a:t>
+            </a:r>
+            <a:r>
+              <a:rPr lang="pt-PT" dirty="0" err="1">
+                <a:latin typeface="Times" pitchFamily="2" charset="0"/>
+              </a:rPr>
+              <a:t>FeeIItaly</a:t>
+            </a:r>
+            <a:r>
+              <a:rPr lang="pt-PT" dirty="0">
+                <a:latin typeface="Times" pitchFamily="2" charset="0"/>
+              </a:rPr>
+              <a:t> na mão, é mais simples a confeção! </a:t>
+            </a:r>
+          </a:p>
+        </p:txBody>
+      </p:sp>
+      <p:sp>
+        <p:nvSpPr>
+          <p:cNvPr id="4" name="Text Box 6">
+            <a:extLst>
+              <a:ext uri="{FF2B5EF4-FFF2-40B4-BE49-F238E27FC236}">
+                <a16:creationId xmlns:a16="http://schemas.microsoft.com/office/drawing/2014/main" id="{1D2CD886-0138-41CB-BB1F-29B15D58722C}"/>
+              </a:ext>
+            </a:extLst>
+          </p:cNvPr>
+          <p:cNvSpPr txBox="1">
+            <a:spLocks/>
+          </p:cNvSpPr>
+          <p:nvPr/>
+        </p:nvSpPr>
+        <p:spPr bwMode="auto">
+          <a:xfrm>
+            <a:off x="1144173" y="4483080"/>
+            <a:ext cx="2990677" cy="2027303"/>
+          </a:xfrm>
+          <a:prstGeom prst="rect">
+            <a:avLst/>
+          </a:prstGeom>
+          <a:noFill/>
+          <a:ln>
+            <a:noFill/>
+          </a:ln>
+          <a:extLst>
+            <a:ext uri="{909E8E84-426E-40DD-AFC4-6F175D3DCCD1}">
+              <a14:hiddenFill xmlns:a14="http://schemas.microsoft.com/office/drawing/2010/main">
+                <a:solidFill>
+                  <a:srgbClr val="FFFFFF"/>
+                </a:solidFill>
+              </a14:hiddenFill>
+            </a:ext>
+            <a:ext uri="{91240B29-F687-4F45-9708-019B960494DF}">
+              <a14:hiddenLine xmlns:a14="http://schemas.microsoft.com/office/drawing/2010/main" w="9525">
+                <a:solidFill>
+                  <a:srgbClr val="000000"/>
+                </a:solidFill>
+                <a:miter lim="800000"/>
+                <a:headEnd/>
+                <a:tailEnd/>
+              </a14:hiddenLine>
+            </a:ext>
+          </a:extLst>
+        </p:spPr>
+        <p:txBody>
+          <a:bodyPr vert="horz" wrap="square" lIns="91440" tIns="45720" rIns="91440" bIns="45720" numCol="1" anchor="t" anchorCtr="0" compatLnSpc="1">
+            <a:prstTxWarp prst="textNoShape">
+              <a:avLst/>
+            </a:prstTxWarp>
+          </a:bodyPr>
+          <a:lstStyle/>
+          <a:p>
+            <a:pPr marL="0" marR="0" lvl="0" indent="0" algn="l" defTabSz="914400" rtl="0" eaLnBrk="0" fontAlgn="base" latinLnBrk="0" hangingPunct="0">
+              <a:lnSpc>
+                <a:spcPct val="100000"/>
+              </a:lnSpc>
+              <a:spcBef>
+                <a:spcPct val="0"/>
+              </a:spcBef>
+              <a:spcAft>
+                <a:spcPts val="800"/>
+              </a:spcAft>
+              <a:buClrTx/>
+              <a:buSzTx/>
+              <a:buFontTx/>
+              <a:buNone/>
+              <a:tabLst/>
+            </a:pPr>
+            <a:r>
+              <a:rPr kumimoji="0" lang="pt-PT" altLang="pt-PT" sz="1200" b="1" i="0" u="sng" strike="noStrike" cap="none" normalizeH="0" baseline="0" dirty="0">
+                <a:ln>
+                  <a:noFill/>
+                </a:ln>
+                <a:solidFill>
+                  <a:schemeClr val="bg1">
+                    <a:lumMod val="50000"/>
+                  </a:schemeClr>
+                </a:solidFill>
+                <a:effectLst/>
+                <a:latin typeface="Times" pitchFamily="2" charset="0"/>
+              </a:rPr>
+              <a:t>Grupo 29</a:t>
+            </a:r>
+          </a:p>
+          <a:p>
+            <a:pPr marL="0" marR="0" lvl="0" indent="0" algn="l" defTabSz="914400" rtl="0" eaLnBrk="0" fontAlgn="base" latinLnBrk="0" hangingPunct="0">
+              <a:lnSpc>
+                <a:spcPct val="100000"/>
+              </a:lnSpc>
+              <a:spcBef>
+                <a:spcPct val="0"/>
+              </a:spcBef>
+              <a:spcAft>
+                <a:spcPts val="800"/>
+              </a:spcAft>
+              <a:buClrTx/>
+              <a:buSzTx/>
+              <a:buFontTx/>
+              <a:buNone/>
+              <a:tabLst/>
+            </a:pPr>
+            <a:r>
+              <a:rPr kumimoji="0" lang="pt-PT" altLang="pt-PT" sz="1200" b="1" i="0" u="none" strike="noStrike" cap="none" normalizeH="0" baseline="0" dirty="0">
+                <a:ln>
+                  <a:noFill/>
+                </a:ln>
+                <a:solidFill>
+                  <a:schemeClr val="bg1">
+                    <a:lumMod val="50000"/>
+                  </a:schemeClr>
+                </a:solidFill>
+                <a:effectLst/>
+                <a:latin typeface="Times" pitchFamily="2" charset="0"/>
+              </a:rPr>
+              <a:t>Diogo Braga - A82547</a:t>
+            </a:r>
+          </a:p>
+          <a:p>
+            <a:pPr marL="0" marR="0" lvl="0" indent="0" algn="l" defTabSz="914400" rtl="0" eaLnBrk="0" fontAlgn="base" latinLnBrk="0" hangingPunct="0">
+              <a:lnSpc>
+                <a:spcPct val="100000"/>
+              </a:lnSpc>
+              <a:spcBef>
+                <a:spcPct val="0"/>
+              </a:spcBef>
+              <a:spcAft>
+                <a:spcPts val="800"/>
+              </a:spcAft>
+              <a:buClrTx/>
+              <a:buSzTx/>
+              <a:buFontTx/>
+              <a:buNone/>
+              <a:tabLst/>
+            </a:pPr>
+            <a:r>
+              <a:rPr kumimoji="0" lang="pt-PT" altLang="pt-PT" sz="1200" b="1" i="0" u="none" strike="noStrike" cap="none" normalizeH="0" baseline="0" dirty="0">
+                <a:ln>
+                  <a:noFill/>
+                </a:ln>
+                <a:solidFill>
+                  <a:schemeClr val="bg1">
+                    <a:lumMod val="50000"/>
+                  </a:schemeClr>
+                </a:solidFill>
+                <a:effectLst/>
+                <a:latin typeface="Times" pitchFamily="2" charset="0"/>
+              </a:rPr>
+              <a:t>João Silva - A82005</a:t>
+            </a:r>
+          </a:p>
+          <a:p>
+            <a:pPr marL="0" marR="0" lvl="0" indent="0" algn="l" defTabSz="914400" rtl="0" eaLnBrk="0" fontAlgn="base" latinLnBrk="0" hangingPunct="0">
+              <a:lnSpc>
+                <a:spcPct val="100000"/>
+              </a:lnSpc>
+              <a:spcBef>
+                <a:spcPct val="0"/>
+              </a:spcBef>
+              <a:spcAft>
+                <a:spcPts val="800"/>
+              </a:spcAft>
+              <a:buClrTx/>
+              <a:buSzTx/>
+              <a:buFontTx/>
+              <a:buNone/>
+              <a:tabLst/>
+            </a:pPr>
+            <a:r>
+              <a:rPr kumimoji="0" lang="pt-PT" altLang="pt-PT" sz="1200" b="1" i="0" u="none" strike="noStrike" cap="none" normalizeH="0" baseline="0" dirty="0">
+                <a:ln>
+                  <a:noFill/>
+                </a:ln>
+                <a:solidFill>
+                  <a:schemeClr val="bg1">
+                    <a:lumMod val="50000"/>
+                  </a:schemeClr>
+                </a:solidFill>
+                <a:effectLst/>
+                <a:latin typeface="Times" pitchFamily="2" charset="0"/>
+              </a:rPr>
+              <a:t>Ricardo Caçador - A81064</a:t>
+            </a:r>
+          </a:p>
+          <a:p>
+            <a:pPr marL="0" marR="0" lvl="0" indent="0" algn="l" defTabSz="914400" rtl="0" eaLnBrk="0" fontAlgn="base" latinLnBrk="0" hangingPunct="0">
+              <a:lnSpc>
+                <a:spcPct val="100000"/>
+              </a:lnSpc>
+              <a:spcBef>
+                <a:spcPct val="0"/>
+              </a:spcBef>
+              <a:spcAft>
+                <a:spcPts val="800"/>
+              </a:spcAft>
+              <a:buClrTx/>
+              <a:buSzTx/>
+              <a:buFontTx/>
+              <a:buNone/>
+              <a:tabLst/>
+            </a:pPr>
+            <a:r>
+              <a:rPr kumimoji="0" lang="pt-PT" altLang="pt-PT" sz="1200" b="1" i="0" u="none" strike="noStrike" cap="none" normalizeH="0" baseline="0" dirty="0">
+                <a:ln>
+                  <a:noFill/>
+                </a:ln>
+                <a:solidFill>
+                  <a:schemeClr val="bg1">
+                    <a:lumMod val="50000"/>
+                  </a:schemeClr>
+                </a:solidFill>
+                <a:effectLst/>
+                <a:latin typeface="Times" pitchFamily="2" charset="0"/>
+              </a:rPr>
+              <a:t>Ricardo Ferreira - A82568</a:t>
+            </a:r>
+          </a:p>
+          <a:p>
+            <a:pPr marL="0" marR="0" lvl="0" indent="0" algn="l" defTabSz="914400" rtl="0" eaLnBrk="0" fontAlgn="base" latinLnBrk="0" hangingPunct="0">
+              <a:lnSpc>
+                <a:spcPct val="100000"/>
+              </a:lnSpc>
+              <a:spcBef>
+                <a:spcPct val="0"/>
+              </a:spcBef>
+              <a:spcAft>
+                <a:spcPts val="800"/>
+              </a:spcAft>
+              <a:buClrTx/>
+              <a:buSzTx/>
+              <a:buFontTx/>
+              <a:buNone/>
+              <a:tabLst/>
+            </a:pPr>
+            <a:r>
+              <a:rPr kumimoji="0" lang="pt-PT" altLang="pt-PT" sz="1200" b="1" i="0" u="none" strike="noStrike" cap="none" normalizeH="0" baseline="0" dirty="0">
+                <a:ln>
+                  <a:noFill/>
+                </a:ln>
+                <a:solidFill>
+                  <a:schemeClr val="bg1">
+                    <a:lumMod val="50000"/>
+                  </a:schemeClr>
+                </a:solidFill>
+                <a:effectLst/>
+                <a:latin typeface="Times" pitchFamily="2" charset="0"/>
+              </a:rPr>
+              <a:t>Ricardo Veloso - A81919</a:t>
+            </a:r>
+          </a:p>
+          <a:p>
+            <a:pPr marL="0" marR="0" lvl="0" indent="0" algn="l" defTabSz="914400" rtl="0" eaLnBrk="0" fontAlgn="base" latinLnBrk="0" hangingPunct="0">
+              <a:lnSpc>
+                <a:spcPct val="100000"/>
+              </a:lnSpc>
+              <a:spcBef>
+                <a:spcPct val="0"/>
+              </a:spcBef>
+              <a:spcAft>
+                <a:spcPts val="800"/>
+              </a:spcAft>
+              <a:buClrTx/>
+              <a:buSzTx/>
+              <a:buFontTx/>
+              <a:buNone/>
+              <a:tabLst/>
+            </a:pPr>
+            <a:endParaRPr kumimoji="0" lang="pt-PT" altLang="pt-PT" sz="1200" b="0" i="0" u="none" strike="noStrike" cap="none" normalizeH="0" baseline="0" dirty="0">
+              <a:ln>
+                <a:noFill/>
+              </a:ln>
+              <a:solidFill>
+                <a:schemeClr val="bg1">
+                  <a:lumMod val="50000"/>
+                </a:schemeClr>
+              </a:solidFill>
+              <a:effectLst/>
+            </a:endParaRPr>
+          </a:p>
+          <a:p>
+            <a:pPr marL="0" marR="0" lvl="0" indent="0" algn="l" defTabSz="914400" rtl="0" eaLnBrk="0" fontAlgn="base" latinLnBrk="0" hangingPunct="0">
+              <a:lnSpc>
+                <a:spcPct val="100000"/>
+              </a:lnSpc>
+              <a:spcBef>
+                <a:spcPct val="0"/>
+              </a:spcBef>
+              <a:spcAft>
+                <a:spcPts val="800"/>
+              </a:spcAft>
+              <a:buClrTx/>
+              <a:buSzTx/>
+              <a:buFontTx/>
+              <a:buNone/>
+              <a:tabLst/>
+            </a:pPr>
+            <a:r>
+              <a:rPr lang="pt-PT" altLang="pt-PT" sz="1200" dirty="0">
+                <a:solidFill>
+                  <a:schemeClr val="bg1">
+                    <a:lumMod val="50000"/>
+                  </a:schemeClr>
+                </a:solidFill>
+              </a:rPr>
+              <a:t>Abril,</a:t>
+            </a:r>
+            <a:r>
+              <a:rPr kumimoji="0" lang="pt-PT" altLang="pt-PT" sz="1200" b="0" i="0" u="none" strike="noStrike" cap="none" normalizeH="0" baseline="0" dirty="0">
+                <a:ln>
+                  <a:noFill/>
+                </a:ln>
+                <a:solidFill>
+                  <a:schemeClr val="bg1">
+                    <a:lumMod val="50000"/>
+                  </a:schemeClr>
+                </a:solidFill>
+                <a:effectLst/>
+              </a:rPr>
+              <a:t>2019</a:t>
+            </a:r>
+          </a:p>
+          <a:p>
+            <a:pPr marL="0" marR="0" lvl="0" indent="0" algn="l" defTabSz="914400" rtl="0" eaLnBrk="0" fontAlgn="base" latinLnBrk="0" hangingPunct="0">
+              <a:lnSpc>
+                <a:spcPct val="100000"/>
+              </a:lnSpc>
+              <a:spcBef>
+                <a:spcPct val="0"/>
+              </a:spcBef>
+              <a:spcAft>
+                <a:spcPct val="0"/>
+              </a:spcAft>
+              <a:buClrTx/>
+              <a:buSzTx/>
+              <a:buFontTx/>
+              <a:buNone/>
+              <a:tabLst/>
+            </a:pPr>
+            <a:endParaRPr kumimoji="0" lang="pt-PT" altLang="pt-PT" sz="1800" b="0" i="0" u="none" strike="noStrike" cap="none" normalizeH="0" baseline="0" dirty="0">
+              <a:ln>
+                <a:noFill/>
+              </a:ln>
+              <a:solidFill>
+                <a:schemeClr val="tx1"/>
+              </a:solidFill>
+              <a:effectLst/>
+              <a:latin typeface="Arial" panose="020B0604020202020204" pitchFamily="34" charset="0"/>
+            </a:endParaRPr>
+          </a:p>
+        </p:txBody>
+      </p:sp>
+      <p:pic>
+        <p:nvPicPr>
+          <p:cNvPr id="5" name="Imagem 4" descr="corReitoria">
+            <a:extLst>
+              <a:ext uri="{FF2B5EF4-FFF2-40B4-BE49-F238E27FC236}">
+                <a16:creationId xmlns:a16="http://schemas.microsoft.com/office/drawing/2014/main" id="{CC35044D-C3F8-4642-B864-59FF9E441F6E}"/>
+              </a:ext>
+            </a:extLst>
+          </p:cNvPr>
+          <p:cNvPicPr/>
+          <p:nvPr/>
+        </p:nvPicPr>
+        <p:blipFill>
+          <a:blip r:embed="rId2">
+            <a:extLst>
+              <a:ext uri="{28A0092B-C50C-407E-A947-70E740481C1C}">
+                <a14:useLocalDpi xmlns:a14="http://schemas.microsoft.com/office/drawing/2010/main" val="0"/>
+              </a:ext>
+            </a:extLst>
+          </a:blip>
+          <a:srcRect/>
+          <a:stretch>
+            <a:fillRect/>
+          </a:stretch>
+        </p:blipFill>
+        <p:spPr bwMode="auto">
+          <a:xfrm>
+            <a:off x="1144905" y="230451"/>
+            <a:ext cx="1253490" cy="628650"/>
+          </a:xfrm>
+          <a:prstGeom prst="rect">
+            <a:avLst/>
+          </a:prstGeom>
+          <a:noFill/>
+          <a:ln>
+            <a:noFill/>
+          </a:ln>
+        </p:spPr>
+      </p:pic>
+      <p:sp>
+        <p:nvSpPr>
+          <p:cNvPr id="6" name="Retângulo 5">
+            <a:extLst>
+              <a:ext uri="{FF2B5EF4-FFF2-40B4-BE49-F238E27FC236}">
+                <a16:creationId xmlns:a16="http://schemas.microsoft.com/office/drawing/2014/main" id="{04D547FD-E1CB-44B1-89A7-01D9AF3EAA3A}"/>
+              </a:ext>
+            </a:extLst>
+          </p:cNvPr>
+          <p:cNvSpPr/>
+          <p:nvPr/>
+        </p:nvSpPr>
+        <p:spPr>
+          <a:xfrm>
+            <a:off x="617162" y="897223"/>
+            <a:ext cx="3737813" cy="784830"/>
+          </a:xfrm>
+          <a:prstGeom prst="rect">
+            <a:avLst/>
+          </a:prstGeom>
+        </p:spPr>
+        <p:txBody>
+          <a:bodyPr wrap="square">
+            <a:spAutoFit/>
+          </a:bodyPr>
+          <a:lstStyle/>
+          <a:p>
+            <a:pPr indent="457200">
+              <a:lnSpc>
+                <a:spcPct val="150000"/>
+              </a:lnSpc>
+            </a:pPr>
+            <a:r>
+              <a:rPr lang="pt-PT" sz="1200" b="1" dirty="0">
+                <a:solidFill>
+                  <a:srgbClr val="808080"/>
+                </a:solidFill>
+                <a:ea typeface="Times New Roman" panose="02020603050405020304" pitchFamily="18" charset="0"/>
+                <a:cs typeface="Arial" panose="020B0604020202020204" pitchFamily="34" charset="0"/>
+              </a:rPr>
+              <a:t>Universidade do Minho</a:t>
+            </a:r>
+            <a:endParaRPr lang="pt-PT" sz="1200" dirty="0">
+              <a:ea typeface="Times New Roman" panose="02020603050405020304" pitchFamily="18" charset="0"/>
+              <a:cs typeface="Times New Roman" panose="02020603050405020304" pitchFamily="18" charset="0"/>
+            </a:endParaRPr>
+          </a:p>
+          <a:p>
+            <a:pPr indent="457200">
+              <a:lnSpc>
+                <a:spcPct val="150000"/>
+              </a:lnSpc>
+            </a:pPr>
+            <a:r>
+              <a:rPr lang="pt-PT" sz="1100" dirty="0">
+                <a:solidFill>
+                  <a:srgbClr val="808080"/>
+                </a:solidFill>
+                <a:ea typeface="Times New Roman" panose="02020603050405020304" pitchFamily="18" charset="0"/>
+                <a:cs typeface="Arial" panose="020B0604020202020204" pitchFamily="34" charset="0"/>
+              </a:rPr>
+              <a:t>Escola de Engenharia</a:t>
+            </a:r>
+            <a:endParaRPr lang="pt-PT" sz="1200" dirty="0">
+              <a:ea typeface="Times New Roman" panose="02020603050405020304" pitchFamily="18" charset="0"/>
+              <a:cs typeface="Times New Roman" panose="02020603050405020304" pitchFamily="18" charset="0"/>
+            </a:endParaRPr>
+          </a:p>
+          <a:p>
+            <a:r>
+              <a:rPr lang="pt-PT" sz="1050" dirty="0">
+                <a:solidFill>
+                  <a:srgbClr val="A6A6A6"/>
+                </a:solidFill>
+                <a:ea typeface="Times New Roman" panose="02020603050405020304" pitchFamily="18" charset="0"/>
+                <a:cs typeface="Arial" panose="020B0604020202020204" pitchFamily="34" charset="0"/>
+              </a:rPr>
+              <a:t>	Mestrado Integrado em Engenharia Informática</a:t>
+            </a:r>
+            <a:endParaRPr lang="pt-PT" sz="1050" dirty="0"/>
+          </a:p>
+        </p:txBody>
+      </p:sp>
+      <p:sp>
+        <p:nvSpPr>
+          <p:cNvPr id="7" name="CaixaDeTexto 6">
+            <a:extLst>
+              <a:ext uri="{FF2B5EF4-FFF2-40B4-BE49-F238E27FC236}">
+                <a16:creationId xmlns:a16="http://schemas.microsoft.com/office/drawing/2014/main" id="{1284CAF4-04B0-D44C-81E0-9C1A4AA235FA}"/>
+              </a:ext>
+            </a:extLst>
+          </p:cNvPr>
+          <p:cNvSpPr txBox="1"/>
+          <p:nvPr/>
+        </p:nvSpPr>
+        <p:spPr>
+          <a:xfrm>
+            <a:off x="1144905" y="4183000"/>
+            <a:ext cx="3377752" cy="369332"/>
+          </a:xfrm>
+          <a:prstGeom prst="rect">
+            <a:avLst/>
+          </a:prstGeom>
+          <a:noFill/>
+        </p:spPr>
+        <p:txBody>
+          <a:bodyPr wrap="square" rtlCol="0">
+            <a:spAutoFit/>
+          </a:bodyPr>
+          <a:lstStyle/>
+          <a:p>
+            <a:r>
+              <a:rPr lang="pt-PT" dirty="0">
+                <a:solidFill>
+                  <a:schemeClr val="tx1">
+                    <a:lumMod val="50000"/>
+                    <a:lumOff val="50000"/>
+                  </a:schemeClr>
+                </a:solidFill>
+                <a:latin typeface="Times" pitchFamily="2" charset="0"/>
+              </a:rPr>
+              <a:t>Laboratórios de Informática IV</a:t>
+            </a:r>
+          </a:p>
+        </p:txBody>
+      </p:sp>
+    </p:spTree>
+    <p:extLst>
+      <p:ext uri="{BB962C8B-B14F-4D97-AF65-F5344CB8AC3E}">
+        <p14:creationId xmlns:p14="http://schemas.microsoft.com/office/powerpoint/2010/main" val="2585653361"/>
       </p:ext>
     </p:extLst>
   </p:cSld>

--- a/Especificacao/FeelItaly.pptx
+++ b/Especificacao/FeelItaly.pptx
@@ -24,15 +24,15 @@
     <p:sldId id="296" r:id="rId18"/>
     <p:sldId id="288" r:id="rId19"/>
     <p:sldId id="281" r:id="rId20"/>
-    <p:sldId id="290" r:id="rId21"/>
-    <p:sldId id="289" r:id="rId22"/>
-    <p:sldId id="300" r:id="rId23"/>
-    <p:sldId id="301" r:id="rId24"/>
-    <p:sldId id="302" r:id="rId25"/>
-    <p:sldId id="303" r:id="rId26"/>
-    <p:sldId id="297" r:id="rId27"/>
-    <p:sldId id="298" r:id="rId28"/>
-    <p:sldId id="299" r:id="rId29"/>
+    <p:sldId id="297" r:id="rId21"/>
+    <p:sldId id="298" r:id="rId22"/>
+    <p:sldId id="299" r:id="rId23"/>
+    <p:sldId id="290" r:id="rId24"/>
+    <p:sldId id="289" r:id="rId25"/>
+    <p:sldId id="300" r:id="rId26"/>
+    <p:sldId id="301" r:id="rId27"/>
+    <p:sldId id="302" r:id="rId28"/>
+    <p:sldId id="303" r:id="rId29"/>
     <p:sldId id="304" r:id="rId30"/>
     <p:sldId id="305" r:id="rId31"/>
     <p:sldId id="306" r:id="rId32"/>
@@ -317,7 +317,7 @@
             <a:fld id="{87DE6118-2437-4B30-8E3C-4D2BE6020583}" type="datetimeFigureOut">
               <a:rPr lang="en-US" smtClean="0"/>
               <a:pPr/>
-              <a:t>4/3/19</a:t>
+              <a:t>4/4/19</a:t>
             </a:fld>
             <a:endParaRPr lang="en-US" dirty="0"/>
           </a:p>
@@ -517,7 +517,7 @@
             <a:fld id="{87DE6118-2437-4B30-8E3C-4D2BE6020583}" type="datetimeFigureOut">
               <a:rPr lang="en-US" smtClean="0"/>
               <a:pPr/>
-              <a:t>4/3/19</a:t>
+              <a:t>4/4/19</a:t>
             </a:fld>
             <a:endParaRPr lang="en-US" dirty="0"/>
           </a:p>
@@ -727,7 +727,7 @@
             <a:fld id="{87DE6118-2437-4B30-8E3C-4D2BE6020583}" type="datetimeFigureOut">
               <a:rPr lang="en-US" smtClean="0"/>
               <a:pPr/>
-              <a:t>4/3/19</a:t>
+              <a:t>4/4/19</a:t>
             </a:fld>
             <a:endParaRPr lang="en-US" dirty="0"/>
           </a:p>
@@ -927,7 +927,7 @@
             <a:fld id="{87DE6118-2437-4B30-8E3C-4D2BE6020583}" type="datetimeFigureOut">
               <a:rPr lang="en-US" smtClean="0"/>
               <a:pPr/>
-              <a:t>4/3/19</a:t>
+              <a:t>4/4/19</a:t>
             </a:fld>
             <a:endParaRPr lang="en-US" dirty="0"/>
           </a:p>
@@ -1204,7 +1204,7 @@
             <a:fld id="{87DE6118-2437-4B30-8E3C-4D2BE6020583}" type="datetimeFigureOut">
               <a:rPr lang="en-US" smtClean="0"/>
               <a:pPr/>
-              <a:t>4/3/19</a:t>
+              <a:t>4/4/19</a:t>
             </a:fld>
             <a:endParaRPr lang="en-US" dirty="0"/>
           </a:p>
@@ -1471,7 +1471,7 @@
             <a:fld id="{87DE6118-2437-4B30-8E3C-4D2BE6020583}" type="datetimeFigureOut">
               <a:rPr lang="en-US" smtClean="0"/>
               <a:pPr/>
-              <a:t>4/3/19</a:t>
+              <a:t>4/4/19</a:t>
             </a:fld>
             <a:endParaRPr lang="en-US" dirty="0"/>
           </a:p>
@@ -1885,7 +1885,7 @@
             <a:fld id="{87DE6118-2437-4B30-8E3C-4D2BE6020583}" type="datetimeFigureOut">
               <a:rPr lang="en-US" smtClean="0"/>
               <a:pPr/>
-              <a:t>4/3/19</a:t>
+              <a:t>4/4/19</a:t>
             </a:fld>
             <a:endParaRPr lang="en-US" dirty="0"/>
           </a:p>
@@ -2028,7 +2028,7 @@
             <a:fld id="{87DE6118-2437-4B30-8E3C-4D2BE6020583}" type="datetimeFigureOut">
               <a:rPr lang="en-US" smtClean="0"/>
               <a:pPr/>
-              <a:t>4/3/19</a:t>
+              <a:t>4/4/19</a:t>
             </a:fld>
             <a:endParaRPr lang="en-US" dirty="0"/>
           </a:p>
@@ -2143,7 +2143,7 @@
             <a:fld id="{87DE6118-2437-4B30-8E3C-4D2BE6020583}" type="datetimeFigureOut">
               <a:rPr lang="en-US" smtClean="0"/>
               <a:pPr/>
-              <a:t>4/3/19</a:t>
+              <a:t>4/4/19</a:t>
             </a:fld>
             <a:endParaRPr lang="en-US" dirty="0"/>
           </a:p>
@@ -2456,7 +2456,7 @@
             <a:fld id="{87DE6118-2437-4B30-8E3C-4D2BE6020583}" type="datetimeFigureOut">
               <a:rPr lang="en-US" smtClean="0"/>
               <a:pPr/>
-              <a:t>4/3/19</a:t>
+              <a:t>4/4/19</a:t>
             </a:fld>
             <a:endParaRPr lang="en-US" dirty="0"/>
           </a:p>
@@ -2746,7 +2746,7 @@
             <a:fld id="{87DE6118-2437-4B30-8E3C-4D2BE6020583}" type="datetimeFigureOut">
               <a:rPr lang="en-US" smtClean="0"/>
               <a:pPr/>
-              <a:t>4/3/19</a:t>
+              <a:t>4/4/19</a:t>
             </a:fld>
             <a:endParaRPr lang="en-US" dirty="0"/>
           </a:p>
@@ -2999,7 +2999,7 @@
             <a:fld id="{87DE6118-2437-4B30-8E3C-4D2BE6020583}" type="datetimeFigureOut">
               <a:rPr lang="en-US" smtClean="0"/>
               <a:pPr/>
-              <a:t>4/3/19</a:t>
+              <a:t>4/4/19</a:t>
             </a:fld>
             <a:endParaRPr lang="en-US" dirty="0"/>
           </a:p>
@@ -7458,36 +7458,6 @@
           </a:p>
         </p:txBody>
       </p:sp>
-      <p:pic>
-        <p:nvPicPr>
-          <p:cNvPr id="5" name="Imagem 4" descr="Uma imagem com captura de ecrã&#10;&#10;Descrição gerada automaticamente">
-            <a:extLst>
-              <a:ext uri="{FF2B5EF4-FFF2-40B4-BE49-F238E27FC236}">
-                <a16:creationId xmlns:a16="http://schemas.microsoft.com/office/drawing/2014/main" id="{7B11A2EB-3B60-D249-8D5F-A954A7666857}"/>
-              </a:ext>
-            </a:extLst>
-          </p:cNvPr>
-          <p:cNvPicPr>
-            <a:picLocks noChangeAspect="1"/>
-          </p:cNvPicPr>
-          <p:nvPr/>
-        </p:nvPicPr>
-        <p:blipFill>
-          <a:blip r:embed="rId2"/>
-          <a:stretch>
-            <a:fillRect/>
-          </a:stretch>
-        </p:blipFill>
-        <p:spPr>
-          <a:xfrm>
-            <a:off x="2264882" y="0"/>
-            <a:ext cx="9846434" cy="5257799"/>
-          </a:xfrm>
-          <a:prstGeom prst="rect">
-            <a:avLst/>
-          </a:prstGeom>
-        </p:spPr>
-      </p:pic>
       <p:sp>
         <p:nvSpPr>
           <p:cNvPr id="2" name="Título 1">
@@ -7506,8 +7476,8 @@
         </p:nvSpPr>
         <p:spPr>
           <a:xfrm>
-            <a:off x="1006778" y="2471126"/>
-            <a:ext cx="2013556" cy="1915747"/>
+            <a:off x="571977" y="2073599"/>
+            <a:ext cx="2883159" cy="2710800"/>
           </a:xfrm>
           <a:prstGeom prst="ellipse">
             <a:avLst/>
@@ -7523,83 +7493,20 @@
         </p:spPr>
         <p:txBody>
           <a:bodyPr vert="horz" lIns="91440" tIns="45720" rIns="91440" bIns="45720" rtlCol="0" anchor="ctr">
-            <a:normAutofit fontScale="90000"/>
+            <a:normAutofit/>
           </a:bodyPr>
           <a:lstStyle/>
           <a:p>
             <a:pPr algn="ctr"/>
-            <a:br>
-              <a:rPr lang="en-US" sz="2000" b="1" kern="1200" dirty="0">
-                <a:solidFill>
-                  <a:srgbClr val="FFFFFF"/>
-                </a:solidFill>
-                <a:latin typeface="Times" pitchFamily="2" charset="0"/>
-              </a:rPr>
-            </a:br>
-            <a:r>
-              <a:rPr lang="en-US" sz="2000" b="1" kern="1200" dirty="0" err="1">
-                <a:solidFill>
-                  <a:srgbClr val="FFFFFF"/>
-                </a:solidFill>
-                <a:latin typeface="Times" pitchFamily="2" charset="0"/>
-              </a:rPr>
-              <a:t>Modelos</a:t>
-            </a:r>
-            <a:r>
-              <a:rPr lang="en-US" sz="2000" b="1" kern="1200" dirty="0">
-                <a:solidFill>
-                  <a:srgbClr val="FFFFFF"/>
-                </a:solidFill>
-                <a:latin typeface="Times" pitchFamily="2" charset="0"/>
-              </a:rPr>
-              <a:t> </a:t>
-            </a:r>
-            <a:r>
-              <a:rPr lang="en-US" sz="2000" b="1" kern="1200" dirty="0" err="1">
-                <a:solidFill>
-                  <a:srgbClr val="FFFFFF"/>
-                </a:solidFill>
-                <a:latin typeface="Times" pitchFamily="2" charset="0"/>
-              </a:rPr>
-              <a:t>Estruturais</a:t>
-            </a:r>
-            <a:r>
-              <a:rPr lang="en-US" sz="2000" b="1" kern="1200" dirty="0">
-                <a:solidFill>
-                  <a:srgbClr val="FFFFFF"/>
-                </a:solidFill>
-                <a:latin typeface="Times" pitchFamily="2" charset="0"/>
-              </a:rPr>
-              <a:t> -</a:t>
-            </a:r>
-            <a:r>
-              <a:rPr lang="en-US" sz="2000" b="1" kern="1200" dirty="0" err="1">
-                <a:solidFill>
-                  <a:srgbClr val="FFFFFF"/>
-                </a:solidFill>
-                <a:latin typeface="Times" pitchFamily="2" charset="0"/>
-              </a:rPr>
-              <a:t>Diagrama</a:t>
-            </a:r>
-            <a:r>
-              <a:rPr lang="en-US" sz="2000" b="1" kern="1200" dirty="0">
-                <a:solidFill>
-                  <a:srgbClr val="FFFFFF"/>
-                </a:solidFill>
-                <a:latin typeface="Times" pitchFamily="2" charset="0"/>
-              </a:rPr>
-              <a:t> de Classes ORM</a:t>
-            </a:r>
-            <a:br>
-              <a:rPr lang="en-US" sz="1800" kern="1200" dirty="0">
-                <a:solidFill>
-                  <a:srgbClr val="FFFFFF"/>
-                </a:solidFill>
-                <a:latin typeface="+mj-lt"/>
-                <a:ea typeface="+mj-ea"/>
-                <a:cs typeface="+mj-cs"/>
-              </a:rPr>
-            </a:br>
+            <a:r>
+              <a:rPr lang="pt-PT" sz="2000" b="1" dirty="0">
+                <a:solidFill>
+                  <a:schemeClr val="bg1"/>
+                </a:solidFill>
+                <a:latin typeface="Times" pitchFamily="2" charset="0"/>
+              </a:rPr>
+              <a:t>Base de Dados</a:t>
+            </a:r>
             <a:endParaRPr lang="en-US" sz="1800" kern="1200" dirty="0">
               <a:solidFill>
                 <a:srgbClr val="FFFFFF"/>
@@ -7611,10 +7518,72 @@
           </a:p>
         </p:txBody>
       </p:sp>
+      <p:sp>
+        <p:nvSpPr>
+          <p:cNvPr id="6" name="CaixaDeTexto 5">
+            <a:extLst>
+              <a:ext uri="{FF2B5EF4-FFF2-40B4-BE49-F238E27FC236}">
+                <a16:creationId xmlns:a16="http://schemas.microsoft.com/office/drawing/2014/main" id="{9DF6027C-662C-9B47-9D46-9EFE09111DB3}"/>
+              </a:ext>
+            </a:extLst>
+          </p:cNvPr>
+          <p:cNvSpPr txBox="1"/>
+          <p:nvPr/>
+        </p:nvSpPr>
+        <p:spPr>
+          <a:xfrm>
+            <a:off x="4027114" y="2828835"/>
+            <a:ext cx="5324704" cy="1200329"/>
+          </a:xfrm>
+          <a:prstGeom prst="rect">
+            <a:avLst/>
+          </a:prstGeom>
+          <a:noFill/>
+        </p:spPr>
+        <p:txBody>
+          <a:bodyPr wrap="square" rtlCol="0">
+            <a:spAutoFit/>
+          </a:bodyPr>
+          <a:lstStyle/>
+          <a:p>
+            <a:pPr marL="285750" indent="-285750">
+              <a:buFont typeface="Arial" panose="020B0604020202020204" pitchFamily="34" charset="0"/>
+              <a:buChar char="•"/>
+            </a:pPr>
+            <a:r>
+              <a:rPr lang="pt-PT" sz="2400" dirty="0">
+                <a:latin typeface="Times" pitchFamily="2" charset="0"/>
+              </a:rPr>
+              <a:t>Modelo Conceptual</a:t>
+            </a:r>
+          </a:p>
+          <a:p>
+            <a:pPr marL="285750" indent="-285750">
+              <a:buFont typeface="Arial" panose="020B0604020202020204" pitchFamily="34" charset="0"/>
+              <a:buChar char="•"/>
+            </a:pPr>
+            <a:endParaRPr lang="pt-PT" sz="2400" dirty="0">
+              <a:latin typeface="Times" pitchFamily="2" charset="0"/>
+            </a:endParaRPr>
+          </a:p>
+          <a:p>
+            <a:pPr marL="285750" indent="-285750">
+              <a:buFont typeface="Arial" panose="020B0604020202020204" pitchFamily="34" charset="0"/>
+              <a:buChar char="•"/>
+            </a:pPr>
+            <a:r>
+              <a:rPr lang="pt-PT" sz="2400" dirty="0">
+                <a:latin typeface="Times" pitchFamily="2" charset="0"/>
+              </a:rPr>
+              <a:t>Modelo Lógico</a:t>
+            </a:r>
+          </a:p>
+        </p:txBody>
+      </p:sp>
     </p:spTree>
     <p:extLst>
       <p:ext uri="{BB962C8B-B14F-4D97-AF65-F5344CB8AC3E}">
-        <p14:creationId xmlns:p14="http://schemas.microsoft.com/office/powerpoint/2010/main" val="4089431201"/>
+        <p14:creationId xmlns:p14="http://schemas.microsoft.com/office/powerpoint/2010/main" val="424815990"/>
       </p:ext>
     </p:extLst>
   </p:cSld>
@@ -7793,8 +7762,8 @@
         </p:nvSpPr>
         <p:spPr>
           <a:xfrm>
-            <a:off x="480537" y="2073599"/>
-            <a:ext cx="3066039" cy="2710800"/>
+            <a:off x="577692" y="2073598"/>
+            <a:ext cx="2871729" cy="2710800"/>
           </a:xfrm>
           <a:prstGeom prst="ellipse">
             <a:avLst/>
@@ -7815,33 +7784,17 @@
           <a:lstStyle/>
           <a:p>
             <a:pPr algn="ctr"/>
-            <a:br>
-              <a:rPr lang="pt-PT" sz="2000" b="1" dirty="0">
+            <a:r>
+              <a:rPr lang="pt-PT" sz="2000" b="1" kern="1200" dirty="0">
                 <a:solidFill>
                   <a:schemeClr val="bg1"/>
                 </a:solidFill>
                 <a:latin typeface="Times" pitchFamily="2" charset="0"/>
-              </a:rPr>
-            </a:br>
-            <a:r>
-              <a:rPr lang="pt-PT" sz="2000" b="1" dirty="0">
-                <a:solidFill>
-                  <a:schemeClr val="bg1"/>
-                </a:solidFill>
-                <a:latin typeface="Times" pitchFamily="2" charset="0"/>
-              </a:rPr>
-              <a:t>Modelos Comportamentais</a:t>
-            </a:r>
-            <a:br>
-              <a:rPr lang="en-US" sz="1800" kern="1200" dirty="0">
-                <a:solidFill>
-                  <a:srgbClr val="FFFFFF"/>
-                </a:solidFill>
-                <a:latin typeface="+mj-lt"/>
                 <a:ea typeface="+mj-ea"/>
                 <a:cs typeface="+mj-cs"/>
               </a:rPr>
-            </a:br>
+              <a:t>Modelo Conceptual</a:t>
+            </a:r>
             <a:endParaRPr lang="en-US" sz="1800" kern="1200" dirty="0">
               <a:solidFill>
                 <a:srgbClr val="FFFFFF"/>
@@ -7853,51 +7806,40 @@
           </a:p>
         </p:txBody>
       </p:sp>
-      <p:sp>
-        <p:nvSpPr>
-          <p:cNvPr id="6" name="CaixaDeTexto 5">
-            <a:extLst>
-              <a:ext uri="{FF2B5EF4-FFF2-40B4-BE49-F238E27FC236}">
-                <a16:creationId xmlns:a16="http://schemas.microsoft.com/office/drawing/2014/main" id="{9DF6027C-662C-9B47-9D46-9EFE09111DB3}"/>
-              </a:ext>
-            </a:extLst>
-          </p:cNvPr>
-          <p:cNvSpPr txBox="1"/>
+      <p:pic>
+        <p:nvPicPr>
+          <p:cNvPr id="4" name="Imagem 3" descr="Uma imagem com texto, mapa&#10;&#10;&#10;&#10;Descrição gerada automaticamente">
+            <a:extLst>
+              <a:ext uri="{FF2B5EF4-FFF2-40B4-BE49-F238E27FC236}">
+                <a16:creationId xmlns:a16="http://schemas.microsoft.com/office/drawing/2014/main" id="{B77615BB-5FED-6A48-8453-A68D972AAF7C}"/>
+              </a:ext>
+            </a:extLst>
+          </p:cNvPr>
+          <p:cNvPicPr>
+            <a:picLocks noChangeAspect="1"/>
+          </p:cNvPicPr>
           <p:nvPr/>
-        </p:nvSpPr>
-        <p:spPr>
-          <a:xfrm>
-            <a:off x="4027114" y="2828835"/>
-            <a:ext cx="5324704" cy="461665"/>
+        </p:nvPicPr>
+        <p:blipFill>
+          <a:blip r:embed="rId2"/>
+          <a:stretch>
+            <a:fillRect/>
+          </a:stretch>
+        </p:blipFill>
+        <p:spPr>
+          <a:xfrm>
+            <a:off x="3634740" y="244903"/>
+            <a:ext cx="8557260" cy="6368193"/>
           </a:xfrm>
           <a:prstGeom prst="rect">
             <a:avLst/>
           </a:prstGeom>
-          <a:noFill/>
-        </p:spPr>
-        <p:txBody>
-          <a:bodyPr wrap="square" rtlCol="0">
-            <a:spAutoFit/>
-          </a:bodyPr>
-          <a:lstStyle/>
-          <a:p>
-            <a:pPr marL="285750" indent="-285750">
-              <a:buFont typeface="Arial" panose="020B0604020202020204" pitchFamily="34" charset="0"/>
-              <a:buChar char="•"/>
-            </a:pPr>
-            <a:r>
-              <a:rPr lang="pt-PT" sz="2400" dirty="0">
-                <a:latin typeface="Times" pitchFamily="2" charset="0"/>
-              </a:rPr>
-              <a:t>Máquinas de Estado</a:t>
-            </a:r>
-          </a:p>
-        </p:txBody>
-      </p:sp>
+        </p:spPr>
+      </p:pic>
     </p:spTree>
     <p:extLst>
       <p:ext uri="{BB962C8B-B14F-4D97-AF65-F5344CB8AC3E}">
-        <p14:creationId xmlns:p14="http://schemas.microsoft.com/office/powerpoint/2010/main" val="1561061832"/>
+        <p14:creationId xmlns:p14="http://schemas.microsoft.com/office/powerpoint/2010/main" val="1310939122"/>
       </p:ext>
     </p:extLst>
   </p:cSld>
@@ -8060,10 +8002,10 @@
       </p:sp>
       <p:pic>
         <p:nvPicPr>
-          <p:cNvPr id="4" name="Imagem 3">
-            <a:extLst>
-              <a:ext uri="{FF2B5EF4-FFF2-40B4-BE49-F238E27FC236}">
-                <a16:creationId xmlns:a16="http://schemas.microsoft.com/office/drawing/2014/main" id="{B6C346A3-0DA4-E940-B23A-27051A2B8298}"/>
+          <p:cNvPr id="5" name="Imagem 4" descr="Uma imagem com captura de ecrã&#10;&#10;&#10;&#10;Descrição gerada automaticamente">
+            <a:extLst>
+              <a:ext uri="{FF2B5EF4-FFF2-40B4-BE49-F238E27FC236}">
+                <a16:creationId xmlns:a16="http://schemas.microsoft.com/office/drawing/2014/main" id="{B1C46BDA-CD63-9843-B147-7AE7E7E7CB2B}"/>
               </a:ext>
             </a:extLst>
           </p:cNvPr>
@@ -8080,8 +8022,8 @@
         </p:blipFill>
         <p:spPr>
           <a:xfrm>
-            <a:off x="2503759" y="98673"/>
-            <a:ext cx="9688241" cy="5330577"/>
+            <a:off x="2013557" y="679006"/>
+            <a:ext cx="10178444" cy="5102171"/>
           </a:xfrm>
           <a:prstGeom prst="rect">
             <a:avLst/>
@@ -8106,8 +8048,8 @@
         </p:nvSpPr>
         <p:spPr>
           <a:xfrm>
-            <a:off x="843039" y="2165040"/>
-            <a:ext cx="2341035" cy="2178360"/>
+            <a:off x="741073" y="2176469"/>
+            <a:ext cx="2265939" cy="2098351"/>
           </a:xfrm>
           <a:prstGeom prst="ellipse">
             <a:avLst/>
@@ -8128,33 +8070,17 @@
           <a:lstStyle/>
           <a:p>
             <a:pPr algn="ctr"/>
-            <a:br>
-              <a:rPr lang="pt-PT" sz="2000" b="1" dirty="0">
+            <a:r>
+              <a:rPr lang="pt-PT" sz="2000" b="1" kern="1200" dirty="0">
                 <a:solidFill>
                   <a:schemeClr val="bg1"/>
                 </a:solidFill>
                 <a:latin typeface="Times" pitchFamily="2" charset="0"/>
-              </a:rPr>
-            </a:br>
-            <a:r>
-              <a:rPr lang="pt-PT" sz="2000" b="1" dirty="0" err="1">
-                <a:solidFill>
-                  <a:schemeClr val="bg1"/>
-                </a:solidFill>
-                <a:latin typeface="Times" pitchFamily="2" charset="0"/>
-              </a:rPr>
-              <a:t>FeelItaly</a:t>
-            </a:r>
-            <a:br>
-              <a:rPr lang="en-US" sz="1800" kern="1200" dirty="0">
-                <a:solidFill>
-                  <a:srgbClr val="FFFFFF"/>
-                </a:solidFill>
-                <a:latin typeface="+mj-lt"/>
                 <a:ea typeface="+mj-ea"/>
                 <a:cs typeface="+mj-cs"/>
               </a:rPr>
-            </a:br>
+              <a:t>Modelo Lógico</a:t>
+            </a:r>
             <a:endParaRPr lang="en-US" sz="1800" kern="1200" dirty="0">
               <a:solidFill>
                 <a:srgbClr val="FFFFFF"/>
@@ -8169,7 +8095,7 @@
     </p:spTree>
     <p:extLst>
       <p:ext uri="{BB962C8B-B14F-4D97-AF65-F5344CB8AC3E}">
-        <p14:creationId xmlns:p14="http://schemas.microsoft.com/office/powerpoint/2010/main" val="2345115585"/>
+        <p14:creationId xmlns:p14="http://schemas.microsoft.com/office/powerpoint/2010/main" val="3419315472"/>
       </p:ext>
     </p:extLst>
   </p:cSld>
@@ -8332,10 +8258,10 @@
       </p:sp>
       <p:pic>
         <p:nvPicPr>
-          <p:cNvPr id="7" name="Imagem 6" descr="Uma imagem com captura de ecrã&#10;&#10;&#10;&#10;Descrição gerada automaticamente">
-            <a:extLst>
-              <a:ext uri="{FF2B5EF4-FFF2-40B4-BE49-F238E27FC236}">
-                <a16:creationId xmlns:a16="http://schemas.microsoft.com/office/drawing/2014/main" id="{E0C84341-09AA-9C40-9347-D2002B117C80}"/>
+          <p:cNvPr id="5" name="Imagem 4" descr="Uma imagem com captura de ecrã&#10;&#10;Descrição gerada automaticamente">
+            <a:extLst>
+              <a:ext uri="{FF2B5EF4-FFF2-40B4-BE49-F238E27FC236}">
+                <a16:creationId xmlns:a16="http://schemas.microsoft.com/office/drawing/2014/main" id="{7B11A2EB-3B60-D249-8D5F-A954A7666857}"/>
               </a:ext>
             </a:extLst>
           </p:cNvPr>
@@ -8352,8 +8278,8 @@
         </p:blipFill>
         <p:spPr>
           <a:xfrm>
-            <a:off x="3303270" y="1270094"/>
-            <a:ext cx="8888730" cy="3873932"/>
+            <a:off x="2264882" y="0"/>
+            <a:ext cx="9846434" cy="5257799"/>
           </a:xfrm>
           <a:prstGeom prst="rect">
             <a:avLst/>
@@ -8378,8 +8304,8 @@
         </p:nvSpPr>
         <p:spPr>
           <a:xfrm>
-            <a:off x="843039" y="2165040"/>
-            <a:ext cx="2341035" cy="2178360"/>
+            <a:off x="1006778" y="2471126"/>
+            <a:ext cx="2013556" cy="1915747"/>
           </a:xfrm>
           <a:prstGeom prst="ellipse">
             <a:avLst/>
@@ -8395,27 +8321,72 @@
         </p:spPr>
         <p:txBody>
           <a:bodyPr vert="horz" lIns="91440" tIns="45720" rIns="91440" bIns="45720" rtlCol="0" anchor="ctr">
-            <a:normAutofit/>
+            <a:normAutofit fontScale="90000"/>
           </a:bodyPr>
           <a:lstStyle/>
           <a:p>
             <a:pPr algn="ctr"/>
             <a:br>
-              <a:rPr lang="pt-PT" sz="2000" b="1" dirty="0">
-                <a:solidFill>
-                  <a:schemeClr val="bg1"/>
+              <a:rPr lang="en-US" sz="2000" b="1" kern="1200" dirty="0">
+                <a:solidFill>
+                  <a:srgbClr val="FFFFFF"/>
                 </a:solidFill>
                 <a:latin typeface="Times" pitchFamily="2" charset="0"/>
               </a:rPr>
             </a:br>
             <a:r>
-              <a:rPr lang="pt-PT" sz="2000" b="1" dirty="0">
-                <a:solidFill>
-                  <a:schemeClr val="bg1"/>
-                </a:solidFill>
-                <a:latin typeface="Times" pitchFamily="2" charset="0"/>
-              </a:rPr>
-              <a:t>Registo</a:t>
+              <a:rPr lang="en-US" sz="2000" b="1" kern="1200" dirty="0" err="1">
+                <a:solidFill>
+                  <a:srgbClr val="FFFFFF"/>
+                </a:solidFill>
+                <a:latin typeface="Times" pitchFamily="2" charset="0"/>
+              </a:rPr>
+              <a:t>Modelos</a:t>
+            </a:r>
+            <a:r>
+              <a:rPr lang="en-US" sz="2000" b="1" kern="1200" dirty="0">
+                <a:solidFill>
+                  <a:srgbClr val="FFFFFF"/>
+                </a:solidFill>
+                <a:latin typeface="Times" pitchFamily="2" charset="0"/>
+              </a:rPr>
+              <a:t> </a:t>
+            </a:r>
+            <a:r>
+              <a:rPr lang="en-US" sz="2000" b="1" kern="1200" dirty="0" err="1">
+                <a:solidFill>
+                  <a:srgbClr val="FFFFFF"/>
+                </a:solidFill>
+                <a:latin typeface="Times" pitchFamily="2" charset="0"/>
+              </a:rPr>
+              <a:t>Estruturais</a:t>
+            </a:r>
+            <a:r>
+              <a:rPr lang="en-US" sz="2000" b="1" kern="1200" dirty="0">
+                <a:solidFill>
+                  <a:srgbClr val="FFFFFF"/>
+                </a:solidFill>
+                <a:latin typeface="Times" pitchFamily="2" charset="0"/>
+              </a:rPr>
+              <a:t> -</a:t>
+            </a:r>
+            <a:r>
+              <a:rPr lang="en-US" sz="2000" b="1" kern="1200" dirty="0" err="1">
+                <a:solidFill>
+                  <a:srgbClr val="FFFFFF"/>
+                </a:solidFill>
+                <a:latin typeface="Times" pitchFamily="2" charset="0"/>
+              </a:rPr>
+              <a:t>Diagrama</a:t>
+            </a:r>
+            <a:r>
+              <a:rPr lang="en-US" sz="2000" b="1" kern="1200" dirty="0">
+                <a:solidFill>
+                  <a:srgbClr val="FFFFFF"/>
+                </a:solidFill>
+                <a:latin typeface="Times" pitchFamily="2" charset="0"/>
+              </a:rPr>
+              <a:t> de Classes ORM</a:t>
             </a:r>
             <a:br>
               <a:rPr lang="en-US" sz="1800" kern="1200" dirty="0">
@@ -8441,7 +8412,7 @@
     </p:spTree>
     <p:extLst>
       <p:ext uri="{BB962C8B-B14F-4D97-AF65-F5344CB8AC3E}">
-        <p14:creationId xmlns:p14="http://schemas.microsoft.com/office/powerpoint/2010/main" val="2082782568"/>
+        <p14:creationId xmlns:p14="http://schemas.microsoft.com/office/powerpoint/2010/main" val="4089431201"/>
       </p:ext>
     </p:extLst>
   </p:cSld>
@@ -8620,8 +8591,8 @@
         </p:nvSpPr>
         <p:spPr>
           <a:xfrm>
-            <a:off x="843039" y="2165040"/>
-            <a:ext cx="2341035" cy="2178360"/>
+            <a:off x="480537" y="2073599"/>
+            <a:ext cx="3066039" cy="2710800"/>
           </a:xfrm>
           <a:prstGeom prst="ellipse">
             <a:avLst/>
@@ -8657,7 +8628,7 @@
                 </a:solidFill>
                 <a:latin typeface="Times" pitchFamily="2" charset="0"/>
               </a:rPr>
-              <a:t>Preparar Receita</a:t>
+              <a:t>Modelos Comportamentais</a:t>
             </a:r>
             <a:br>
               <a:rPr lang="en-US" sz="1800" kern="1200" dirty="0">
@@ -8680,40 +8651,51 @@
           </a:p>
         </p:txBody>
       </p:sp>
-      <p:pic>
-        <p:nvPicPr>
-          <p:cNvPr id="5" name="Imagem 4" descr="Uma imagem com captura de ecrã&#10;&#10;&#10;&#10;Descrição gerada automaticamente">
-            <a:extLst>
-              <a:ext uri="{FF2B5EF4-FFF2-40B4-BE49-F238E27FC236}">
-                <a16:creationId xmlns:a16="http://schemas.microsoft.com/office/drawing/2014/main" id="{3C417023-F74D-0049-AA7D-EA56797222DC}"/>
-              </a:ext>
-            </a:extLst>
-          </p:cNvPr>
-          <p:cNvPicPr>
-            <a:picLocks noChangeAspect="1"/>
-          </p:cNvPicPr>
+      <p:sp>
+        <p:nvSpPr>
+          <p:cNvPr id="6" name="CaixaDeTexto 5">
+            <a:extLst>
+              <a:ext uri="{FF2B5EF4-FFF2-40B4-BE49-F238E27FC236}">
+                <a16:creationId xmlns:a16="http://schemas.microsoft.com/office/drawing/2014/main" id="{9DF6027C-662C-9B47-9D46-9EFE09111DB3}"/>
+              </a:ext>
+            </a:extLst>
+          </p:cNvPr>
+          <p:cNvSpPr txBox="1"/>
           <p:nvPr/>
-        </p:nvPicPr>
-        <p:blipFill>
-          <a:blip r:embed="rId2"/>
-          <a:stretch>
-            <a:fillRect/>
-          </a:stretch>
-        </p:blipFill>
-        <p:spPr>
-          <a:xfrm>
-            <a:off x="3371512" y="930218"/>
-            <a:ext cx="8820488" cy="4997564"/>
+        </p:nvSpPr>
+        <p:spPr>
+          <a:xfrm>
+            <a:off x="4027114" y="2828835"/>
+            <a:ext cx="5324704" cy="461665"/>
           </a:xfrm>
           <a:prstGeom prst="rect">
             <a:avLst/>
           </a:prstGeom>
-        </p:spPr>
-      </p:pic>
+          <a:noFill/>
+        </p:spPr>
+        <p:txBody>
+          <a:bodyPr wrap="square" rtlCol="0">
+            <a:spAutoFit/>
+          </a:bodyPr>
+          <a:lstStyle/>
+          <a:p>
+            <a:pPr marL="285750" indent="-285750">
+              <a:buFont typeface="Arial" panose="020B0604020202020204" pitchFamily="34" charset="0"/>
+              <a:buChar char="•"/>
+            </a:pPr>
+            <a:r>
+              <a:rPr lang="pt-PT" sz="2400" dirty="0">
+                <a:latin typeface="Times" pitchFamily="2" charset="0"/>
+              </a:rPr>
+              <a:t>Máquinas de Estado</a:t>
+            </a:r>
+          </a:p>
+        </p:txBody>
+      </p:sp>
     </p:spTree>
     <p:extLst>
       <p:ext uri="{BB962C8B-B14F-4D97-AF65-F5344CB8AC3E}">
-        <p14:creationId xmlns:p14="http://schemas.microsoft.com/office/powerpoint/2010/main" val="780878298"/>
+        <p14:creationId xmlns:p14="http://schemas.microsoft.com/office/powerpoint/2010/main" val="1561061832"/>
       </p:ext>
     </p:extLst>
   </p:cSld>
@@ -8874,6 +8856,36 @@
           </a:p>
         </p:txBody>
       </p:sp>
+      <p:pic>
+        <p:nvPicPr>
+          <p:cNvPr id="4" name="Imagem 3">
+            <a:extLst>
+              <a:ext uri="{FF2B5EF4-FFF2-40B4-BE49-F238E27FC236}">
+                <a16:creationId xmlns:a16="http://schemas.microsoft.com/office/drawing/2014/main" id="{B6C346A3-0DA4-E940-B23A-27051A2B8298}"/>
+              </a:ext>
+            </a:extLst>
+          </p:cNvPr>
+          <p:cNvPicPr>
+            <a:picLocks noChangeAspect="1"/>
+          </p:cNvPicPr>
+          <p:nvPr/>
+        </p:nvPicPr>
+        <p:blipFill>
+          <a:blip r:embed="rId2"/>
+          <a:stretch>
+            <a:fillRect/>
+          </a:stretch>
+        </p:blipFill>
+        <p:spPr>
+          <a:xfrm>
+            <a:off x="2503759" y="98673"/>
+            <a:ext cx="9688241" cy="5330577"/>
+          </a:xfrm>
+          <a:prstGeom prst="rect">
+            <a:avLst/>
+          </a:prstGeom>
+        </p:spPr>
+      </p:pic>
       <p:sp>
         <p:nvSpPr>
           <p:cNvPr id="2" name="Título 1">
@@ -8923,13 +8935,13 @@
               </a:rPr>
             </a:br>
             <a:r>
-              <a:rPr lang="pt-PT" sz="2000" b="1" dirty="0">
+              <a:rPr lang="pt-PT" sz="2000" b="1" dirty="0" err="1">
                 <a:solidFill>
                   <a:schemeClr val="bg1"/>
                 </a:solidFill>
                 <a:latin typeface="Times" pitchFamily="2" charset="0"/>
               </a:rPr>
-              <a:t>Adicionar Receita</a:t>
+              <a:t>FeelItaly</a:t>
             </a:r>
             <a:br>
               <a:rPr lang="en-US" sz="1800" kern="1200" dirty="0">
@@ -8952,40 +8964,10 @@
           </a:p>
         </p:txBody>
       </p:sp>
-      <p:pic>
-        <p:nvPicPr>
-          <p:cNvPr id="5" name="Imagem 4">
-            <a:extLst>
-              <a:ext uri="{FF2B5EF4-FFF2-40B4-BE49-F238E27FC236}">
-                <a16:creationId xmlns:a16="http://schemas.microsoft.com/office/drawing/2014/main" id="{D940E898-DD5C-4C46-89C4-D77A09C5D9B3}"/>
-              </a:ext>
-            </a:extLst>
-          </p:cNvPr>
-          <p:cNvPicPr>
-            <a:picLocks noChangeAspect="1"/>
-          </p:cNvPicPr>
-          <p:nvPr/>
-        </p:nvPicPr>
-        <p:blipFill>
-          <a:blip r:embed="rId2"/>
-          <a:stretch>
-            <a:fillRect/>
-          </a:stretch>
-        </p:blipFill>
-        <p:spPr>
-          <a:xfrm>
-            <a:off x="3354213" y="1190470"/>
-            <a:ext cx="8837787" cy="4135910"/>
-          </a:xfrm>
-          <a:prstGeom prst="rect">
-            <a:avLst/>
-          </a:prstGeom>
-        </p:spPr>
-      </p:pic>
     </p:spTree>
     <p:extLst>
       <p:ext uri="{BB962C8B-B14F-4D97-AF65-F5344CB8AC3E}">
-        <p14:creationId xmlns:p14="http://schemas.microsoft.com/office/powerpoint/2010/main" val="3674238195"/>
+        <p14:creationId xmlns:p14="http://schemas.microsoft.com/office/powerpoint/2010/main" val="2345115585"/>
       </p:ext>
     </p:extLst>
   </p:cSld>
@@ -9146,6 +9128,36 @@
           </a:p>
         </p:txBody>
       </p:sp>
+      <p:pic>
+        <p:nvPicPr>
+          <p:cNvPr id="7" name="Imagem 6" descr="Uma imagem com captura de ecrã&#10;&#10;&#10;&#10;Descrição gerada automaticamente">
+            <a:extLst>
+              <a:ext uri="{FF2B5EF4-FFF2-40B4-BE49-F238E27FC236}">
+                <a16:creationId xmlns:a16="http://schemas.microsoft.com/office/drawing/2014/main" id="{E0C84341-09AA-9C40-9347-D2002B117C80}"/>
+              </a:ext>
+            </a:extLst>
+          </p:cNvPr>
+          <p:cNvPicPr>
+            <a:picLocks noChangeAspect="1"/>
+          </p:cNvPicPr>
+          <p:nvPr/>
+        </p:nvPicPr>
+        <p:blipFill>
+          <a:blip r:embed="rId2"/>
+          <a:stretch>
+            <a:fillRect/>
+          </a:stretch>
+        </p:blipFill>
+        <p:spPr>
+          <a:xfrm>
+            <a:off x="3303270" y="1270094"/>
+            <a:ext cx="8888730" cy="3873932"/>
+          </a:xfrm>
+          <a:prstGeom prst="rect">
+            <a:avLst/>
+          </a:prstGeom>
+        </p:spPr>
+      </p:pic>
       <p:sp>
         <p:nvSpPr>
           <p:cNvPr id="2" name="Título 1">
@@ -9164,8 +9176,8 @@
         </p:nvSpPr>
         <p:spPr>
           <a:xfrm>
-            <a:off x="571977" y="2073599"/>
-            <a:ext cx="2883159" cy="2710800"/>
+            <a:off x="843039" y="2165040"/>
+            <a:ext cx="2341035" cy="2178360"/>
           </a:xfrm>
           <a:prstGeom prst="ellipse">
             <a:avLst/>
@@ -9186,15 +9198,33 @@
           <a:lstStyle/>
           <a:p>
             <a:pPr algn="ctr"/>
-            <a:r>
+            <a:br>
               <a:rPr lang="pt-PT" sz="2000" b="1" dirty="0">
                 <a:solidFill>
                   <a:schemeClr val="bg1"/>
                 </a:solidFill>
                 <a:latin typeface="Times" pitchFamily="2" charset="0"/>
               </a:rPr>
-              <a:t>Base de Dados</a:t>
-            </a:r>
+            </a:br>
+            <a:r>
+              <a:rPr lang="pt-PT" sz="2000" b="1" dirty="0">
+                <a:solidFill>
+                  <a:schemeClr val="bg1"/>
+                </a:solidFill>
+                <a:latin typeface="Times" pitchFamily="2" charset="0"/>
+              </a:rPr>
+              <a:t>Registo</a:t>
+            </a:r>
+            <a:br>
+              <a:rPr lang="en-US" sz="1800" kern="1200" dirty="0">
+                <a:solidFill>
+                  <a:srgbClr val="FFFFFF"/>
+                </a:solidFill>
+                <a:latin typeface="+mj-lt"/>
+                <a:ea typeface="+mj-ea"/>
+                <a:cs typeface="+mj-cs"/>
+              </a:rPr>
+            </a:br>
             <a:endParaRPr lang="en-US" sz="1800" kern="1200" dirty="0">
               <a:solidFill>
                 <a:srgbClr val="FFFFFF"/>
@@ -9206,72 +9236,10 @@
           </a:p>
         </p:txBody>
       </p:sp>
-      <p:sp>
-        <p:nvSpPr>
-          <p:cNvPr id="6" name="CaixaDeTexto 5">
-            <a:extLst>
-              <a:ext uri="{FF2B5EF4-FFF2-40B4-BE49-F238E27FC236}">
-                <a16:creationId xmlns:a16="http://schemas.microsoft.com/office/drawing/2014/main" id="{9DF6027C-662C-9B47-9D46-9EFE09111DB3}"/>
-              </a:ext>
-            </a:extLst>
-          </p:cNvPr>
-          <p:cNvSpPr txBox="1"/>
-          <p:nvPr/>
-        </p:nvSpPr>
-        <p:spPr>
-          <a:xfrm>
-            <a:off x="4027114" y="2828835"/>
-            <a:ext cx="5324704" cy="1200329"/>
-          </a:xfrm>
-          <a:prstGeom prst="rect">
-            <a:avLst/>
-          </a:prstGeom>
-          <a:noFill/>
-        </p:spPr>
-        <p:txBody>
-          <a:bodyPr wrap="square" rtlCol="0">
-            <a:spAutoFit/>
-          </a:bodyPr>
-          <a:lstStyle/>
-          <a:p>
-            <a:pPr marL="285750" indent="-285750">
-              <a:buFont typeface="Arial" panose="020B0604020202020204" pitchFamily="34" charset="0"/>
-              <a:buChar char="•"/>
-            </a:pPr>
-            <a:r>
-              <a:rPr lang="pt-PT" sz="2400" dirty="0">
-                <a:latin typeface="Times" pitchFamily="2" charset="0"/>
-              </a:rPr>
-              <a:t>Modelo Conceptual</a:t>
-            </a:r>
-          </a:p>
-          <a:p>
-            <a:pPr marL="285750" indent="-285750">
-              <a:buFont typeface="Arial" panose="020B0604020202020204" pitchFamily="34" charset="0"/>
-              <a:buChar char="•"/>
-            </a:pPr>
-            <a:endParaRPr lang="pt-PT" sz="2400" dirty="0">
-              <a:latin typeface="Times" pitchFamily="2" charset="0"/>
-            </a:endParaRPr>
-          </a:p>
-          <a:p>
-            <a:pPr marL="285750" indent="-285750">
-              <a:buFont typeface="Arial" panose="020B0604020202020204" pitchFamily="34" charset="0"/>
-              <a:buChar char="•"/>
-            </a:pPr>
-            <a:r>
-              <a:rPr lang="pt-PT" sz="2400" dirty="0">
-                <a:latin typeface="Times" pitchFamily="2" charset="0"/>
-              </a:rPr>
-              <a:t>Modelo Lógico</a:t>
-            </a:r>
-          </a:p>
-        </p:txBody>
-      </p:sp>
     </p:spTree>
     <p:extLst>
       <p:ext uri="{BB962C8B-B14F-4D97-AF65-F5344CB8AC3E}">
-        <p14:creationId xmlns:p14="http://schemas.microsoft.com/office/powerpoint/2010/main" val="424815990"/>
+        <p14:creationId xmlns:p14="http://schemas.microsoft.com/office/powerpoint/2010/main" val="2082782568"/>
       </p:ext>
     </p:extLst>
   </p:cSld>
@@ -9450,8 +9418,8 @@
         </p:nvSpPr>
         <p:spPr>
           <a:xfrm>
-            <a:off x="577692" y="2073598"/>
-            <a:ext cx="2871729" cy="2710800"/>
+            <a:off x="843039" y="2165040"/>
+            <a:ext cx="2341035" cy="2178360"/>
           </a:xfrm>
           <a:prstGeom prst="ellipse">
             <a:avLst/>
@@ -9472,17 +9440,33 @@
           <a:lstStyle/>
           <a:p>
             <a:pPr algn="ctr"/>
-            <a:r>
-              <a:rPr lang="pt-PT" sz="2000" b="1" kern="1200" dirty="0">
+            <a:br>
+              <a:rPr lang="pt-PT" sz="2000" b="1" dirty="0">
                 <a:solidFill>
                   <a:schemeClr val="bg1"/>
                 </a:solidFill>
                 <a:latin typeface="Times" pitchFamily="2" charset="0"/>
+              </a:rPr>
+            </a:br>
+            <a:r>
+              <a:rPr lang="pt-PT" sz="2000" b="1" dirty="0">
+                <a:solidFill>
+                  <a:schemeClr val="bg1"/>
+                </a:solidFill>
+                <a:latin typeface="Times" pitchFamily="2" charset="0"/>
+              </a:rPr>
+              <a:t>Preparar Receita</a:t>
+            </a:r>
+            <a:br>
+              <a:rPr lang="en-US" sz="1800" kern="1200" dirty="0">
+                <a:solidFill>
+                  <a:srgbClr val="FFFFFF"/>
+                </a:solidFill>
+                <a:latin typeface="+mj-lt"/>
                 <a:ea typeface="+mj-ea"/>
                 <a:cs typeface="+mj-cs"/>
               </a:rPr>
-              <a:t>Modelo Conceptual</a:t>
-            </a:r>
+            </a:br>
             <a:endParaRPr lang="en-US" sz="1800" kern="1200" dirty="0">
               <a:solidFill>
                 <a:srgbClr val="FFFFFF"/>
@@ -9496,10 +9480,10 @@
       </p:sp>
       <p:pic>
         <p:nvPicPr>
-          <p:cNvPr id="4" name="Imagem 3" descr="Uma imagem com texto, mapa&#10;&#10;&#10;&#10;Descrição gerada automaticamente">
-            <a:extLst>
-              <a:ext uri="{FF2B5EF4-FFF2-40B4-BE49-F238E27FC236}">
-                <a16:creationId xmlns:a16="http://schemas.microsoft.com/office/drawing/2014/main" id="{B77615BB-5FED-6A48-8453-A68D972AAF7C}"/>
+          <p:cNvPr id="5" name="Imagem 4" descr="Uma imagem com captura de ecrã&#10;&#10;&#10;&#10;Descrição gerada automaticamente">
+            <a:extLst>
+              <a:ext uri="{FF2B5EF4-FFF2-40B4-BE49-F238E27FC236}">
+                <a16:creationId xmlns:a16="http://schemas.microsoft.com/office/drawing/2014/main" id="{3C417023-F74D-0049-AA7D-EA56797222DC}"/>
               </a:ext>
             </a:extLst>
           </p:cNvPr>
@@ -9516,8 +9500,8 @@
         </p:blipFill>
         <p:spPr>
           <a:xfrm>
-            <a:off x="3634740" y="244903"/>
-            <a:ext cx="8557260" cy="6368193"/>
+            <a:off x="3371512" y="930218"/>
+            <a:ext cx="8820488" cy="4997564"/>
           </a:xfrm>
           <a:prstGeom prst="rect">
             <a:avLst/>
@@ -9527,7 +9511,7 @@
     </p:spTree>
     <p:extLst>
       <p:ext uri="{BB962C8B-B14F-4D97-AF65-F5344CB8AC3E}">
-        <p14:creationId xmlns:p14="http://schemas.microsoft.com/office/powerpoint/2010/main" val="1310939122"/>
+        <p14:creationId xmlns:p14="http://schemas.microsoft.com/office/powerpoint/2010/main" val="780878298"/>
       </p:ext>
     </p:extLst>
   </p:cSld>
@@ -9688,12 +9672,90 @@
           </a:p>
         </p:txBody>
       </p:sp>
+      <p:sp>
+        <p:nvSpPr>
+          <p:cNvPr id="2" name="Título 1">
+            <a:extLst>
+              <a:ext uri="{FF2B5EF4-FFF2-40B4-BE49-F238E27FC236}">
+                <a16:creationId xmlns:a16="http://schemas.microsoft.com/office/drawing/2014/main" id="{7E8400A2-82BA-4036-A6FE-BF5F48A90A12}"/>
+              </a:ext>
+            </a:extLst>
+          </p:cNvPr>
+          <p:cNvSpPr>
+            <a:spLocks noGrp="1"/>
+          </p:cNvSpPr>
+          <p:nvPr>
+            <p:ph type="title"/>
+          </p:nvPr>
+        </p:nvSpPr>
+        <p:spPr>
+          <a:xfrm>
+            <a:off x="843039" y="2165040"/>
+            <a:ext cx="2341035" cy="2178360"/>
+          </a:xfrm>
+          <a:prstGeom prst="ellipse">
+            <a:avLst/>
+          </a:prstGeom>
+          <a:solidFill>
+            <a:srgbClr val="262626"/>
+          </a:solidFill>
+          <a:ln w="174625" cmpd="thinThick">
+            <a:solidFill>
+              <a:srgbClr val="262626"/>
+            </a:solidFill>
+          </a:ln>
+        </p:spPr>
+        <p:txBody>
+          <a:bodyPr vert="horz" lIns="91440" tIns="45720" rIns="91440" bIns="45720" rtlCol="0" anchor="ctr">
+            <a:normAutofit/>
+          </a:bodyPr>
+          <a:lstStyle/>
+          <a:p>
+            <a:pPr algn="ctr"/>
+            <a:br>
+              <a:rPr lang="pt-PT" sz="2000" b="1" dirty="0">
+                <a:solidFill>
+                  <a:schemeClr val="bg1"/>
+                </a:solidFill>
+                <a:latin typeface="Times" pitchFamily="2" charset="0"/>
+              </a:rPr>
+            </a:br>
+            <a:r>
+              <a:rPr lang="pt-PT" sz="2000" b="1" dirty="0">
+                <a:solidFill>
+                  <a:schemeClr val="bg1"/>
+                </a:solidFill>
+                <a:latin typeface="Times" pitchFamily="2" charset="0"/>
+              </a:rPr>
+              <a:t>Adicionar Receita</a:t>
+            </a:r>
+            <a:br>
+              <a:rPr lang="en-US" sz="1800" kern="1200" dirty="0">
+                <a:solidFill>
+                  <a:srgbClr val="FFFFFF"/>
+                </a:solidFill>
+                <a:latin typeface="+mj-lt"/>
+                <a:ea typeface="+mj-ea"/>
+                <a:cs typeface="+mj-cs"/>
+              </a:rPr>
+            </a:br>
+            <a:endParaRPr lang="en-US" sz="1800" kern="1200" dirty="0">
+              <a:solidFill>
+                <a:srgbClr val="FFFFFF"/>
+              </a:solidFill>
+              <a:latin typeface="+mj-lt"/>
+              <a:ea typeface="+mj-ea"/>
+              <a:cs typeface="+mj-cs"/>
+            </a:endParaRPr>
+          </a:p>
+        </p:txBody>
+      </p:sp>
       <p:pic>
         <p:nvPicPr>
-          <p:cNvPr id="5" name="Imagem 4" descr="Uma imagem com captura de ecrã&#10;&#10;&#10;&#10;Descrição gerada automaticamente">
-            <a:extLst>
-              <a:ext uri="{FF2B5EF4-FFF2-40B4-BE49-F238E27FC236}">
-                <a16:creationId xmlns:a16="http://schemas.microsoft.com/office/drawing/2014/main" id="{B1C46BDA-CD63-9843-B147-7AE7E7E7CB2B}"/>
+          <p:cNvPr id="5" name="Imagem 4">
+            <a:extLst>
+              <a:ext uri="{FF2B5EF4-FFF2-40B4-BE49-F238E27FC236}">
+                <a16:creationId xmlns:a16="http://schemas.microsoft.com/office/drawing/2014/main" id="{D940E898-DD5C-4C46-89C4-D77A09C5D9B3}"/>
               </a:ext>
             </a:extLst>
           </p:cNvPr>
@@ -9710,80 +9772,18 @@
         </p:blipFill>
         <p:spPr>
           <a:xfrm>
-            <a:off x="2013557" y="679006"/>
-            <a:ext cx="10178444" cy="5102171"/>
+            <a:off x="3354213" y="1190470"/>
+            <a:ext cx="8837787" cy="4135910"/>
           </a:xfrm>
           <a:prstGeom prst="rect">
             <a:avLst/>
           </a:prstGeom>
         </p:spPr>
       </p:pic>
-      <p:sp>
-        <p:nvSpPr>
-          <p:cNvPr id="2" name="Título 1">
-            <a:extLst>
-              <a:ext uri="{FF2B5EF4-FFF2-40B4-BE49-F238E27FC236}">
-                <a16:creationId xmlns:a16="http://schemas.microsoft.com/office/drawing/2014/main" id="{7E8400A2-82BA-4036-A6FE-BF5F48A90A12}"/>
-              </a:ext>
-            </a:extLst>
-          </p:cNvPr>
-          <p:cNvSpPr>
-            <a:spLocks noGrp="1"/>
-          </p:cNvSpPr>
-          <p:nvPr>
-            <p:ph type="title"/>
-          </p:nvPr>
-        </p:nvSpPr>
-        <p:spPr>
-          <a:xfrm>
-            <a:off x="741073" y="2176469"/>
-            <a:ext cx="2265939" cy="2098351"/>
-          </a:xfrm>
-          <a:prstGeom prst="ellipse">
-            <a:avLst/>
-          </a:prstGeom>
-          <a:solidFill>
-            <a:srgbClr val="262626"/>
-          </a:solidFill>
-          <a:ln w="174625" cmpd="thinThick">
-            <a:solidFill>
-              <a:srgbClr val="262626"/>
-            </a:solidFill>
-          </a:ln>
-        </p:spPr>
-        <p:txBody>
-          <a:bodyPr vert="horz" lIns="91440" tIns="45720" rIns="91440" bIns="45720" rtlCol="0" anchor="ctr">
-            <a:normAutofit/>
-          </a:bodyPr>
-          <a:lstStyle/>
-          <a:p>
-            <a:pPr algn="ctr"/>
-            <a:r>
-              <a:rPr lang="pt-PT" sz="2000" b="1" kern="1200" dirty="0">
-                <a:solidFill>
-                  <a:schemeClr val="bg1"/>
-                </a:solidFill>
-                <a:latin typeface="Times" pitchFamily="2" charset="0"/>
-                <a:ea typeface="+mj-ea"/>
-                <a:cs typeface="+mj-cs"/>
-              </a:rPr>
-              <a:t>Modelo Lógico</a:t>
-            </a:r>
-            <a:endParaRPr lang="en-US" sz="1800" kern="1200" dirty="0">
-              <a:solidFill>
-                <a:srgbClr val="FFFFFF"/>
-              </a:solidFill>
-              <a:latin typeface="+mj-lt"/>
-              <a:ea typeface="+mj-ea"/>
-              <a:cs typeface="+mj-cs"/>
-            </a:endParaRPr>
-          </a:p>
-        </p:txBody>
-      </p:sp>
     </p:spTree>
     <p:extLst>
       <p:ext uri="{BB962C8B-B14F-4D97-AF65-F5344CB8AC3E}">
-        <p14:creationId xmlns:p14="http://schemas.microsoft.com/office/powerpoint/2010/main" val="3419315472"/>
+        <p14:creationId xmlns:p14="http://schemas.microsoft.com/office/powerpoint/2010/main" val="3674238195"/>
       </p:ext>
     </p:extLst>
   </p:cSld>
